--- a/毕设论文相关/我的相关/ppt/examples.pptx
+++ b/毕设论文相关/我的相关/ppt/examples.pptx
@@ -14,6 +14,7 @@
     <p:sldId id="262" r:id="rId9"/>
     <p:sldId id="263" r:id="rId10"/>
     <p:sldId id="264" r:id="rId11"/>
+    <p:sldId id="265" r:id="rId12"/>
   </p:sldIdLst>
   <p:sldSz cx="12192000" cy="6858000"/>
   <p:notesSz cx="7103745" cy="10234295"/>
@@ -3998,6 +3999,217 @@
           </p:txBody>
         </p:sp>
       </p:grpSp>
+    </p:spTree>
+  </p:cSld>
+  <p:clrMapOvr>
+    <a:masterClrMapping/>
+  </p:clrMapOvr>
+</p:sld>
+</file>
+
+<file path=ppt/slides/slide10.xml><?xml version="1.0" encoding="utf-8"?>
+<p:sld xmlns:a="http://schemas.openxmlformats.org/drawingml/2006/main" xmlns:r="http://schemas.openxmlformats.org/officeDocument/2006/relationships" xmlns:p="http://schemas.openxmlformats.org/presentationml/2006/main">
+  <p:cSld>
+    <p:spTree>
+      <p:nvGrpSpPr>
+        <p:cNvPr id="1" name=""/>
+        <p:cNvGrpSpPr/>
+        <p:nvPr/>
+      </p:nvGrpSpPr>
+      <p:grpSpPr/>
+      <p:pic>
+        <p:nvPicPr>
+          <p:cNvPr id="4" name="内容占位符 3" descr="optimal-hyperplane"/>
+          <p:cNvPicPr>
+            <a:picLocks noChangeAspect="1"/>
+          </p:cNvPicPr>
+          <p:nvPr>
+            <p:ph idx="1"/>
+          </p:nvPr>
+        </p:nvPicPr>
+        <p:blipFill>
+          <a:blip r:embed="rId1"/>
+          <a:stretch>
+            <a:fillRect/>
+          </a:stretch>
+        </p:blipFill>
+        <p:spPr>
+          <a:xfrm>
+            <a:off x="8070850" y="1305560"/>
+            <a:ext cx="4056380" cy="4003040"/>
+          </a:xfrm>
+          <a:prstGeom prst="rect">
+            <a:avLst/>
+          </a:prstGeom>
+        </p:spPr>
+      </p:pic>
+      <p:pic>
+        <p:nvPicPr>
+          <p:cNvPr id="5" name="图片 4" descr="separating-lines"/>
+          <p:cNvPicPr>
+            <a:picLocks noChangeAspect="1"/>
+          </p:cNvPicPr>
+          <p:nvPr/>
+        </p:nvPicPr>
+        <p:blipFill>
+          <a:blip r:embed="rId2"/>
+          <a:stretch>
+            <a:fillRect/>
+          </a:stretch>
+        </p:blipFill>
+        <p:spPr>
+          <a:xfrm>
+            <a:off x="16510" y="1338580"/>
+            <a:ext cx="4016375" cy="3937000"/>
+          </a:xfrm>
+          <a:prstGeom prst="rect">
+            <a:avLst/>
+          </a:prstGeom>
+        </p:spPr>
+      </p:pic>
+      <p:sp>
+        <p:nvSpPr>
+          <p:cNvPr id="6" name="文本框 5"/>
+          <p:cNvSpPr txBox="1"/>
+          <p:nvPr/>
+        </p:nvSpPr>
+        <p:spPr>
+          <a:xfrm>
+            <a:off x="9558655" y="1329055"/>
+            <a:ext cx="770890" cy="460375"/>
+          </a:xfrm>
+          <a:prstGeom prst="rect">
+            <a:avLst/>
+          </a:prstGeom>
+          <a:noFill/>
+        </p:spPr>
+        <p:txBody>
+          <a:bodyPr wrap="none" rtlCol="0">
+            <a:spAutoFit/>
+          </a:bodyPr>
+          <a:p>
+            <a:r>
+              <a:rPr lang="en-US" altLang="zh-CN" sz="2400" b="1"/>
+              <a:t>SVM</a:t>
+            </a:r>
+            <a:endParaRPr lang="en-US" altLang="zh-CN" sz="2400" b="1"/>
+          </a:p>
+        </p:txBody>
+      </p:sp>
+      <p:pic>
+        <p:nvPicPr>
+          <p:cNvPr id="7" name="图片 6" descr="separating-lines"/>
+          <p:cNvPicPr>
+            <a:picLocks noChangeAspect="1"/>
+          </p:cNvPicPr>
+          <p:nvPr/>
+        </p:nvPicPr>
+        <p:blipFill>
+          <a:blip r:embed="rId2"/>
+          <a:stretch>
+            <a:fillRect/>
+          </a:stretch>
+        </p:blipFill>
+        <p:spPr>
+          <a:xfrm>
+            <a:off x="4032885" y="1254125"/>
+            <a:ext cx="4102735" cy="4021455"/>
+          </a:xfrm>
+          <a:prstGeom prst="rect">
+            <a:avLst/>
+          </a:prstGeom>
+        </p:spPr>
+      </p:pic>
+      <p:sp>
+        <p:nvSpPr>
+          <p:cNvPr id="8" name="等腰三角形 7"/>
+          <p:cNvSpPr/>
+          <p:nvPr/>
+        </p:nvSpPr>
+        <p:spPr>
+          <a:xfrm>
+            <a:off x="6437630" y="3918585"/>
+            <a:ext cx="260350" cy="260350"/>
+          </a:xfrm>
+          <a:prstGeom prst="triangle">
+            <a:avLst/>
+          </a:prstGeom>
+          <a:solidFill>
+            <a:srgbClr val="00B050"/>
+          </a:solidFill>
+          <a:ln>
+            <a:noFill/>
+          </a:ln>
+        </p:spPr>
+        <p:style>
+          <a:lnRef idx="2">
+            <a:schemeClr val="accent1">
+              <a:shade val="50000"/>
+            </a:schemeClr>
+          </a:lnRef>
+          <a:fillRef idx="1">
+            <a:schemeClr val="accent1"/>
+          </a:fillRef>
+          <a:effectRef idx="0">
+            <a:schemeClr val="accent1"/>
+          </a:effectRef>
+          <a:fontRef idx="minor">
+            <a:schemeClr val="lt1"/>
+          </a:fontRef>
+        </p:style>
+        <p:txBody>
+          <a:bodyPr rtlCol="0" anchor="ctr"/>
+          <a:p>
+            <a:pPr algn="ctr"/>
+            <a:endParaRPr lang="zh-CN" altLang="en-US"/>
+          </a:p>
+        </p:txBody>
+      </p:sp>
+      <p:sp>
+        <p:nvSpPr>
+          <p:cNvPr id="9" name="等腰三角形 8"/>
+          <p:cNvSpPr/>
+          <p:nvPr/>
+        </p:nvSpPr>
+        <p:spPr>
+          <a:xfrm>
+            <a:off x="10329545" y="3983355"/>
+            <a:ext cx="260350" cy="260350"/>
+          </a:xfrm>
+          <a:prstGeom prst="triangle">
+            <a:avLst/>
+          </a:prstGeom>
+          <a:solidFill>
+            <a:srgbClr val="00B050"/>
+          </a:solidFill>
+          <a:ln>
+            <a:noFill/>
+          </a:ln>
+        </p:spPr>
+        <p:style>
+          <a:lnRef idx="2">
+            <a:schemeClr val="accent1">
+              <a:shade val="50000"/>
+            </a:schemeClr>
+          </a:lnRef>
+          <a:fillRef idx="1">
+            <a:schemeClr val="accent1"/>
+          </a:fillRef>
+          <a:effectRef idx="0">
+            <a:schemeClr val="accent1"/>
+          </a:effectRef>
+          <a:fontRef idx="minor">
+            <a:schemeClr val="lt1"/>
+          </a:fontRef>
+        </p:style>
+        <p:txBody>
+          <a:bodyPr rtlCol="0" anchor="ctr"/>
+          <a:p>
+            <a:pPr algn="ctr"/>
+            <a:endParaRPr lang="zh-CN" altLang="en-US"/>
+          </a:p>
+        </p:txBody>
+      </p:sp>
     </p:spTree>
   </p:cSld>
   <p:clrMapOvr>

--- a/毕设论文相关/我的相关/ppt/examples.pptx
+++ b/毕设论文相关/我的相关/ppt/examples.pptx
@@ -15,6 +15,9 @@
     <p:sldId id="263" r:id="rId10"/>
     <p:sldId id="264" r:id="rId11"/>
     <p:sldId id="265" r:id="rId12"/>
+    <p:sldId id="266" r:id="rId13"/>
+    <p:sldId id="268" r:id="rId14"/>
+    <p:sldId id="267" r:id="rId15"/>
   </p:sldIdLst>
   <p:sldSz cx="12192000" cy="6858000"/>
   <p:notesSz cx="7103745" cy="10234295"/>
@@ -4218,6 +4221,5473 @@
 </p:sld>
 </file>
 
+<file path=ppt/slides/slide11.xml><?xml version="1.0" encoding="utf-8"?>
+<p:sld xmlns:a="http://schemas.openxmlformats.org/drawingml/2006/main" xmlns:r="http://schemas.openxmlformats.org/officeDocument/2006/relationships" xmlns:p="http://schemas.openxmlformats.org/presentationml/2006/main">
+  <p:cSld>
+    <p:spTree>
+      <p:nvGrpSpPr>
+        <p:cNvPr id="1" name=""/>
+        <p:cNvGrpSpPr/>
+        <p:nvPr/>
+      </p:nvGrpSpPr>
+      <p:grpSpPr/>
+      <p:grpSp>
+        <p:nvGrpSpPr>
+          <p:cNvPr id="51" name="组合 50"/>
+          <p:cNvGrpSpPr/>
+          <p:nvPr/>
+        </p:nvGrpSpPr>
+        <p:grpSpPr>
+          <a:xfrm>
+            <a:off x="1837690" y="374015"/>
+            <a:ext cx="8200390" cy="5841365"/>
+            <a:chOff x="2860" y="152"/>
+            <a:chExt cx="12914" cy="9199"/>
+          </a:xfrm>
+        </p:grpSpPr>
+        <p:sp>
+          <p:nvSpPr>
+            <p:cNvPr id="4" name="圆角矩形 3"/>
+            <p:cNvSpPr/>
+            <p:nvPr/>
+          </p:nvSpPr>
+          <p:spPr>
+            <a:xfrm>
+              <a:off x="7543" y="8208"/>
+              <a:ext cx="3784" cy="1143"/>
+            </a:xfrm>
+            <a:prstGeom prst="roundRect">
+              <a:avLst/>
+            </a:prstGeom>
+            <a:noFill/>
+            <a:ln w="9525">
+              <a:solidFill>
+                <a:schemeClr val="tx1"/>
+              </a:solidFill>
+            </a:ln>
+            <a:extLst>
+              <a:ext uri="{909E8E84-426E-40DD-AFC4-6F175D3DCCD1}">
+                <a14:hiddenFill xmlns:a14="http://schemas.microsoft.com/office/drawing/2010/main">
+                  <a:solidFill>
+                    <a:schemeClr val="accent1"/>
+                  </a:solidFill>
+                </a14:hiddenFill>
+              </a:ext>
+            </a:extLst>
+          </p:spPr>
+          <p:style>
+            <a:lnRef idx="2">
+              <a:schemeClr val="accent1">
+                <a:shade val="50000"/>
+              </a:schemeClr>
+            </a:lnRef>
+            <a:fillRef idx="1">
+              <a:schemeClr val="accent1"/>
+            </a:fillRef>
+            <a:effectRef idx="0">
+              <a:schemeClr val="accent1"/>
+            </a:effectRef>
+            <a:fontRef idx="minor">
+              <a:schemeClr val="lt1"/>
+            </a:fontRef>
+          </p:style>
+          <p:txBody>
+            <a:bodyPr rtlCol="0" anchor="ctr"/>
+            <a:p>
+              <a:pPr algn="ctr"/>
+              <a:endParaRPr lang="zh-CN" altLang="en-US"/>
+            </a:p>
+          </p:txBody>
+        </p:sp>
+        <p:cxnSp>
+          <p:nvCxnSpPr>
+            <p:cNvPr id="6" name="直接连接符 5"/>
+            <p:cNvCxnSpPr/>
+            <p:nvPr/>
+          </p:nvCxnSpPr>
+          <p:spPr>
+            <a:xfrm flipV="1">
+              <a:off x="4092" y="2659"/>
+              <a:ext cx="10551" cy="17"/>
+            </a:xfrm>
+            <a:prstGeom prst="line">
+              <a:avLst/>
+            </a:prstGeom>
+            <a:ln>
+              <a:solidFill>
+                <a:schemeClr val="tx1"/>
+              </a:solidFill>
+            </a:ln>
+          </p:spPr>
+          <p:style>
+            <a:lnRef idx="1">
+              <a:schemeClr val="accent1"/>
+            </a:lnRef>
+            <a:fillRef idx="0">
+              <a:schemeClr val="accent1"/>
+            </a:fillRef>
+            <a:effectRef idx="0">
+              <a:schemeClr val="accent1"/>
+            </a:effectRef>
+            <a:fontRef idx="minor">
+              <a:schemeClr val="tx1"/>
+            </a:fontRef>
+          </p:style>
+        </p:cxnSp>
+        <p:cxnSp>
+          <p:nvCxnSpPr>
+            <p:cNvPr id="7" name="直接箭头连接符 6"/>
+            <p:cNvCxnSpPr/>
+            <p:nvPr/>
+          </p:nvCxnSpPr>
+          <p:spPr>
+            <a:xfrm flipH="1">
+              <a:off x="4093" y="2676"/>
+              <a:ext cx="17" cy="1284"/>
+            </a:xfrm>
+            <a:prstGeom prst="straightConnector1">
+              <a:avLst/>
+            </a:prstGeom>
+            <a:ln>
+              <a:tailEnd type="arrow" w="med" len="med"/>
+            </a:ln>
+          </p:spPr>
+          <p:style>
+            <a:lnRef idx="1">
+              <a:schemeClr val="dk1"/>
+            </a:lnRef>
+            <a:fillRef idx="0">
+              <a:schemeClr val="dk1"/>
+            </a:fillRef>
+            <a:effectRef idx="0">
+              <a:schemeClr val="dk1"/>
+            </a:effectRef>
+            <a:fontRef idx="minor">
+              <a:schemeClr val="tx1"/>
+            </a:fontRef>
+          </p:style>
+        </p:cxnSp>
+        <p:grpSp>
+          <p:nvGrpSpPr>
+            <p:cNvPr id="16" name="组合 15"/>
+            <p:cNvGrpSpPr/>
+            <p:nvPr/>
+          </p:nvGrpSpPr>
+          <p:grpSpPr>
+            <a:xfrm>
+              <a:off x="13324" y="3943"/>
+              <a:ext cx="2450" cy="2740"/>
+              <a:chOff x="2722" y="3943"/>
+              <a:chExt cx="2450" cy="2740"/>
+            </a:xfrm>
+          </p:grpSpPr>
+          <p:sp>
+            <p:nvSpPr>
+              <p:cNvPr id="8" name="矩形 7"/>
+              <p:cNvSpPr/>
+              <p:nvPr/>
+            </p:nvSpPr>
+            <p:spPr>
+              <a:xfrm>
+                <a:off x="2722" y="3943"/>
+                <a:ext cx="2450" cy="1028"/>
+              </a:xfrm>
+              <a:prstGeom prst="rect">
+                <a:avLst/>
+              </a:prstGeom>
+              <a:noFill/>
+              <a:ln>
+                <a:solidFill>
+                  <a:schemeClr val="tx1"/>
+                </a:solidFill>
+              </a:ln>
+              <a:extLst>
+                <a:ext uri="{909E8E84-426E-40DD-AFC4-6F175D3DCCD1}">
+                  <a14:hiddenFill xmlns:a14="http://schemas.microsoft.com/office/drawing/2010/main">
+                    <a:solidFill>
+                      <a:schemeClr val="accent1"/>
+                    </a:solidFill>
+                  </a14:hiddenFill>
+                </a:ext>
+              </a:extLst>
+            </p:spPr>
+            <p:style>
+              <a:lnRef idx="2">
+                <a:schemeClr val="accent1">
+                  <a:shade val="50000"/>
+                </a:schemeClr>
+              </a:lnRef>
+              <a:fillRef idx="1">
+                <a:schemeClr val="accent1"/>
+              </a:fillRef>
+              <a:effectRef idx="0">
+                <a:schemeClr val="accent1"/>
+              </a:effectRef>
+              <a:fontRef idx="minor">
+                <a:schemeClr val="lt1"/>
+              </a:fontRef>
+            </p:style>
+            <p:txBody>
+              <a:bodyPr rtlCol="0" anchor="ctr"/>
+              <a:p>
+                <a:pPr algn="ctr"/>
+                <a:endParaRPr lang="zh-CN" altLang="en-US"/>
+              </a:p>
+            </p:txBody>
+          </p:sp>
+          <p:cxnSp>
+            <p:nvCxnSpPr>
+              <p:cNvPr id="9" name="直接箭头连接符 8"/>
+              <p:cNvCxnSpPr/>
+              <p:nvPr/>
+            </p:nvCxnSpPr>
+            <p:spPr>
+              <a:xfrm flipH="1">
+                <a:off x="3955" y="4971"/>
+                <a:ext cx="1" cy="634"/>
+              </a:xfrm>
+              <a:prstGeom prst="straightConnector1">
+                <a:avLst/>
+              </a:prstGeom>
+              <a:ln>
+                <a:tailEnd type="arrow" w="med" len="med"/>
+              </a:ln>
+            </p:spPr>
+            <p:style>
+              <a:lnRef idx="1">
+                <a:schemeClr val="dk1"/>
+              </a:lnRef>
+              <a:fillRef idx="0">
+                <a:schemeClr val="dk1"/>
+              </a:fillRef>
+              <a:effectRef idx="0">
+                <a:schemeClr val="dk1"/>
+              </a:effectRef>
+              <a:fontRef idx="minor">
+                <a:schemeClr val="tx1"/>
+              </a:fontRef>
+            </p:style>
+          </p:cxnSp>
+          <p:sp>
+            <p:nvSpPr>
+              <p:cNvPr id="10" name="矩形 9"/>
+              <p:cNvSpPr/>
+              <p:nvPr/>
+            </p:nvSpPr>
+            <p:spPr>
+              <a:xfrm>
+                <a:off x="2722" y="5605"/>
+                <a:ext cx="2449" cy="1079"/>
+              </a:xfrm>
+              <a:prstGeom prst="rect">
+                <a:avLst/>
+              </a:prstGeom>
+              <a:noFill/>
+              <a:ln>
+                <a:solidFill>
+                  <a:schemeClr val="tx1"/>
+                </a:solidFill>
+              </a:ln>
+              <a:extLst>
+                <a:ext uri="{909E8E84-426E-40DD-AFC4-6F175D3DCCD1}">
+                  <a14:hiddenFill xmlns:a14="http://schemas.microsoft.com/office/drawing/2010/main">
+                    <a:solidFill>
+                      <a:schemeClr val="accent1"/>
+                    </a:solidFill>
+                  </a14:hiddenFill>
+                </a:ext>
+              </a:extLst>
+            </p:spPr>
+            <p:style>
+              <a:lnRef idx="2">
+                <a:schemeClr val="accent1">
+                  <a:shade val="50000"/>
+                </a:schemeClr>
+              </a:lnRef>
+              <a:fillRef idx="1">
+                <a:schemeClr val="accent1"/>
+              </a:fillRef>
+              <a:effectRef idx="0">
+                <a:schemeClr val="accent1"/>
+              </a:effectRef>
+              <a:fontRef idx="minor">
+                <a:schemeClr val="lt1"/>
+              </a:fontRef>
+            </p:style>
+            <p:txBody>
+              <a:bodyPr vertOverflow="overflow" horzOverflow="overflow" vert="horz" wrap="square" numCol="1" spcCol="0" rtlCol="0" fromWordArt="0" anchor="ctr" anchorCtr="0" forceAA="0" compatLnSpc="1">
+                <a:noAutofit/>
+              </a:bodyPr>
+              <a:p>
+                <a:pPr lvl="0" algn="ctr"/>
+                <a:endParaRPr lang="zh-CN" altLang="en-US">
+                  <a:sym typeface="+mn-ea"/>
+                </a:endParaRPr>
+              </a:p>
+            </p:txBody>
+          </p:sp>
+        </p:grpSp>
+        <p:cxnSp>
+          <p:nvCxnSpPr>
+            <p:cNvPr id="11" name="直接连接符 10"/>
+            <p:cNvCxnSpPr/>
+            <p:nvPr/>
+          </p:nvCxnSpPr>
+          <p:spPr>
+            <a:xfrm flipH="1">
+              <a:off x="14557" y="6684"/>
+              <a:ext cx="10" cy="650"/>
+            </a:xfrm>
+            <a:prstGeom prst="line">
+              <a:avLst/>
+            </a:prstGeom>
+          </p:spPr>
+          <p:style>
+            <a:lnRef idx="1">
+              <a:schemeClr val="dk1"/>
+            </a:lnRef>
+            <a:fillRef idx="0">
+              <a:schemeClr val="dk1"/>
+            </a:fillRef>
+            <a:effectRef idx="0">
+              <a:schemeClr val="dk1"/>
+            </a:effectRef>
+            <a:fontRef idx="minor">
+              <a:schemeClr val="tx1"/>
+            </a:fontRef>
+          </p:style>
+        </p:cxnSp>
+        <p:cxnSp>
+          <p:nvCxnSpPr>
+            <p:cNvPr id="12" name="直接连接符 11"/>
+            <p:cNvCxnSpPr/>
+            <p:nvPr/>
+          </p:nvCxnSpPr>
+          <p:spPr>
+            <a:xfrm>
+              <a:off x="4092" y="7334"/>
+              <a:ext cx="10499" cy="0"/>
+            </a:xfrm>
+            <a:prstGeom prst="line">
+              <a:avLst/>
+            </a:prstGeom>
+          </p:spPr>
+          <p:style>
+            <a:lnRef idx="1">
+              <a:schemeClr val="dk1"/>
+            </a:lnRef>
+            <a:fillRef idx="0">
+              <a:schemeClr val="dk1"/>
+            </a:fillRef>
+            <a:effectRef idx="0">
+              <a:schemeClr val="dk1"/>
+            </a:effectRef>
+            <a:fontRef idx="minor">
+              <a:schemeClr val="tx1"/>
+            </a:fontRef>
+          </p:style>
+        </p:cxnSp>
+        <p:cxnSp>
+          <p:nvCxnSpPr>
+            <p:cNvPr id="13" name="直接箭头连接符 12"/>
+            <p:cNvCxnSpPr/>
+            <p:nvPr/>
+          </p:nvCxnSpPr>
+          <p:spPr>
+            <a:xfrm flipH="1">
+              <a:off x="9367" y="7334"/>
+              <a:ext cx="1" cy="874"/>
+            </a:xfrm>
+            <a:prstGeom prst="straightConnector1">
+              <a:avLst/>
+            </a:prstGeom>
+            <a:ln>
+              <a:tailEnd type="arrow" w="med" len="med"/>
+            </a:ln>
+          </p:spPr>
+          <p:style>
+            <a:lnRef idx="1">
+              <a:schemeClr val="dk1"/>
+            </a:lnRef>
+            <a:fillRef idx="0">
+              <a:schemeClr val="dk1"/>
+            </a:fillRef>
+            <a:effectRef idx="0">
+              <a:schemeClr val="dk1"/>
+            </a:effectRef>
+            <a:fontRef idx="minor">
+              <a:schemeClr val="tx1"/>
+            </a:fontRef>
+          </p:style>
+        </p:cxnSp>
+        <p:sp>
+          <p:nvSpPr>
+            <p:cNvPr id="14" name="圆角矩形 13"/>
+            <p:cNvSpPr/>
+            <p:nvPr/>
+          </p:nvSpPr>
+          <p:spPr>
+            <a:xfrm>
+              <a:off x="7648" y="152"/>
+              <a:ext cx="3482" cy="1147"/>
+            </a:xfrm>
+            <a:prstGeom prst="roundRect">
+              <a:avLst/>
+            </a:prstGeom>
+            <a:noFill/>
+            <a:ln w="9525">
+              <a:solidFill>
+                <a:schemeClr val="tx1"/>
+              </a:solidFill>
+            </a:ln>
+            <a:extLst>
+              <a:ext uri="{909E8E84-426E-40DD-AFC4-6F175D3DCCD1}">
+                <a14:hiddenFill xmlns:a14="http://schemas.microsoft.com/office/drawing/2010/main">
+                  <a:solidFill>
+                    <a:schemeClr val="accent1"/>
+                  </a:solidFill>
+                </a14:hiddenFill>
+              </a:ext>
+            </a:extLst>
+          </p:spPr>
+          <p:style>
+            <a:lnRef idx="2">
+              <a:schemeClr val="accent1">
+                <a:shade val="50000"/>
+              </a:schemeClr>
+            </a:lnRef>
+            <a:fillRef idx="1">
+              <a:schemeClr val="accent1"/>
+            </a:fillRef>
+            <a:effectRef idx="0">
+              <a:schemeClr val="accent1"/>
+            </a:effectRef>
+            <a:fontRef idx="minor">
+              <a:schemeClr val="lt1"/>
+            </a:fontRef>
+          </p:style>
+          <p:txBody>
+            <a:bodyPr rtlCol="0" anchor="ctr"/>
+            <a:p>
+              <a:pPr algn="ctr"/>
+              <a:endParaRPr lang="zh-CN" altLang="en-US"/>
+            </a:p>
+          </p:txBody>
+        </p:sp>
+        <p:cxnSp>
+          <p:nvCxnSpPr>
+            <p:cNvPr id="15" name="直接连接符 14"/>
+            <p:cNvCxnSpPr>
+              <a:stCxn id="14" idx="2"/>
+            </p:cNvCxnSpPr>
+            <p:nvPr/>
+          </p:nvCxnSpPr>
+          <p:spPr>
+            <a:xfrm>
+              <a:off x="9389" y="1299"/>
+              <a:ext cx="13" cy="1360"/>
+            </a:xfrm>
+            <a:prstGeom prst="line">
+              <a:avLst/>
+            </a:prstGeom>
+          </p:spPr>
+          <p:style>
+            <a:lnRef idx="1">
+              <a:schemeClr val="dk1"/>
+            </a:lnRef>
+            <a:fillRef idx="0">
+              <a:schemeClr val="dk1"/>
+            </a:fillRef>
+            <a:effectRef idx="0">
+              <a:schemeClr val="dk1"/>
+            </a:effectRef>
+            <a:fontRef idx="minor">
+              <a:schemeClr val="tx1"/>
+            </a:fontRef>
+          </p:style>
+        </p:cxnSp>
+        <p:grpSp>
+          <p:nvGrpSpPr>
+            <p:cNvPr id="17" name="组合 16"/>
+            <p:cNvGrpSpPr/>
+            <p:nvPr/>
+          </p:nvGrpSpPr>
+          <p:grpSpPr>
+            <a:xfrm>
+              <a:off x="6034" y="3960"/>
+              <a:ext cx="2450" cy="2740"/>
+              <a:chOff x="2722" y="3943"/>
+              <a:chExt cx="2450" cy="2740"/>
+            </a:xfrm>
+          </p:grpSpPr>
+          <p:sp>
+            <p:nvSpPr>
+              <p:cNvPr id="18" name="矩形 17"/>
+              <p:cNvSpPr/>
+              <p:nvPr/>
+            </p:nvSpPr>
+            <p:spPr>
+              <a:xfrm>
+                <a:off x="2722" y="3943"/>
+                <a:ext cx="2450" cy="1028"/>
+              </a:xfrm>
+              <a:prstGeom prst="rect">
+                <a:avLst/>
+              </a:prstGeom>
+              <a:noFill/>
+              <a:ln>
+                <a:solidFill>
+                  <a:schemeClr val="tx1"/>
+                </a:solidFill>
+              </a:ln>
+              <a:extLst>
+                <a:ext uri="{909E8E84-426E-40DD-AFC4-6F175D3DCCD1}">
+                  <a14:hiddenFill xmlns:a14="http://schemas.microsoft.com/office/drawing/2010/main">
+                    <a:solidFill>
+                      <a:schemeClr val="accent1"/>
+                    </a:solidFill>
+                  </a14:hiddenFill>
+                </a:ext>
+              </a:extLst>
+            </p:spPr>
+            <p:style>
+              <a:lnRef idx="2">
+                <a:schemeClr val="accent1">
+                  <a:shade val="50000"/>
+                </a:schemeClr>
+              </a:lnRef>
+              <a:fillRef idx="1">
+                <a:schemeClr val="accent1"/>
+              </a:fillRef>
+              <a:effectRef idx="0">
+                <a:schemeClr val="accent1"/>
+              </a:effectRef>
+              <a:fontRef idx="minor">
+                <a:schemeClr val="lt1"/>
+              </a:fontRef>
+            </p:style>
+            <p:txBody>
+              <a:bodyPr rtlCol="0" anchor="ctr"/>
+              <a:p>
+                <a:pPr algn="ctr"/>
+                <a:endParaRPr lang="zh-CN" altLang="en-US"/>
+              </a:p>
+            </p:txBody>
+          </p:sp>
+          <p:cxnSp>
+            <p:nvCxnSpPr>
+              <p:cNvPr id="19" name="直接箭头连接符 18"/>
+              <p:cNvCxnSpPr/>
+              <p:nvPr/>
+            </p:nvCxnSpPr>
+            <p:spPr>
+              <a:xfrm flipH="1">
+                <a:off x="3955" y="4971"/>
+                <a:ext cx="1" cy="634"/>
+              </a:xfrm>
+              <a:prstGeom prst="straightConnector1">
+                <a:avLst/>
+              </a:prstGeom>
+              <a:ln>
+                <a:tailEnd type="arrow" w="med" len="med"/>
+              </a:ln>
+            </p:spPr>
+            <p:style>
+              <a:lnRef idx="1">
+                <a:schemeClr val="dk1"/>
+              </a:lnRef>
+              <a:fillRef idx="0">
+                <a:schemeClr val="dk1"/>
+              </a:fillRef>
+              <a:effectRef idx="0">
+                <a:schemeClr val="dk1"/>
+              </a:effectRef>
+              <a:fontRef idx="minor">
+                <a:schemeClr val="tx1"/>
+              </a:fontRef>
+            </p:style>
+          </p:cxnSp>
+          <p:sp>
+            <p:nvSpPr>
+              <p:cNvPr id="20" name="矩形 19"/>
+              <p:cNvSpPr/>
+              <p:nvPr/>
+            </p:nvSpPr>
+            <p:spPr>
+              <a:xfrm>
+                <a:off x="2722" y="5605"/>
+                <a:ext cx="2449" cy="1079"/>
+              </a:xfrm>
+              <a:prstGeom prst="rect">
+                <a:avLst/>
+              </a:prstGeom>
+              <a:noFill/>
+              <a:ln>
+                <a:solidFill>
+                  <a:schemeClr val="tx1"/>
+                </a:solidFill>
+              </a:ln>
+              <a:extLst>
+                <a:ext uri="{909E8E84-426E-40DD-AFC4-6F175D3DCCD1}">
+                  <a14:hiddenFill xmlns:a14="http://schemas.microsoft.com/office/drawing/2010/main">
+                    <a:solidFill>
+                      <a:schemeClr val="accent1"/>
+                    </a:solidFill>
+                  </a14:hiddenFill>
+                </a:ext>
+              </a:extLst>
+            </p:spPr>
+            <p:style>
+              <a:lnRef idx="2">
+                <a:schemeClr val="accent1">
+                  <a:shade val="50000"/>
+                </a:schemeClr>
+              </a:lnRef>
+              <a:fillRef idx="1">
+                <a:schemeClr val="accent1"/>
+              </a:fillRef>
+              <a:effectRef idx="0">
+                <a:schemeClr val="accent1"/>
+              </a:effectRef>
+              <a:fontRef idx="minor">
+                <a:schemeClr val="lt1"/>
+              </a:fontRef>
+            </p:style>
+            <p:txBody>
+              <a:bodyPr vertOverflow="overflow" horzOverflow="overflow" vert="horz" wrap="square" numCol="1" spcCol="0" rtlCol="0" fromWordArt="0" anchor="ctr" anchorCtr="0" forceAA="0" compatLnSpc="1">
+                <a:noAutofit/>
+              </a:bodyPr>
+              <a:p>
+                <a:pPr lvl="0" algn="ctr"/>
+                <a:endParaRPr lang="zh-CN" altLang="en-US">
+                  <a:sym typeface="+mn-ea"/>
+                </a:endParaRPr>
+              </a:p>
+            </p:txBody>
+          </p:sp>
+        </p:grpSp>
+        <p:grpSp>
+          <p:nvGrpSpPr>
+            <p:cNvPr id="21" name="组合 20"/>
+            <p:cNvGrpSpPr/>
+            <p:nvPr/>
+          </p:nvGrpSpPr>
+          <p:grpSpPr>
+            <a:xfrm>
+              <a:off x="10407" y="3943"/>
+              <a:ext cx="2450" cy="2740"/>
+              <a:chOff x="2722" y="3943"/>
+              <a:chExt cx="2450" cy="2740"/>
+            </a:xfrm>
+          </p:grpSpPr>
+          <p:sp>
+            <p:nvSpPr>
+              <p:cNvPr id="22" name="矩形 21"/>
+              <p:cNvSpPr/>
+              <p:nvPr/>
+            </p:nvSpPr>
+            <p:spPr>
+              <a:xfrm>
+                <a:off x="2722" y="3943"/>
+                <a:ext cx="2450" cy="1028"/>
+              </a:xfrm>
+              <a:prstGeom prst="rect">
+                <a:avLst/>
+              </a:prstGeom>
+              <a:noFill/>
+              <a:ln>
+                <a:solidFill>
+                  <a:schemeClr val="tx1"/>
+                </a:solidFill>
+              </a:ln>
+              <a:extLst>
+                <a:ext uri="{909E8E84-426E-40DD-AFC4-6F175D3DCCD1}">
+                  <a14:hiddenFill xmlns:a14="http://schemas.microsoft.com/office/drawing/2010/main">
+                    <a:solidFill>
+                      <a:schemeClr val="accent1"/>
+                    </a:solidFill>
+                  </a14:hiddenFill>
+                </a:ext>
+              </a:extLst>
+            </p:spPr>
+            <p:style>
+              <a:lnRef idx="2">
+                <a:schemeClr val="accent1">
+                  <a:shade val="50000"/>
+                </a:schemeClr>
+              </a:lnRef>
+              <a:fillRef idx="1">
+                <a:schemeClr val="accent1"/>
+              </a:fillRef>
+              <a:effectRef idx="0">
+                <a:schemeClr val="accent1"/>
+              </a:effectRef>
+              <a:fontRef idx="minor">
+                <a:schemeClr val="lt1"/>
+              </a:fontRef>
+            </p:style>
+            <p:txBody>
+              <a:bodyPr rtlCol="0" anchor="ctr"/>
+              <a:p>
+                <a:pPr algn="ctr"/>
+                <a:endParaRPr lang="zh-CN" altLang="en-US"/>
+              </a:p>
+            </p:txBody>
+          </p:sp>
+          <p:cxnSp>
+            <p:nvCxnSpPr>
+              <p:cNvPr id="23" name="直接箭头连接符 22"/>
+              <p:cNvCxnSpPr/>
+              <p:nvPr/>
+            </p:nvCxnSpPr>
+            <p:spPr>
+              <a:xfrm flipH="1">
+                <a:off x="3955" y="4971"/>
+                <a:ext cx="1" cy="634"/>
+              </a:xfrm>
+              <a:prstGeom prst="straightConnector1">
+                <a:avLst/>
+              </a:prstGeom>
+              <a:ln>
+                <a:tailEnd type="arrow" w="med" len="med"/>
+              </a:ln>
+            </p:spPr>
+            <p:style>
+              <a:lnRef idx="1">
+                <a:schemeClr val="dk1"/>
+              </a:lnRef>
+              <a:fillRef idx="0">
+                <a:schemeClr val="dk1"/>
+              </a:fillRef>
+              <a:effectRef idx="0">
+                <a:schemeClr val="dk1"/>
+              </a:effectRef>
+              <a:fontRef idx="minor">
+                <a:schemeClr val="tx1"/>
+              </a:fontRef>
+            </p:style>
+          </p:cxnSp>
+          <p:sp>
+            <p:nvSpPr>
+              <p:cNvPr id="24" name="矩形 23"/>
+              <p:cNvSpPr/>
+              <p:nvPr/>
+            </p:nvSpPr>
+            <p:spPr>
+              <a:xfrm>
+                <a:off x="2722" y="5605"/>
+                <a:ext cx="2449" cy="1079"/>
+              </a:xfrm>
+              <a:prstGeom prst="rect">
+                <a:avLst/>
+              </a:prstGeom>
+              <a:noFill/>
+              <a:ln>
+                <a:solidFill>
+                  <a:schemeClr val="tx1"/>
+                </a:solidFill>
+              </a:ln>
+              <a:extLst>
+                <a:ext uri="{909E8E84-426E-40DD-AFC4-6F175D3DCCD1}">
+                  <a14:hiddenFill xmlns:a14="http://schemas.microsoft.com/office/drawing/2010/main">
+                    <a:solidFill>
+                      <a:schemeClr val="accent1"/>
+                    </a:solidFill>
+                  </a14:hiddenFill>
+                </a:ext>
+              </a:extLst>
+            </p:spPr>
+            <p:style>
+              <a:lnRef idx="2">
+                <a:schemeClr val="accent1">
+                  <a:shade val="50000"/>
+                </a:schemeClr>
+              </a:lnRef>
+              <a:fillRef idx="1">
+                <a:schemeClr val="accent1"/>
+              </a:fillRef>
+              <a:effectRef idx="0">
+                <a:schemeClr val="accent1"/>
+              </a:effectRef>
+              <a:fontRef idx="minor">
+                <a:schemeClr val="lt1"/>
+              </a:fontRef>
+            </p:style>
+            <p:txBody>
+              <a:bodyPr vertOverflow="overflow" horzOverflow="overflow" vert="horz" wrap="square" numCol="1" spcCol="0" rtlCol="0" fromWordArt="0" anchor="ctr" anchorCtr="0" forceAA="0" compatLnSpc="1">
+                <a:noAutofit/>
+              </a:bodyPr>
+              <a:p>
+                <a:pPr lvl="0" algn="ctr"/>
+                <a:endParaRPr lang="zh-CN" altLang="en-US">
+                  <a:sym typeface="+mn-ea"/>
+                </a:endParaRPr>
+              </a:p>
+            </p:txBody>
+          </p:sp>
+        </p:grpSp>
+        <p:grpSp>
+          <p:nvGrpSpPr>
+            <p:cNvPr id="25" name="组合 24"/>
+            <p:cNvGrpSpPr/>
+            <p:nvPr/>
+          </p:nvGrpSpPr>
+          <p:grpSpPr>
+            <a:xfrm>
+              <a:off x="2860" y="3943"/>
+              <a:ext cx="2450" cy="2740"/>
+              <a:chOff x="2722" y="3943"/>
+              <a:chExt cx="2450" cy="2740"/>
+            </a:xfrm>
+          </p:grpSpPr>
+          <p:sp>
+            <p:nvSpPr>
+              <p:cNvPr id="26" name="矩形 25"/>
+              <p:cNvSpPr/>
+              <p:nvPr/>
+            </p:nvSpPr>
+            <p:spPr>
+              <a:xfrm>
+                <a:off x="2722" y="3943"/>
+                <a:ext cx="2450" cy="1028"/>
+              </a:xfrm>
+              <a:prstGeom prst="rect">
+                <a:avLst/>
+              </a:prstGeom>
+              <a:noFill/>
+              <a:ln>
+                <a:solidFill>
+                  <a:schemeClr val="tx1"/>
+                </a:solidFill>
+              </a:ln>
+              <a:extLst>
+                <a:ext uri="{909E8E84-426E-40DD-AFC4-6F175D3DCCD1}">
+                  <a14:hiddenFill xmlns:a14="http://schemas.microsoft.com/office/drawing/2010/main">
+                    <a:solidFill>
+                      <a:schemeClr val="accent1"/>
+                    </a:solidFill>
+                  </a14:hiddenFill>
+                </a:ext>
+              </a:extLst>
+            </p:spPr>
+            <p:style>
+              <a:lnRef idx="2">
+                <a:schemeClr val="accent1">
+                  <a:shade val="50000"/>
+                </a:schemeClr>
+              </a:lnRef>
+              <a:fillRef idx="1">
+                <a:schemeClr val="accent1"/>
+              </a:fillRef>
+              <a:effectRef idx="0">
+                <a:schemeClr val="accent1"/>
+              </a:effectRef>
+              <a:fontRef idx="minor">
+                <a:schemeClr val="lt1"/>
+              </a:fontRef>
+            </p:style>
+            <p:txBody>
+              <a:bodyPr rtlCol="0" anchor="ctr"/>
+              <a:p>
+                <a:pPr algn="ctr"/>
+                <a:endParaRPr lang="zh-CN" altLang="en-US"/>
+              </a:p>
+            </p:txBody>
+          </p:sp>
+          <p:cxnSp>
+            <p:nvCxnSpPr>
+              <p:cNvPr id="27" name="直接箭头连接符 26"/>
+              <p:cNvCxnSpPr/>
+              <p:nvPr/>
+            </p:nvCxnSpPr>
+            <p:spPr>
+              <a:xfrm flipH="1">
+                <a:off x="3955" y="4971"/>
+                <a:ext cx="1" cy="634"/>
+              </a:xfrm>
+              <a:prstGeom prst="straightConnector1">
+                <a:avLst/>
+              </a:prstGeom>
+              <a:ln>
+                <a:tailEnd type="arrow" w="med" len="med"/>
+              </a:ln>
+            </p:spPr>
+            <p:style>
+              <a:lnRef idx="1">
+                <a:schemeClr val="dk1"/>
+              </a:lnRef>
+              <a:fillRef idx="0">
+                <a:schemeClr val="dk1"/>
+              </a:fillRef>
+              <a:effectRef idx="0">
+                <a:schemeClr val="dk1"/>
+              </a:effectRef>
+              <a:fontRef idx="minor">
+                <a:schemeClr val="tx1"/>
+              </a:fontRef>
+            </p:style>
+          </p:cxnSp>
+          <p:sp>
+            <p:nvSpPr>
+              <p:cNvPr id="28" name="矩形 27"/>
+              <p:cNvSpPr/>
+              <p:nvPr/>
+            </p:nvSpPr>
+            <p:spPr>
+              <a:xfrm>
+                <a:off x="2722" y="5605"/>
+                <a:ext cx="2449" cy="1079"/>
+              </a:xfrm>
+              <a:prstGeom prst="rect">
+                <a:avLst/>
+              </a:prstGeom>
+              <a:noFill/>
+              <a:ln>
+                <a:solidFill>
+                  <a:schemeClr val="tx1"/>
+                </a:solidFill>
+              </a:ln>
+              <a:extLst>
+                <a:ext uri="{909E8E84-426E-40DD-AFC4-6F175D3DCCD1}">
+                  <a14:hiddenFill xmlns:a14="http://schemas.microsoft.com/office/drawing/2010/main">
+                    <a:solidFill>
+                      <a:schemeClr val="accent1"/>
+                    </a:solidFill>
+                  </a14:hiddenFill>
+                </a:ext>
+              </a:extLst>
+            </p:spPr>
+            <p:style>
+              <a:lnRef idx="2">
+                <a:schemeClr val="accent1">
+                  <a:shade val="50000"/>
+                </a:schemeClr>
+              </a:lnRef>
+              <a:fillRef idx="1">
+                <a:schemeClr val="accent1"/>
+              </a:fillRef>
+              <a:effectRef idx="0">
+                <a:schemeClr val="accent1"/>
+              </a:effectRef>
+              <a:fontRef idx="minor">
+                <a:schemeClr val="lt1"/>
+              </a:fontRef>
+            </p:style>
+            <p:txBody>
+              <a:bodyPr vertOverflow="overflow" horzOverflow="overflow" vert="horz" wrap="square" numCol="1" spcCol="0" rtlCol="0" fromWordArt="0" anchor="ctr" anchorCtr="0" forceAA="0" compatLnSpc="1">
+                <a:noAutofit/>
+              </a:bodyPr>
+              <a:p>
+                <a:pPr lvl="0" algn="ctr"/>
+                <a:endParaRPr lang="zh-CN" altLang="en-US">
+                  <a:sym typeface="+mn-ea"/>
+                </a:endParaRPr>
+              </a:p>
+            </p:txBody>
+          </p:sp>
+        </p:grpSp>
+        <p:cxnSp>
+          <p:nvCxnSpPr>
+            <p:cNvPr id="29" name="直接箭头连接符 28"/>
+            <p:cNvCxnSpPr/>
+            <p:nvPr/>
+          </p:nvCxnSpPr>
+          <p:spPr>
+            <a:xfrm flipH="1">
+              <a:off x="14626" y="2659"/>
+              <a:ext cx="17" cy="1284"/>
+            </a:xfrm>
+            <a:prstGeom prst="straightConnector1">
+              <a:avLst/>
+            </a:prstGeom>
+            <a:ln>
+              <a:tailEnd type="arrow" w="med" len="med"/>
+            </a:ln>
+          </p:spPr>
+          <p:style>
+            <a:lnRef idx="1">
+              <a:schemeClr val="dk1"/>
+            </a:lnRef>
+            <a:fillRef idx="0">
+              <a:schemeClr val="dk1"/>
+            </a:fillRef>
+            <a:effectRef idx="0">
+              <a:schemeClr val="dk1"/>
+            </a:effectRef>
+            <a:fontRef idx="minor">
+              <a:schemeClr val="tx1"/>
+            </a:fontRef>
+          </p:style>
+        </p:cxnSp>
+        <p:cxnSp>
+          <p:nvCxnSpPr>
+            <p:cNvPr id="30" name="直接连接符 29"/>
+            <p:cNvCxnSpPr/>
+            <p:nvPr/>
+          </p:nvCxnSpPr>
+          <p:spPr>
+            <a:xfrm>
+              <a:off x="4089" y="6701"/>
+              <a:ext cx="3" cy="651"/>
+            </a:xfrm>
+            <a:prstGeom prst="line">
+              <a:avLst/>
+            </a:prstGeom>
+          </p:spPr>
+          <p:style>
+            <a:lnRef idx="1">
+              <a:schemeClr val="dk1"/>
+            </a:lnRef>
+            <a:fillRef idx="0">
+              <a:schemeClr val="dk1"/>
+            </a:fillRef>
+            <a:effectRef idx="0">
+              <a:schemeClr val="dk1"/>
+            </a:effectRef>
+            <a:fontRef idx="minor">
+              <a:schemeClr val="tx1"/>
+            </a:fontRef>
+          </p:style>
+        </p:cxnSp>
+        <p:sp>
+          <p:nvSpPr>
+            <p:cNvPr id="31" name="文本框 30"/>
+            <p:cNvSpPr txBox="1"/>
+            <p:nvPr/>
+          </p:nvSpPr>
+          <p:spPr>
+            <a:xfrm>
+              <a:off x="8445" y="413"/>
+              <a:ext cx="1888" cy="624"/>
+            </a:xfrm>
+            <a:prstGeom prst="rect">
+              <a:avLst/>
+            </a:prstGeom>
+            <a:noFill/>
+          </p:spPr>
+          <p:txBody>
+            <a:bodyPr wrap="none" rtlCol="0">
+              <a:spAutoFit/>
+            </a:bodyPr>
+            <a:p>
+              <a:r>
+                <a:rPr lang="zh-CN" altLang="en-US" sz="2000"/>
+                <a:t>原始数据</a:t>
+              </a:r>
+              <a:endParaRPr lang="zh-CN" altLang="en-US" sz="2000"/>
+            </a:p>
+          </p:txBody>
+        </p:sp>
+        <p:sp>
+          <p:nvSpPr>
+            <p:cNvPr id="32" name="文本框 31"/>
+            <p:cNvSpPr txBox="1"/>
+            <p:nvPr/>
+          </p:nvSpPr>
+          <p:spPr>
+            <a:xfrm>
+              <a:off x="7959" y="8468"/>
+              <a:ext cx="3168" cy="624"/>
+            </a:xfrm>
+            <a:prstGeom prst="rect">
+              <a:avLst/>
+            </a:prstGeom>
+            <a:noFill/>
+          </p:spPr>
+          <p:txBody>
+            <a:bodyPr wrap="square" rtlCol="0">
+              <a:spAutoFit/>
+            </a:bodyPr>
+            <a:p>
+              <a:r>
+                <a:rPr lang="zh-CN" altLang="en-US" sz="2000">
+                  <a:latin typeface="+mn-ea"/>
+                </a:rPr>
+                <a:t>随机森林（</a:t>
+              </a:r>
+              <a:r>
+                <a:rPr lang="en-US" altLang="zh-CN" sz="2000">
+                  <a:latin typeface="+mn-ea"/>
+                </a:rPr>
+                <a:t>RF</a:t>
+              </a:r>
+              <a:r>
+                <a:rPr lang="zh-CN" altLang="en-US" sz="2000">
+                  <a:latin typeface="+mn-ea"/>
+                </a:rPr>
+                <a:t>）</a:t>
+              </a:r>
+              <a:endParaRPr lang="zh-CN" altLang="en-US" sz="2000">
+                <a:latin typeface="+mn-ea"/>
+              </a:endParaRPr>
+            </a:p>
+          </p:txBody>
+        </p:sp>
+        <p:sp>
+          <p:nvSpPr>
+            <p:cNvPr id="33" name="文本框 32"/>
+            <p:cNvSpPr txBox="1"/>
+            <p:nvPr/>
+          </p:nvSpPr>
+          <p:spPr>
+            <a:xfrm>
+              <a:off x="3309" y="4150"/>
+              <a:ext cx="1710" cy="624"/>
+            </a:xfrm>
+            <a:prstGeom prst="rect">
+              <a:avLst/>
+            </a:prstGeom>
+            <a:noFill/>
+          </p:spPr>
+          <p:txBody>
+            <a:bodyPr wrap="none" rtlCol="0">
+              <a:spAutoFit/>
+            </a:bodyPr>
+            <a:p>
+              <a:r>
+                <a:rPr lang="zh-CN" altLang="en-US" sz="2000">
+                  <a:latin typeface="+mn-ea"/>
+                </a:rPr>
+                <a:t>数据集</a:t>
+              </a:r>
+              <a:r>
+                <a:rPr lang="en-US" altLang="zh-CN" sz="2000">
+                  <a:latin typeface="+mn-ea"/>
+                </a:rPr>
+                <a:t>1</a:t>
+              </a:r>
+              <a:endParaRPr lang="en-US" altLang="zh-CN" sz="2000">
+                <a:latin typeface="+mn-ea"/>
+              </a:endParaRPr>
+            </a:p>
+          </p:txBody>
+        </p:sp>
+        <p:sp>
+          <p:nvSpPr>
+            <p:cNvPr id="35" name="文本框 34"/>
+            <p:cNvSpPr txBox="1"/>
+            <p:nvPr/>
+          </p:nvSpPr>
+          <p:spPr>
+            <a:xfrm>
+              <a:off x="10674" y="4145"/>
+              <a:ext cx="2043" cy="624"/>
+            </a:xfrm>
+            <a:prstGeom prst="rect">
+              <a:avLst/>
+            </a:prstGeom>
+            <a:noFill/>
+          </p:spPr>
+          <p:txBody>
+            <a:bodyPr wrap="none" rtlCol="0">
+              <a:spAutoFit/>
+            </a:bodyPr>
+            <a:p>
+              <a:r>
+                <a:rPr lang="zh-CN" altLang="en-US" sz="2000">
+                  <a:latin typeface="+mn-ea"/>
+                </a:rPr>
+                <a:t>数据集</a:t>
+              </a:r>
+              <a:r>
+                <a:rPr lang="en-US" altLang="zh-CN" sz="2000">
+                  <a:latin typeface="+mn-ea"/>
+                </a:rPr>
+                <a:t>k-1</a:t>
+              </a:r>
+              <a:endParaRPr lang="en-US" altLang="zh-CN" sz="2000">
+                <a:latin typeface="+mn-ea"/>
+              </a:endParaRPr>
+            </a:p>
+          </p:txBody>
+        </p:sp>
+        <p:sp>
+          <p:nvSpPr>
+            <p:cNvPr id="36" name="文本框 35"/>
+            <p:cNvSpPr txBox="1"/>
+            <p:nvPr/>
+          </p:nvSpPr>
+          <p:spPr>
+            <a:xfrm>
+              <a:off x="13693" y="4145"/>
+              <a:ext cx="1688" cy="624"/>
+            </a:xfrm>
+            <a:prstGeom prst="rect">
+              <a:avLst/>
+            </a:prstGeom>
+            <a:noFill/>
+          </p:spPr>
+          <p:txBody>
+            <a:bodyPr wrap="none" rtlCol="0">
+              <a:spAutoFit/>
+            </a:bodyPr>
+            <a:p>
+              <a:r>
+                <a:rPr lang="zh-CN" altLang="en-US" sz="2000">
+                  <a:latin typeface="+mn-ea"/>
+                </a:rPr>
+                <a:t>数据集</a:t>
+              </a:r>
+              <a:r>
+                <a:rPr lang="en-US" altLang="zh-CN" sz="2000">
+                  <a:latin typeface="+mn-ea"/>
+                </a:rPr>
+                <a:t>k</a:t>
+              </a:r>
+              <a:endParaRPr lang="en-US" altLang="zh-CN" sz="2000">
+                <a:latin typeface="+mn-ea"/>
+              </a:endParaRPr>
+            </a:p>
+          </p:txBody>
+        </p:sp>
+        <p:sp>
+          <p:nvSpPr>
+            <p:cNvPr id="37" name="文本框 36"/>
+            <p:cNvSpPr txBox="1"/>
+            <p:nvPr/>
+          </p:nvSpPr>
+          <p:spPr>
+            <a:xfrm>
+              <a:off x="6413" y="4150"/>
+              <a:ext cx="1710" cy="624"/>
+            </a:xfrm>
+            <a:prstGeom prst="rect">
+              <a:avLst/>
+            </a:prstGeom>
+            <a:noFill/>
+          </p:spPr>
+          <p:txBody>
+            <a:bodyPr wrap="none" rtlCol="0">
+              <a:spAutoFit/>
+            </a:bodyPr>
+            <a:p>
+              <a:r>
+                <a:rPr lang="zh-CN" altLang="en-US" sz="2000">
+                  <a:latin typeface="+mn-ea"/>
+                </a:rPr>
+                <a:t>数据集</a:t>
+              </a:r>
+              <a:r>
+                <a:rPr lang="en-US" altLang="zh-CN" sz="2000">
+                  <a:latin typeface="+mn-ea"/>
+                </a:rPr>
+                <a:t>2</a:t>
+              </a:r>
+              <a:endParaRPr lang="en-US" altLang="zh-CN" sz="2000">
+                <a:latin typeface="+mn-ea"/>
+              </a:endParaRPr>
+            </a:p>
+          </p:txBody>
+        </p:sp>
+        <p:graphicFrame>
+          <p:nvGraphicFramePr>
+            <p:cNvPr id="38" name="对象 37">
+              <a:hlinkClick r:id="" action="ppaction://ole?verb="/>
+            </p:cNvPr>
+            <p:cNvGraphicFramePr>
+              <a:graphicFrameLocks noChangeAspect="1"/>
+            </p:cNvGraphicFramePr>
+            <p:nvPr/>
+          </p:nvGraphicFramePr>
+          <p:xfrm>
+            <a:off x="4178" y="5823"/>
+            <a:ext cx="1133" cy="640"/>
+          </p:xfrm>
+          <a:graphic>
+            <a:graphicData uri="http://schemas.openxmlformats.org/presentationml/2006/ole">
+              <mc:AlternateContent xmlns:mc="http://schemas.openxmlformats.org/markup-compatibility/2006">
+                <mc:Choice xmlns:v="urn:schemas-microsoft-com:vml" Requires="v">
+                  <p:oleObj spid="_x0000_s1025" name="" r:id="rId1" imgW="292100" imgH="165100" progId="Equation.KSEE3">
+                    <p:embed/>
+                  </p:oleObj>
+                </mc:Choice>
+                <mc:Fallback>
+                  <p:oleObj name="" r:id="rId1" imgW="292100" imgH="165100" progId="Equation.KSEE3">
+                    <p:embed/>
+                    <p:pic>
+                      <p:nvPicPr>
+                        <p:cNvPr id="0" name="图片 1024"/>
+                        <p:cNvPicPr/>
+                        <p:nvPr/>
+                      </p:nvPicPr>
+                      <p:blipFill>
+                        <a:blip r:embed="rId2"/>
+                        <a:stretch>
+                          <a:fillRect/>
+                        </a:stretch>
+                      </p:blipFill>
+                      <p:spPr>
+                        <a:xfrm>
+                          <a:off x="4178" y="5823"/>
+                          <a:ext cx="1133" cy="640"/>
+                        </a:xfrm>
+                        <a:prstGeom prst="rect">
+                          <a:avLst/>
+                        </a:prstGeom>
+                      </p:spPr>
+                    </p:pic>
+                  </p:oleObj>
+                </mc:Fallback>
+              </mc:AlternateContent>
+            </a:graphicData>
+          </a:graphic>
+        </p:graphicFrame>
+        <p:graphicFrame>
+          <p:nvGraphicFramePr>
+            <p:cNvPr id="40" name="对象 39">
+              <a:hlinkClick r:id="" action="ppaction://ole?verb="/>
+            </p:cNvPr>
+            <p:cNvGraphicFramePr>
+              <a:graphicFrameLocks noChangeAspect="1"/>
+            </p:cNvGraphicFramePr>
+            <p:nvPr/>
+          </p:nvGraphicFramePr>
+          <p:xfrm>
+            <a:off x="14677" y="5818"/>
+            <a:ext cx="1095" cy="613"/>
+          </p:xfrm>
+          <a:graphic>
+            <a:graphicData uri="http://schemas.openxmlformats.org/presentationml/2006/ole">
+              <mc:AlternateContent xmlns:mc="http://schemas.openxmlformats.org/markup-compatibility/2006">
+                <mc:Choice xmlns:v="urn:schemas-microsoft-com:vml" Requires="v">
+                  <p:oleObj spid="_x0000_s41" name="" r:id="rId3" imgW="316865" imgH="177165" progId="Equation.KSEE3">
+                    <p:embed/>
+                  </p:oleObj>
+                </mc:Choice>
+                <mc:Fallback>
+                  <p:oleObj name="" r:id="rId3" imgW="316865" imgH="177165" progId="Equation.KSEE3">
+                    <p:embed/>
+                    <p:pic>
+                      <p:nvPicPr>
+                        <p:cNvPr id="0" name="图片 1024"/>
+                        <p:cNvPicPr/>
+                        <p:nvPr/>
+                      </p:nvPicPr>
+                      <p:blipFill>
+                        <a:blip r:embed="rId4"/>
+                        <a:stretch>
+                          <a:fillRect/>
+                        </a:stretch>
+                      </p:blipFill>
+                      <p:spPr>
+                        <a:xfrm>
+                          <a:off x="14677" y="5818"/>
+                          <a:ext cx="1095" cy="613"/>
+                        </a:xfrm>
+                        <a:prstGeom prst="rect">
+                          <a:avLst/>
+                        </a:prstGeom>
+                      </p:spPr>
+                    </p:pic>
+                  </p:oleObj>
+                </mc:Fallback>
+              </mc:AlternateContent>
+            </a:graphicData>
+          </a:graphic>
+        </p:graphicFrame>
+        <p:graphicFrame>
+          <p:nvGraphicFramePr>
+            <p:cNvPr id="42" name="对象 41">
+              <a:hlinkClick r:id="" action="ppaction://ole?verb="/>
+            </p:cNvPr>
+            <p:cNvGraphicFramePr>
+              <a:graphicFrameLocks noChangeAspect="1"/>
+            </p:cNvGraphicFramePr>
+            <p:nvPr/>
+          </p:nvGraphicFramePr>
+          <p:xfrm>
+            <a:off x="11644" y="5877"/>
+            <a:ext cx="1299" cy="585"/>
+          </p:xfrm>
+          <a:graphic>
+            <a:graphicData uri="http://schemas.openxmlformats.org/presentationml/2006/ole">
+              <mc:AlternateContent xmlns:mc="http://schemas.openxmlformats.org/markup-compatibility/2006">
+                <mc:Choice xmlns:v="urn:schemas-microsoft-com:vml" Requires="v">
+                  <p:oleObj spid="_x0000_s43" name="" r:id="rId5" imgW="393700" imgH="177165" progId="Equation.KSEE3">
+                    <p:embed/>
+                  </p:oleObj>
+                </mc:Choice>
+                <mc:Fallback>
+                  <p:oleObj name="" r:id="rId5" imgW="393700" imgH="177165" progId="Equation.KSEE3">
+                    <p:embed/>
+                    <p:pic>
+                      <p:nvPicPr>
+                        <p:cNvPr id="0" name="图片 1024"/>
+                        <p:cNvPicPr/>
+                        <p:nvPr/>
+                      </p:nvPicPr>
+                      <p:blipFill>
+                        <a:blip r:embed="rId6"/>
+                        <a:stretch>
+                          <a:fillRect/>
+                        </a:stretch>
+                      </p:blipFill>
+                      <p:spPr>
+                        <a:xfrm>
+                          <a:off x="11644" y="5877"/>
+                          <a:ext cx="1299" cy="585"/>
+                        </a:xfrm>
+                        <a:prstGeom prst="rect">
+                          <a:avLst/>
+                        </a:prstGeom>
+                      </p:spPr>
+                    </p:pic>
+                  </p:oleObj>
+                </mc:Fallback>
+              </mc:AlternateContent>
+            </a:graphicData>
+          </a:graphic>
+        </p:graphicFrame>
+        <p:graphicFrame>
+          <p:nvGraphicFramePr>
+            <p:cNvPr id="44" name="对象 43">
+              <a:hlinkClick r:id="" action="ppaction://ole?verb="/>
+            </p:cNvPr>
+            <p:cNvGraphicFramePr>
+              <a:graphicFrameLocks noChangeAspect="1"/>
+            </p:cNvGraphicFramePr>
+            <p:nvPr/>
+          </p:nvGraphicFramePr>
+          <p:xfrm>
+            <a:off x="7386" y="5853"/>
+            <a:ext cx="1098" cy="595"/>
+          </p:xfrm>
+          <a:graphic>
+            <a:graphicData uri="http://schemas.openxmlformats.org/presentationml/2006/ole">
+              <mc:AlternateContent xmlns:mc="http://schemas.openxmlformats.org/markup-compatibility/2006">
+                <mc:Choice xmlns:v="urn:schemas-microsoft-com:vml" Requires="v">
+                  <p:oleObj spid="_x0000_s45" name="" r:id="rId7" imgW="304800" imgH="165100" progId="Equation.KSEE3">
+                    <p:embed/>
+                  </p:oleObj>
+                </mc:Choice>
+                <mc:Fallback>
+                  <p:oleObj name="" r:id="rId7" imgW="304800" imgH="165100" progId="Equation.KSEE3">
+                    <p:embed/>
+                    <p:pic>
+                      <p:nvPicPr>
+                        <p:cNvPr id="0" name="图片 1024"/>
+                        <p:cNvPicPr/>
+                        <p:nvPr/>
+                      </p:nvPicPr>
+                      <p:blipFill>
+                        <a:blip r:embed="rId8"/>
+                        <a:stretch>
+                          <a:fillRect/>
+                        </a:stretch>
+                      </p:blipFill>
+                      <p:spPr>
+                        <a:xfrm>
+                          <a:off x="7386" y="5853"/>
+                          <a:ext cx="1098" cy="595"/>
+                        </a:xfrm>
+                        <a:prstGeom prst="rect">
+                          <a:avLst/>
+                        </a:prstGeom>
+                      </p:spPr>
+                    </p:pic>
+                  </p:oleObj>
+                </mc:Fallback>
+              </mc:AlternateContent>
+            </a:graphicData>
+          </a:graphic>
+        </p:graphicFrame>
+        <p:sp>
+          <p:nvSpPr>
+            <p:cNvPr id="46" name="文本框 45"/>
+            <p:cNvSpPr txBox="1"/>
+            <p:nvPr/>
+          </p:nvSpPr>
+          <p:spPr>
+            <a:xfrm>
+              <a:off x="9141" y="3960"/>
+              <a:ext cx="651" cy="725"/>
+            </a:xfrm>
+            <a:prstGeom prst="rect">
+              <a:avLst/>
+            </a:prstGeom>
+            <a:noFill/>
+          </p:spPr>
+          <p:txBody>
+            <a:bodyPr wrap="none" rtlCol="0">
+              <a:spAutoFit/>
+            </a:bodyPr>
+            <a:p>
+              <a:r>
+                <a:rPr lang="en-US" altLang="zh-CN" sz="2400"/>
+                <a:t>...</a:t>
+              </a:r>
+              <a:endParaRPr lang="en-US" altLang="zh-CN" sz="2400"/>
+            </a:p>
+          </p:txBody>
+        </p:sp>
+        <p:sp>
+          <p:nvSpPr>
+            <p:cNvPr id="47" name="文本框 46"/>
+            <p:cNvSpPr txBox="1"/>
+            <p:nvPr/>
+          </p:nvSpPr>
+          <p:spPr>
+            <a:xfrm>
+              <a:off x="9137" y="5622"/>
+              <a:ext cx="651" cy="725"/>
+            </a:xfrm>
+            <a:prstGeom prst="rect">
+              <a:avLst/>
+            </a:prstGeom>
+            <a:noFill/>
+          </p:spPr>
+          <p:txBody>
+            <a:bodyPr wrap="none" rtlCol="0">
+              <a:spAutoFit/>
+            </a:bodyPr>
+            <a:p>
+              <a:r>
+                <a:rPr lang="en-US" altLang="zh-CN" sz="2400"/>
+                <a:t>...</a:t>
+              </a:r>
+              <a:endParaRPr lang="en-US" altLang="zh-CN" sz="2400"/>
+            </a:p>
+          </p:txBody>
+        </p:sp>
+        <p:cxnSp>
+          <p:nvCxnSpPr>
+            <p:cNvPr id="48" name="直接箭头连接符 47"/>
+            <p:cNvCxnSpPr/>
+            <p:nvPr/>
+          </p:nvCxnSpPr>
+          <p:spPr>
+            <a:xfrm flipH="1">
+              <a:off x="9367" y="1924"/>
+              <a:ext cx="2450" cy="0"/>
+            </a:xfrm>
+            <a:prstGeom prst="straightConnector1">
+              <a:avLst/>
+            </a:prstGeom>
+            <a:ln>
+              <a:tailEnd type="arrow" w="med" len="med"/>
+            </a:ln>
+          </p:spPr>
+          <p:style>
+            <a:lnRef idx="1">
+              <a:schemeClr val="dk1"/>
+            </a:lnRef>
+            <a:fillRef idx="0">
+              <a:schemeClr val="dk1"/>
+            </a:fillRef>
+            <a:effectRef idx="0">
+              <a:schemeClr val="dk1"/>
+            </a:effectRef>
+            <a:fontRef idx="minor">
+              <a:schemeClr val="tx1"/>
+            </a:fontRef>
+          </p:style>
+        </p:cxnSp>
+        <p:sp>
+          <p:nvSpPr>
+            <p:cNvPr id="49" name="矩形 48"/>
+            <p:cNvSpPr/>
+            <p:nvPr/>
+          </p:nvSpPr>
+          <p:spPr>
+            <a:xfrm>
+              <a:off x="11817" y="1438"/>
+              <a:ext cx="3717" cy="873"/>
+            </a:xfrm>
+            <a:prstGeom prst="rect">
+              <a:avLst/>
+            </a:prstGeom>
+            <a:noFill/>
+            <a:ln w="9525">
+              <a:solidFill>
+                <a:schemeClr val="tx1"/>
+              </a:solidFill>
+            </a:ln>
+            <a:extLst>
+              <a:ext uri="{909E8E84-426E-40DD-AFC4-6F175D3DCCD1}">
+                <a14:hiddenFill xmlns:a14="http://schemas.microsoft.com/office/drawing/2010/main">
+                  <a:solidFill>
+                    <a:schemeClr val="accent1"/>
+                  </a:solidFill>
+                </a14:hiddenFill>
+              </a:ext>
+            </a:extLst>
+          </p:spPr>
+          <p:style>
+            <a:lnRef idx="2">
+              <a:schemeClr val="accent1">
+                <a:shade val="50000"/>
+              </a:schemeClr>
+            </a:lnRef>
+            <a:fillRef idx="1">
+              <a:schemeClr val="accent1"/>
+            </a:fillRef>
+            <a:effectRef idx="0">
+              <a:schemeClr val="accent1"/>
+            </a:effectRef>
+            <a:fontRef idx="minor">
+              <a:schemeClr val="lt1"/>
+            </a:fontRef>
+          </p:style>
+          <p:txBody>
+            <a:bodyPr vertOverflow="overflow" horzOverflow="overflow" vert="horz" wrap="square" numCol="1" spcCol="0" rtlCol="0" fromWordArt="0" anchor="ctr" anchorCtr="0" forceAA="0" compatLnSpc="1">
+              <a:noAutofit/>
+            </a:bodyPr>
+            <a:p>
+              <a:pPr lvl="0" algn="ctr"/>
+              <a:endParaRPr lang="zh-CN" altLang="en-US">
+                <a:sym typeface="+mn-ea"/>
+              </a:endParaRPr>
+            </a:p>
+          </p:txBody>
+        </p:sp>
+        <p:sp>
+          <p:nvSpPr>
+            <p:cNvPr id="50" name="文本框 49"/>
+            <p:cNvSpPr txBox="1"/>
+            <p:nvPr/>
+          </p:nvSpPr>
+          <p:spPr>
+            <a:xfrm>
+              <a:off x="12242" y="1537"/>
+              <a:ext cx="2889" cy="624"/>
+            </a:xfrm>
+            <a:prstGeom prst="rect">
+              <a:avLst/>
+            </a:prstGeom>
+            <a:noFill/>
+          </p:spPr>
+          <p:txBody>
+            <a:bodyPr wrap="square" rtlCol="0">
+              <a:spAutoFit/>
+            </a:bodyPr>
+            <a:p>
+              <a:r>
+                <a:rPr lang="zh-CN" altLang="en-US" sz="2000">
+                  <a:latin typeface="+mn-ea"/>
+                </a:rPr>
+                <a:t>bootstrap抽样</a:t>
+              </a:r>
+              <a:endParaRPr lang="zh-CN" altLang="en-US" sz="2000">
+                <a:latin typeface="+mn-ea"/>
+              </a:endParaRPr>
+            </a:p>
+          </p:txBody>
+        </p:sp>
+      </p:grpSp>
+      <p:sp>
+        <p:nvSpPr>
+          <p:cNvPr id="52" name="文本框 51"/>
+          <p:cNvSpPr txBox="1"/>
+          <p:nvPr/>
+        </p:nvSpPr>
+        <p:spPr>
+          <a:xfrm>
+            <a:off x="1837690" y="3991610"/>
+            <a:ext cx="944880" cy="396240"/>
+          </a:xfrm>
+          <a:prstGeom prst="rect">
+            <a:avLst/>
+          </a:prstGeom>
+          <a:noFill/>
+        </p:spPr>
+        <p:txBody>
+          <a:bodyPr wrap="none" rtlCol="0">
+            <a:spAutoFit/>
+          </a:bodyPr>
+          <a:p>
+            <a:r>
+              <a:rPr lang="zh-CN" altLang="en-US" sz="2000"/>
+              <a:t>决策树</a:t>
+            </a:r>
+            <a:endParaRPr lang="zh-CN" altLang="en-US" sz="2000"/>
+          </a:p>
+        </p:txBody>
+      </p:sp>
+      <p:sp>
+        <p:nvSpPr>
+          <p:cNvPr id="56" name="文本框 55"/>
+          <p:cNvSpPr txBox="1"/>
+          <p:nvPr/>
+        </p:nvSpPr>
+        <p:spPr>
+          <a:xfrm>
+            <a:off x="3890010" y="3997960"/>
+            <a:ext cx="944880" cy="396240"/>
+          </a:xfrm>
+          <a:prstGeom prst="rect">
+            <a:avLst/>
+          </a:prstGeom>
+          <a:noFill/>
+        </p:spPr>
+        <p:txBody>
+          <a:bodyPr wrap="none" rtlCol="0">
+            <a:spAutoFit/>
+          </a:bodyPr>
+          <a:p>
+            <a:r>
+              <a:rPr lang="zh-CN" altLang="en-US" sz="2000"/>
+              <a:t>决策树</a:t>
+            </a:r>
+            <a:endParaRPr lang="zh-CN" altLang="en-US" sz="2000"/>
+          </a:p>
+        </p:txBody>
+      </p:sp>
+      <p:sp>
+        <p:nvSpPr>
+          <p:cNvPr id="57" name="文本框 56"/>
+          <p:cNvSpPr txBox="1"/>
+          <p:nvPr/>
+        </p:nvSpPr>
+        <p:spPr>
+          <a:xfrm>
+            <a:off x="6591300" y="3987800"/>
+            <a:ext cx="944880" cy="396240"/>
+          </a:xfrm>
+          <a:prstGeom prst="rect">
+            <a:avLst/>
+          </a:prstGeom>
+          <a:noFill/>
+        </p:spPr>
+        <p:txBody>
+          <a:bodyPr wrap="none" rtlCol="0">
+            <a:spAutoFit/>
+          </a:bodyPr>
+          <a:p>
+            <a:r>
+              <a:rPr lang="zh-CN" altLang="en-US" sz="2000"/>
+              <a:t>决策树</a:t>
+            </a:r>
+            <a:endParaRPr lang="zh-CN" altLang="en-US" sz="2000"/>
+          </a:p>
+        </p:txBody>
+      </p:sp>
+      <p:sp>
+        <p:nvSpPr>
+          <p:cNvPr id="58" name="文本框 57"/>
+          <p:cNvSpPr txBox="1"/>
+          <p:nvPr/>
+        </p:nvSpPr>
+        <p:spPr>
+          <a:xfrm>
+            <a:off x="8502650" y="3976370"/>
+            <a:ext cx="944880" cy="396240"/>
+          </a:xfrm>
+          <a:prstGeom prst="rect">
+            <a:avLst/>
+          </a:prstGeom>
+          <a:noFill/>
+        </p:spPr>
+        <p:txBody>
+          <a:bodyPr wrap="none" rtlCol="0">
+            <a:spAutoFit/>
+          </a:bodyPr>
+          <a:p>
+            <a:r>
+              <a:rPr lang="zh-CN" altLang="en-US" sz="2000"/>
+              <a:t>决策树</a:t>
+            </a:r>
+            <a:endParaRPr lang="zh-CN" altLang="en-US" sz="2000"/>
+          </a:p>
+        </p:txBody>
+      </p:sp>
+      <p:cxnSp>
+        <p:nvCxnSpPr>
+          <p:cNvPr id="59" name="直接连接符 58"/>
+          <p:cNvCxnSpPr>
+            <a:stCxn id="20" idx="2"/>
+          </p:cNvCxnSpPr>
+          <p:nvPr/>
+        </p:nvCxnSpPr>
+        <p:spPr>
+          <a:xfrm>
+            <a:off x="4631055" y="4532630"/>
+            <a:ext cx="1270" cy="407670"/>
+          </a:xfrm>
+          <a:prstGeom prst="line">
+            <a:avLst/>
+          </a:prstGeom>
+          <a:ln>
+            <a:solidFill>
+              <a:schemeClr val="tx1"/>
+            </a:solidFill>
+          </a:ln>
+        </p:spPr>
+        <p:style>
+          <a:lnRef idx="1">
+            <a:schemeClr val="accent1"/>
+          </a:lnRef>
+          <a:fillRef idx="0">
+            <a:schemeClr val="accent1"/>
+          </a:fillRef>
+          <a:effectRef idx="0">
+            <a:schemeClr val="accent1"/>
+          </a:effectRef>
+          <a:fontRef idx="minor">
+            <a:schemeClr val="tx1"/>
+          </a:fontRef>
+        </p:style>
+      </p:cxnSp>
+      <p:cxnSp>
+        <p:nvCxnSpPr>
+          <p:cNvPr id="61" name="直接连接符 60"/>
+          <p:cNvCxnSpPr/>
+          <p:nvPr/>
+        </p:nvCxnSpPr>
+        <p:spPr>
+          <a:xfrm>
+            <a:off x="7447915" y="4526915"/>
+            <a:ext cx="1270" cy="407670"/>
+          </a:xfrm>
+          <a:prstGeom prst="line">
+            <a:avLst/>
+          </a:prstGeom>
+          <a:ln>
+            <a:solidFill>
+              <a:schemeClr val="tx1"/>
+            </a:solidFill>
+          </a:ln>
+        </p:spPr>
+        <p:style>
+          <a:lnRef idx="1">
+            <a:schemeClr val="accent1"/>
+          </a:lnRef>
+          <a:fillRef idx="0">
+            <a:schemeClr val="accent1"/>
+          </a:fillRef>
+          <a:effectRef idx="0">
+            <a:schemeClr val="accent1"/>
+          </a:effectRef>
+          <a:fontRef idx="minor">
+            <a:schemeClr val="tx1"/>
+          </a:fontRef>
+        </p:style>
+      </p:cxnSp>
+    </p:spTree>
+  </p:cSld>
+  <p:clrMapOvr>
+    <a:masterClrMapping/>
+  </p:clrMapOvr>
+</p:sld>
+</file>
+
+<file path=ppt/slides/slide12.xml><?xml version="1.0" encoding="utf-8"?>
+<p:sld xmlns:a="http://schemas.openxmlformats.org/drawingml/2006/main" xmlns:r="http://schemas.openxmlformats.org/officeDocument/2006/relationships" xmlns:p="http://schemas.openxmlformats.org/presentationml/2006/main">
+  <p:cSld>
+    <p:spTree>
+      <p:nvGrpSpPr>
+        <p:cNvPr id="1" name=""/>
+        <p:cNvGrpSpPr/>
+        <p:nvPr/>
+      </p:nvGrpSpPr>
+      <p:grpSpPr/>
+      <p:grpSp>
+        <p:nvGrpSpPr>
+          <p:cNvPr id="2" name="组合 1"/>
+          <p:cNvGrpSpPr/>
+          <p:nvPr/>
+        </p:nvGrpSpPr>
+        <p:grpSpPr>
+          <a:xfrm>
+            <a:off x="956310" y="308610"/>
+            <a:ext cx="8200390" cy="4157980"/>
+            <a:chOff x="2894" y="589"/>
+            <a:chExt cx="12914" cy="6548"/>
+          </a:xfrm>
+        </p:grpSpPr>
+        <p:cxnSp>
+          <p:nvCxnSpPr>
+            <p:cNvPr id="6" name="直接连接符 5"/>
+            <p:cNvCxnSpPr/>
+            <p:nvPr/>
+          </p:nvCxnSpPr>
+          <p:spPr>
+            <a:xfrm flipV="1">
+              <a:off x="4126" y="3096"/>
+              <a:ext cx="10551" cy="17"/>
+            </a:xfrm>
+            <a:prstGeom prst="line">
+              <a:avLst/>
+            </a:prstGeom>
+            <a:ln>
+              <a:solidFill>
+                <a:schemeClr val="tx1"/>
+              </a:solidFill>
+            </a:ln>
+          </p:spPr>
+          <p:style>
+            <a:lnRef idx="1">
+              <a:schemeClr val="accent1"/>
+            </a:lnRef>
+            <a:fillRef idx="0">
+              <a:schemeClr val="accent1"/>
+            </a:fillRef>
+            <a:effectRef idx="0">
+              <a:schemeClr val="accent1"/>
+            </a:effectRef>
+            <a:fontRef idx="minor">
+              <a:schemeClr val="tx1"/>
+            </a:fontRef>
+          </p:style>
+        </p:cxnSp>
+        <p:cxnSp>
+          <p:nvCxnSpPr>
+            <p:cNvPr id="7" name="直接箭头连接符 6"/>
+            <p:cNvCxnSpPr/>
+            <p:nvPr/>
+          </p:nvCxnSpPr>
+          <p:spPr>
+            <a:xfrm flipH="1">
+              <a:off x="4127" y="3113"/>
+              <a:ext cx="17" cy="1284"/>
+            </a:xfrm>
+            <a:prstGeom prst="straightConnector1">
+              <a:avLst/>
+            </a:prstGeom>
+            <a:ln>
+              <a:tailEnd type="arrow" w="med" len="med"/>
+            </a:ln>
+          </p:spPr>
+          <p:style>
+            <a:lnRef idx="1">
+              <a:schemeClr val="dk1"/>
+            </a:lnRef>
+            <a:fillRef idx="0">
+              <a:schemeClr val="dk1"/>
+            </a:fillRef>
+            <a:effectRef idx="0">
+              <a:schemeClr val="dk1"/>
+            </a:effectRef>
+            <a:fontRef idx="minor">
+              <a:schemeClr val="tx1"/>
+            </a:fontRef>
+          </p:style>
+        </p:cxnSp>
+        <p:grpSp>
+          <p:nvGrpSpPr>
+            <p:cNvPr id="16" name="组合 15"/>
+            <p:cNvGrpSpPr/>
+            <p:nvPr/>
+          </p:nvGrpSpPr>
+          <p:grpSpPr>
+            <a:xfrm rot="0">
+              <a:off x="13358" y="4380"/>
+              <a:ext cx="2450" cy="2740"/>
+              <a:chOff x="2722" y="3943"/>
+              <a:chExt cx="2450" cy="2740"/>
+            </a:xfrm>
+          </p:grpSpPr>
+          <p:sp>
+            <p:nvSpPr>
+              <p:cNvPr id="8" name="矩形 7"/>
+              <p:cNvSpPr/>
+              <p:nvPr/>
+            </p:nvSpPr>
+            <p:spPr>
+              <a:xfrm>
+                <a:off x="2722" y="3943"/>
+                <a:ext cx="2450" cy="1028"/>
+              </a:xfrm>
+              <a:prstGeom prst="rect">
+                <a:avLst/>
+              </a:prstGeom>
+              <a:noFill/>
+              <a:ln>
+                <a:solidFill>
+                  <a:schemeClr val="tx1"/>
+                </a:solidFill>
+              </a:ln>
+              <a:extLst>
+                <a:ext uri="{909E8E84-426E-40DD-AFC4-6F175D3DCCD1}">
+                  <a14:hiddenFill xmlns:a14="http://schemas.microsoft.com/office/drawing/2010/main">
+                    <a:solidFill>
+                      <a:schemeClr val="accent1"/>
+                    </a:solidFill>
+                  </a14:hiddenFill>
+                </a:ext>
+              </a:extLst>
+            </p:spPr>
+            <p:style>
+              <a:lnRef idx="2">
+                <a:schemeClr val="accent1">
+                  <a:shade val="50000"/>
+                </a:schemeClr>
+              </a:lnRef>
+              <a:fillRef idx="1">
+                <a:schemeClr val="accent1"/>
+              </a:fillRef>
+              <a:effectRef idx="0">
+                <a:schemeClr val="accent1"/>
+              </a:effectRef>
+              <a:fontRef idx="minor">
+                <a:schemeClr val="lt1"/>
+              </a:fontRef>
+            </p:style>
+            <p:txBody>
+              <a:bodyPr rtlCol="0" anchor="ctr"/>
+              <a:p>
+                <a:pPr algn="ctr"/>
+                <a:endParaRPr lang="zh-CN" altLang="en-US"/>
+              </a:p>
+            </p:txBody>
+          </p:sp>
+          <p:cxnSp>
+            <p:nvCxnSpPr>
+              <p:cNvPr id="9" name="直接箭头连接符 8"/>
+              <p:cNvCxnSpPr/>
+              <p:nvPr/>
+            </p:nvCxnSpPr>
+            <p:spPr>
+              <a:xfrm flipH="1">
+                <a:off x="3955" y="4971"/>
+                <a:ext cx="1" cy="634"/>
+              </a:xfrm>
+              <a:prstGeom prst="straightConnector1">
+                <a:avLst/>
+              </a:prstGeom>
+              <a:ln>
+                <a:tailEnd type="arrow" w="med" len="med"/>
+              </a:ln>
+            </p:spPr>
+            <p:style>
+              <a:lnRef idx="1">
+                <a:schemeClr val="dk1"/>
+              </a:lnRef>
+              <a:fillRef idx="0">
+                <a:schemeClr val="dk1"/>
+              </a:fillRef>
+              <a:effectRef idx="0">
+                <a:schemeClr val="dk1"/>
+              </a:effectRef>
+              <a:fontRef idx="minor">
+                <a:schemeClr val="tx1"/>
+              </a:fontRef>
+            </p:style>
+          </p:cxnSp>
+          <p:sp>
+            <p:nvSpPr>
+              <p:cNvPr id="10" name="矩形 9"/>
+              <p:cNvSpPr/>
+              <p:nvPr/>
+            </p:nvSpPr>
+            <p:spPr>
+              <a:xfrm>
+                <a:off x="2722" y="5605"/>
+                <a:ext cx="2449" cy="1079"/>
+              </a:xfrm>
+              <a:prstGeom prst="rect">
+                <a:avLst/>
+              </a:prstGeom>
+              <a:noFill/>
+              <a:ln>
+                <a:solidFill>
+                  <a:schemeClr val="tx1"/>
+                </a:solidFill>
+              </a:ln>
+              <a:extLst>
+                <a:ext uri="{909E8E84-426E-40DD-AFC4-6F175D3DCCD1}">
+                  <a14:hiddenFill xmlns:a14="http://schemas.microsoft.com/office/drawing/2010/main">
+                    <a:solidFill>
+                      <a:schemeClr val="accent1"/>
+                    </a:solidFill>
+                  </a14:hiddenFill>
+                </a:ext>
+              </a:extLst>
+            </p:spPr>
+            <p:style>
+              <a:lnRef idx="2">
+                <a:schemeClr val="accent1">
+                  <a:shade val="50000"/>
+                </a:schemeClr>
+              </a:lnRef>
+              <a:fillRef idx="1">
+                <a:schemeClr val="accent1"/>
+              </a:fillRef>
+              <a:effectRef idx="0">
+                <a:schemeClr val="accent1"/>
+              </a:effectRef>
+              <a:fontRef idx="minor">
+                <a:schemeClr val="lt1"/>
+              </a:fontRef>
+            </p:style>
+            <p:txBody>
+              <a:bodyPr vertOverflow="overflow" horzOverflow="overflow" vert="horz" wrap="square" numCol="1" spcCol="0" rtlCol="0" fromWordArt="0" anchor="ctr" anchorCtr="0" forceAA="0" compatLnSpc="1">
+                <a:noAutofit/>
+              </a:bodyPr>
+              <a:p>
+                <a:pPr lvl="0" algn="ctr"/>
+                <a:endParaRPr lang="zh-CN" altLang="en-US">
+                  <a:sym typeface="+mn-ea"/>
+                </a:endParaRPr>
+              </a:p>
+            </p:txBody>
+          </p:sp>
+        </p:grpSp>
+        <p:sp>
+          <p:nvSpPr>
+            <p:cNvPr id="14" name="圆角矩形 13"/>
+            <p:cNvSpPr/>
+            <p:nvPr/>
+          </p:nvSpPr>
+          <p:spPr>
+            <a:xfrm>
+              <a:off x="7682" y="589"/>
+              <a:ext cx="3482" cy="1147"/>
+            </a:xfrm>
+            <a:prstGeom prst="roundRect">
+              <a:avLst/>
+            </a:prstGeom>
+            <a:noFill/>
+            <a:ln w="9525">
+              <a:solidFill>
+                <a:schemeClr val="tx1"/>
+              </a:solidFill>
+            </a:ln>
+            <a:extLst>
+              <a:ext uri="{909E8E84-426E-40DD-AFC4-6F175D3DCCD1}">
+                <a14:hiddenFill xmlns:a14="http://schemas.microsoft.com/office/drawing/2010/main">
+                  <a:solidFill>
+                    <a:schemeClr val="accent1"/>
+                  </a:solidFill>
+                </a14:hiddenFill>
+              </a:ext>
+            </a:extLst>
+          </p:spPr>
+          <p:style>
+            <a:lnRef idx="2">
+              <a:schemeClr val="accent1">
+                <a:shade val="50000"/>
+              </a:schemeClr>
+            </a:lnRef>
+            <a:fillRef idx="1">
+              <a:schemeClr val="accent1"/>
+            </a:fillRef>
+            <a:effectRef idx="0">
+              <a:schemeClr val="accent1"/>
+            </a:effectRef>
+            <a:fontRef idx="minor">
+              <a:schemeClr val="lt1"/>
+            </a:fontRef>
+          </p:style>
+          <p:txBody>
+            <a:bodyPr rtlCol="0" anchor="ctr"/>
+            <a:p>
+              <a:pPr algn="ctr"/>
+              <a:endParaRPr lang="zh-CN" altLang="en-US"/>
+            </a:p>
+          </p:txBody>
+        </p:sp>
+        <p:cxnSp>
+          <p:nvCxnSpPr>
+            <p:cNvPr id="15" name="直接连接符 14"/>
+            <p:cNvCxnSpPr>
+              <a:stCxn id="14" idx="2"/>
+            </p:cNvCxnSpPr>
+            <p:nvPr/>
+          </p:nvCxnSpPr>
+          <p:spPr>
+            <a:xfrm>
+              <a:off x="9423" y="1736"/>
+              <a:ext cx="13" cy="1360"/>
+            </a:xfrm>
+            <a:prstGeom prst="line">
+              <a:avLst/>
+            </a:prstGeom>
+          </p:spPr>
+          <p:style>
+            <a:lnRef idx="1">
+              <a:schemeClr val="dk1"/>
+            </a:lnRef>
+            <a:fillRef idx="0">
+              <a:schemeClr val="dk1"/>
+            </a:fillRef>
+            <a:effectRef idx="0">
+              <a:schemeClr val="dk1"/>
+            </a:effectRef>
+            <a:fontRef idx="minor">
+              <a:schemeClr val="tx1"/>
+            </a:fontRef>
+          </p:style>
+        </p:cxnSp>
+        <p:grpSp>
+          <p:nvGrpSpPr>
+            <p:cNvPr id="17" name="组合 16"/>
+            <p:cNvGrpSpPr/>
+            <p:nvPr/>
+          </p:nvGrpSpPr>
+          <p:grpSpPr>
+            <a:xfrm rot="0">
+              <a:off x="6068" y="4397"/>
+              <a:ext cx="2450" cy="2740"/>
+              <a:chOff x="2722" y="3943"/>
+              <a:chExt cx="2450" cy="2740"/>
+            </a:xfrm>
+          </p:grpSpPr>
+          <p:sp>
+            <p:nvSpPr>
+              <p:cNvPr id="18" name="矩形 17"/>
+              <p:cNvSpPr/>
+              <p:nvPr/>
+            </p:nvSpPr>
+            <p:spPr>
+              <a:xfrm>
+                <a:off x="2722" y="3943"/>
+                <a:ext cx="2450" cy="1028"/>
+              </a:xfrm>
+              <a:prstGeom prst="rect">
+                <a:avLst/>
+              </a:prstGeom>
+              <a:noFill/>
+              <a:ln>
+                <a:solidFill>
+                  <a:schemeClr val="tx1"/>
+                </a:solidFill>
+              </a:ln>
+              <a:extLst>
+                <a:ext uri="{909E8E84-426E-40DD-AFC4-6F175D3DCCD1}">
+                  <a14:hiddenFill xmlns:a14="http://schemas.microsoft.com/office/drawing/2010/main">
+                    <a:solidFill>
+                      <a:schemeClr val="accent1"/>
+                    </a:solidFill>
+                  </a14:hiddenFill>
+                </a:ext>
+              </a:extLst>
+            </p:spPr>
+            <p:style>
+              <a:lnRef idx="2">
+                <a:schemeClr val="accent1">
+                  <a:shade val="50000"/>
+                </a:schemeClr>
+              </a:lnRef>
+              <a:fillRef idx="1">
+                <a:schemeClr val="accent1"/>
+              </a:fillRef>
+              <a:effectRef idx="0">
+                <a:schemeClr val="accent1"/>
+              </a:effectRef>
+              <a:fontRef idx="minor">
+                <a:schemeClr val="lt1"/>
+              </a:fontRef>
+            </p:style>
+            <p:txBody>
+              <a:bodyPr rtlCol="0" anchor="ctr"/>
+              <a:p>
+                <a:pPr algn="ctr"/>
+                <a:endParaRPr lang="zh-CN" altLang="en-US"/>
+              </a:p>
+            </p:txBody>
+          </p:sp>
+          <p:cxnSp>
+            <p:nvCxnSpPr>
+              <p:cNvPr id="19" name="直接箭头连接符 18"/>
+              <p:cNvCxnSpPr/>
+              <p:nvPr/>
+            </p:nvCxnSpPr>
+            <p:spPr>
+              <a:xfrm flipH="1">
+                <a:off x="3955" y="4971"/>
+                <a:ext cx="1" cy="634"/>
+              </a:xfrm>
+              <a:prstGeom prst="straightConnector1">
+                <a:avLst/>
+              </a:prstGeom>
+              <a:ln>
+                <a:tailEnd type="arrow" w="med" len="med"/>
+              </a:ln>
+            </p:spPr>
+            <p:style>
+              <a:lnRef idx="1">
+                <a:schemeClr val="dk1"/>
+              </a:lnRef>
+              <a:fillRef idx="0">
+                <a:schemeClr val="dk1"/>
+              </a:fillRef>
+              <a:effectRef idx="0">
+                <a:schemeClr val="dk1"/>
+              </a:effectRef>
+              <a:fontRef idx="minor">
+                <a:schemeClr val="tx1"/>
+              </a:fontRef>
+            </p:style>
+          </p:cxnSp>
+          <p:sp>
+            <p:nvSpPr>
+              <p:cNvPr id="20" name="矩形 19"/>
+              <p:cNvSpPr/>
+              <p:nvPr/>
+            </p:nvSpPr>
+            <p:spPr>
+              <a:xfrm>
+                <a:off x="2722" y="5605"/>
+                <a:ext cx="2449" cy="1079"/>
+              </a:xfrm>
+              <a:prstGeom prst="rect">
+                <a:avLst/>
+              </a:prstGeom>
+              <a:noFill/>
+              <a:ln>
+                <a:solidFill>
+                  <a:schemeClr val="tx1"/>
+                </a:solidFill>
+              </a:ln>
+              <a:extLst>
+                <a:ext uri="{909E8E84-426E-40DD-AFC4-6F175D3DCCD1}">
+                  <a14:hiddenFill xmlns:a14="http://schemas.microsoft.com/office/drawing/2010/main">
+                    <a:solidFill>
+                      <a:schemeClr val="accent1"/>
+                    </a:solidFill>
+                  </a14:hiddenFill>
+                </a:ext>
+              </a:extLst>
+            </p:spPr>
+            <p:style>
+              <a:lnRef idx="2">
+                <a:schemeClr val="accent1">
+                  <a:shade val="50000"/>
+                </a:schemeClr>
+              </a:lnRef>
+              <a:fillRef idx="1">
+                <a:schemeClr val="accent1"/>
+              </a:fillRef>
+              <a:effectRef idx="0">
+                <a:schemeClr val="accent1"/>
+              </a:effectRef>
+              <a:fontRef idx="minor">
+                <a:schemeClr val="lt1"/>
+              </a:fontRef>
+            </p:style>
+            <p:txBody>
+              <a:bodyPr vertOverflow="overflow" horzOverflow="overflow" vert="horz" wrap="square" numCol="1" spcCol="0" rtlCol="0" fromWordArt="0" anchor="ctr" anchorCtr="0" forceAA="0" compatLnSpc="1">
+                <a:noAutofit/>
+              </a:bodyPr>
+              <a:p>
+                <a:pPr lvl="0" algn="ctr"/>
+                <a:endParaRPr lang="zh-CN" altLang="en-US">
+                  <a:sym typeface="+mn-ea"/>
+                </a:endParaRPr>
+              </a:p>
+            </p:txBody>
+          </p:sp>
+        </p:grpSp>
+        <p:grpSp>
+          <p:nvGrpSpPr>
+            <p:cNvPr id="21" name="组合 20"/>
+            <p:cNvGrpSpPr/>
+            <p:nvPr/>
+          </p:nvGrpSpPr>
+          <p:grpSpPr>
+            <a:xfrm rot="0">
+              <a:off x="10441" y="4380"/>
+              <a:ext cx="2450" cy="2740"/>
+              <a:chOff x="2722" y="3943"/>
+              <a:chExt cx="2450" cy="2740"/>
+            </a:xfrm>
+          </p:grpSpPr>
+          <p:sp>
+            <p:nvSpPr>
+              <p:cNvPr id="22" name="矩形 21"/>
+              <p:cNvSpPr/>
+              <p:nvPr/>
+            </p:nvSpPr>
+            <p:spPr>
+              <a:xfrm>
+                <a:off x="2722" y="3943"/>
+                <a:ext cx="2450" cy="1028"/>
+              </a:xfrm>
+              <a:prstGeom prst="rect">
+                <a:avLst/>
+              </a:prstGeom>
+              <a:noFill/>
+              <a:ln>
+                <a:solidFill>
+                  <a:schemeClr val="tx1"/>
+                </a:solidFill>
+              </a:ln>
+              <a:extLst>
+                <a:ext uri="{909E8E84-426E-40DD-AFC4-6F175D3DCCD1}">
+                  <a14:hiddenFill xmlns:a14="http://schemas.microsoft.com/office/drawing/2010/main">
+                    <a:solidFill>
+                      <a:schemeClr val="accent1"/>
+                    </a:solidFill>
+                  </a14:hiddenFill>
+                </a:ext>
+              </a:extLst>
+            </p:spPr>
+            <p:style>
+              <a:lnRef idx="2">
+                <a:schemeClr val="accent1">
+                  <a:shade val="50000"/>
+                </a:schemeClr>
+              </a:lnRef>
+              <a:fillRef idx="1">
+                <a:schemeClr val="accent1"/>
+              </a:fillRef>
+              <a:effectRef idx="0">
+                <a:schemeClr val="accent1"/>
+              </a:effectRef>
+              <a:fontRef idx="minor">
+                <a:schemeClr val="lt1"/>
+              </a:fontRef>
+            </p:style>
+            <p:txBody>
+              <a:bodyPr rtlCol="0" anchor="ctr"/>
+              <a:p>
+                <a:pPr algn="ctr"/>
+                <a:endParaRPr lang="zh-CN" altLang="en-US"/>
+              </a:p>
+            </p:txBody>
+          </p:sp>
+          <p:cxnSp>
+            <p:nvCxnSpPr>
+              <p:cNvPr id="23" name="直接箭头连接符 22"/>
+              <p:cNvCxnSpPr/>
+              <p:nvPr/>
+            </p:nvCxnSpPr>
+            <p:spPr>
+              <a:xfrm flipH="1">
+                <a:off x="3955" y="4971"/>
+                <a:ext cx="1" cy="634"/>
+              </a:xfrm>
+              <a:prstGeom prst="straightConnector1">
+                <a:avLst/>
+              </a:prstGeom>
+              <a:ln>
+                <a:tailEnd type="arrow" w="med" len="med"/>
+              </a:ln>
+            </p:spPr>
+            <p:style>
+              <a:lnRef idx="1">
+                <a:schemeClr val="dk1"/>
+              </a:lnRef>
+              <a:fillRef idx="0">
+                <a:schemeClr val="dk1"/>
+              </a:fillRef>
+              <a:effectRef idx="0">
+                <a:schemeClr val="dk1"/>
+              </a:effectRef>
+              <a:fontRef idx="minor">
+                <a:schemeClr val="tx1"/>
+              </a:fontRef>
+            </p:style>
+          </p:cxnSp>
+          <p:sp>
+            <p:nvSpPr>
+              <p:cNvPr id="24" name="矩形 23"/>
+              <p:cNvSpPr/>
+              <p:nvPr/>
+            </p:nvSpPr>
+            <p:spPr>
+              <a:xfrm>
+                <a:off x="2722" y="5605"/>
+                <a:ext cx="2449" cy="1079"/>
+              </a:xfrm>
+              <a:prstGeom prst="rect">
+                <a:avLst/>
+              </a:prstGeom>
+              <a:noFill/>
+              <a:ln>
+                <a:solidFill>
+                  <a:schemeClr val="tx1"/>
+                </a:solidFill>
+              </a:ln>
+              <a:extLst>
+                <a:ext uri="{909E8E84-426E-40DD-AFC4-6F175D3DCCD1}">
+                  <a14:hiddenFill xmlns:a14="http://schemas.microsoft.com/office/drawing/2010/main">
+                    <a:solidFill>
+                      <a:schemeClr val="accent1"/>
+                    </a:solidFill>
+                  </a14:hiddenFill>
+                </a:ext>
+              </a:extLst>
+            </p:spPr>
+            <p:style>
+              <a:lnRef idx="2">
+                <a:schemeClr val="accent1">
+                  <a:shade val="50000"/>
+                </a:schemeClr>
+              </a:lnRef>
+              <a:fillRef idx="1">
+                <a:schemeClr val="accent1"/>
+              </a:fillRef>
+              <a:effectRef idx="0">
+                <a:schemeClr val="accent1"/>
+              </a:effectRef>
+              <a:fontRef idx="minor">
+                <a:schemeClr val="lt1"/>
+              </a:fontRef>
+            </p:style>
+            <p:txBody>
+              <a:bodyPr vertOverflow="overflow" horzOverflow="overflow" vert="horz" wrap="square" numCol="1" spcCol="0" rtlCol="0" fromWordArt="0" anchor="ctr" anchorCtr="0" forceAA="0" compatLnSpc="1">
+                <a:noAutofit/>
+              </a:bodyPr>
+              <a:p>
+                <a:pPr lvl="0" algn="ctr"/>
+                <a:endParaRPr lang="zh-CN" altLang="en-US">
+                  <a:sym typeface="+mn-ea"/>
+                </a:endParaRPr>
+              </a:p>
+            </p:txBody>
+          </p:sp>
+        </p:grpSp>
+        <p:grpSp>
+          <p:nvGrpSpPr>
+            <p:cNvPr id="25" name="组合 24"/>
+            <p:cNvGrpSpPr/>
+            <p:nvPr/>
+          </p:nvGrpSpPr>
+          <p:grpSpPr>
+            <a:xfrm rot="0">
+              <a:off x="2894" y="4380"/>
+              <a:ext cx="2450" cy="2740"/>
+              <a:chOff x="2722" y="3943"/>
+              <a:chExt cx="2450" cy="2740"/>
+            </a:xfrm>
+          </p:grpSpPr>
+          <p:sp>
+            <p:nvSpPr>
+              <p:cNvPr id="26" name="矩形 25"/>
+              <p:cNvSpPr/>
+              <p:nvPr/>
+            </p:nvSpPr>
+            <p:spPr>
+              <a:xfrm>
+                <a:off x="2722" y="3943"/>
+                <a:ext cx="2450" cy="1028"/>
+              </a:xfrm>
+              <a:prstGeom prst="rect">
+                <a:avLst/>
+              </a:prstGeom>
+              <a:noFill/>
+              <a:ln>
+                <a:solidFill>
+                  <a:schemeClr val="tx1"/>
+                </a:solidFill>
+              </a:ln>
+              <a:extLst>
+                <a:ext uri="{909E8E84-426E-40DD-AFC4-6F175D3DCCD1}">
+                  <a14:hiddenFill xmlns:a14="http://schemas.microsoft.com/office/drawing/2010/main">
+                    <a:solidFill>
+                      <a:schemeClr val="accent1"/>
+                    </a:solidFill>
+                  </a14:hiddenFill>
+                </a:ext>
+              </a:extLst>
+            </p:spPr>
+            <p:style>
+              <a:lnRef idx="2">
+                <a:schemeClr val="accent1">
+                  <a:shade val="50000"/>
+                </a:schemeClr>
+              </a:lnRef>
+              <a:fillRef idx="1">
+                <a:schemeClr val="accent1"/>
+              </a:fillRef>
+              <a:effectRef idx="0">
+                <a:schemeClr val="accent1"/>
+              </a:effectRef>
+              <a:fontRef idx="minor">
+                <a:schemeClr val="lt1"/>
+              </a:fontRef>
+            </p:style>
+            <p:txBody>
+              <a:bodyPr rtlCol="0" anchor="ctr"/>
+              <a:p>
+                <a:pPr algn="ctr"/>
+                <a:endParaRPr lang="zh-CN" altLang="en-US"/>
+              </a:p>
+            </p:txBody>
+          </p:sp>
+          <p:cxnSp>
+            <p:nvCxnSpPr>
+              <p:cNvPr id="27" name="直接箭头连接符 26"/>
+              <p:cNvCxnSpPr/>
+              <p:nvPr/>
+            </p:nvCxnSpPr>
+            <p:spPr>
+              <a:xfrm flipH="1">
+                <a:off x="3955" y="4971"/>
+                <a:ext cx="1" cy="634"/>
+              </a:xfrm>
+              <a:prstGeom prst="straightConnector1">
+                <a:avLst/>
+              </a:prstGeom>
+              <a:ln>
+                <a:tailEnd type="arrow" w="med" len="med"/>
+              </a:ln>
+            </p:spPr>
+            <p:style>
+              <a:lnRef idx="1">
+                <a:schemeClr val="dk1"/>
+              </a:lnRef>
+              <a:fillRef idx="0">
+                <a:schemeClr val="dk1"/>
+              </a:fillRef>
+              <a:effectRef idx="0">
+                <a:schemeClr val="dk1"/>
+              </a:effectRef>
+              <a:fontRef idx="minor">
+                <a:schemeClr val="tx1"/>
+              </a:fontRef>
+            </p:style>
+          </p:cxnSp>
+          <p:sp>
+            <p:nvSpPr>
+              <p:cNvPr id="28" name="矩形 27"/>
+              <p:cNvSpPr/>
+              <p:nvPr/>
+            </p:nvSpPr>
+            <p:spPr>
+              <a:xfrm>
+                <a:off x="2722" y="5605"/>
+                <a:ext cx="2449" cy="1079"/>
+              </a:xfrm>
+              <a:prstGeom prst="rect">
+                <a:avLst/>
+              </a:prstGeom>
+              <a:noFill/>
+              <a:ln>
+                <a:solidFill>
+                  <a:schemeClr val="tx1"/>
+                </a:solidFill>
+              </a:ln>
+              <a:extLst>
+                <a:ext uri="{909E8E84-426E-40DD-AFC4-6F175D3DCCD1}">
+                  <a14:hiddenFill xmlns:a14="http://schemas.microsoft.com/office/drawing/2010/main">
+                    <a:solidFill>
+                      <a:schemeClr val="accent1"/>
+                    </a:solidFill>
+                  </a14:hiddenFill>
+                </a:ext>
+              </a:extLst>
+            </p:spPr>
+            <p:style>
+              <a:lnRef idx="2">
+                <a:schemeClr val="accent1">
+                  <a:shade val="50000"/>
+                </a:schemeClr>
+              </a:lnRef>
+              <a:fillRef idx="1">
+                <a:schemeClr val="accent1"/>
+              </a:fillRef>
+              <a:effectRef idx="0">
+                <a:schemeClr val="accent1"/>
+              </a:effectRef>
+              <a:fontRef idx="minor">
+                <a:schemeClr val="lt1"/>
+              </a:fontRef>
+            </p:style>
+            <p:txBody>
+              <a:bodyPr vertOverflow="overflow" horzOverflow="overflow" vert="horz" wrap="square" numCol="1" spcCol="0" rtlCol="0" fromWordArt="0" anchor="ctr" anchorCtr="0" forceAA="0" compatLnSpc="1">
+                <a:noAutofit/>
+              </a:bodyPr>
+              <a:p>
+                <a:pPr lvl="0" algn="ctr"/>
+                <a:endParaRPr lang="zh-CN" altLang="en-US">
+                  <a:sym typeface="+mn-ea"/>
+                </a:endParaRPr>
+              </a:p>
+            </p:txBody>
+          </p:sp>
+        </p:grpSp>
+        <p:cxnSp>
+          <p:nvCxnSpPr>
+            <p:cNvPr id="29" name="直接箭头连接符 28"/>
+            <p:cNvCxnSpPr/>
+            <p:nvPr/>
+          </p:nvCxnSpPr>
+          <p:spPr>
+            <a:xfrm flipH="1">
+              <a:off x="14660" y="3096"/>
+              <a:ext cx="17" cy="1284"/>
+            </a:xfrm>
+            <a:prstGeom prst="straightConnector1">
+              <a:avLst/>
+            </a:prstGeom>
+            <a:ln>
+              <a:tailEnd type="arrow" w="med" len="med"/>
+            </a:ln>
+          </p:spPr>
+          <p:style>
+            <a:lnRef idx="1">
+              <a:schemeClr val="dk1"/>
+            </a:lnRef>
+            <a:fillRef idx="0">
+              <a:schemeClr val="dk1"/>
+            </a:fillRef>
+            <a:effectRef idx="0">
+              <a:schemeClr val="dk1"/>
+            </a:effectRef>
+            <a:fontRef idx="minor">
+              <a:schemeClr val="tx1"/>
+            </a:fontRef>
+          </p:style>
+        </p:cxnSp>
+        <p:sp>
+          <p:nvSpPr>
+            <p:cNvPr id="31" name="文本框 30"/>
+            <p:cNvSpPr txBox="1"/>
+            <p:nvPr/>
+          </p:nvSpPr>
+          <p:spPr>
+            <a:xfrm>
+              <a:off x="8479" y="850"/>
+              <a:ext cx="1888" cy="624"/>
+            </a:xfrm>
+            <a:prstGeom prst="rect">
+              <a:avLst/>
+            </a:prstGeom>
+            <a:noFill/>
+          </p:spPr>
+          <p:txBody>
+            <a:bodyPr wrap="none" rtlCol="0">
+              <a:spAutoFit/>
+            </a:bodyPr>
+            <a:p>
+              <a:r>
+                <a:rPr lang="zh-CN" altLang="en-US" sz="2000"/>
+                <a:t>训练数据</a:t>
+              </a:r>
+              <a:endParaRPr lang="zh-CN" altLang="en-US" sz="2000"/>
+            </a:p>
+          </p:txBody>
+        </p:sp>
+        <p:sp>
+          <p:nvSpPr>
+            <p:cNvPr id="33" name="文本框 32"/>
+            <p:cNvSpPr txBox="1"/>
+            <p:nvPr/>
+          </p:nvSpPr>
+          <p:spPr>
+            <a:xfrm>
+              <a:off x="3343" y="4587"/>
+              <a:ext cx="1710" cy="624"/>
+            </a:xfrm>
+            <a:prstGeom prst="rect">
+              <a:avLst/>
+            </a:prstGeom>
+            <a:noFill/>
+          </p:spPr>
+          <p:txBody>
+            <a:bodyPr wrap="none" rtlCol="0">
+              <a:spAutoFit/>
+            </a:bodyPr>
+            <a:p>
+              <a:r>
+                <a:rPr lang="zh-CN" altLang="en-US" sz="2000">
+                  <a:latin typeface="+mn-ea"/>
+                </a:rPr>
+                <a:t>数据集</a:t>
+              </a:r>
+              <a:r>
+                <a:rPr lang="en-US" altLang="zh-CN" sz="2000">
+                  <a:latin typeface="+mn-ea"/>
+                </a:rPr>
+                <a:t>1</a:t>
+              </a:r>
+              <a:endParaRPr lang="en-US" altLang="zh-CN" sz="2000">
+                <a:latin typeface="+mn-ea"/>
+              </a:endParaRPr>
+            </a:p>
+          </p:txBody>
+        </p:sp>
+        <p:sp>
+          <p:nvSpPr>
+            <p:cNvPr id="35" name="文本框 34"/>
+            <p:cNvSpPr txBox="1"/>
+            <p:nvPr/>
+          </p:nvSpPr>
+          <p:spPr>
+            <a:xfrm>
+              <a:off x="10708" y="4582"/>
+              <a:ext cx="2043" cy="624"/>
+            </a:xfrm>
+            <a:prstGeom prst="rect">
+              <a:avLst/>
+            </a:prstGeom>
+            <a:noFill/>
+          </p:spPr>
+          <p:txBody>
+            <a:bodyPr wrap="none" rtlCol="0">
+              <a:spAutoFit/>
+            </a:bodyPr>
+            <a:p>
+              <a:r>
+                <a:rPr lang="zh-CN" altLang="en-US" sz="2000">
+                  <a:latin typeface="+mn-ea"/>
+                </a:rPr>
+                <a:t>数据集</a:t>
+              </a:r>
+              <a:r>
+                <a:rPr lang="en-US" altLang="zh-CN" sz="2000">
+                  <a:latin typeface="+mn-ea"/>
+                </a:rPr>
+                <a:t>k-1</a:t>
+              </a:r>
+              <a:endParaRPr lang="en-US" altLang="zh-CN" sz="2000">
+                <a:latin typeface="+mn-ea"/>
+              </a:endParaRPr>
+            </a:p>
+          </p:txBody>
+        </p:sp>
+        <p:sp>
+          <p:nvSpPr>
+            <p:cNvPr id="36" name="文本框 35"/>
+            <p:cNvSpPr txBox="1"/>
+            <p:nvPr/>
+          </p:nvSpPr>
+          <p:spPr>
+            <a:xfrm>
+              <a:off x="13727" y="4582"/>
+              <a:ext cx="1688" cy="624"/>
+            </a:xfrm>
+            <a:prstGeom prst="rect">
+              <a:avLst/>
+            </a:prstGeom>
+            <a:noFill/>
+          </p:spPr>
+          <p:txBody>
+            <a:bodyPr wrap="none" rtlCol="0">
+              <a:spAutoFit/>
+            </a:bodyPr>
+            <a:p>
+              <a:r>
+                <a:rPr lang="zh-CN" altLang="en-US" sz="2000">
+                  <a:latin typeface="+mn-ea"/>
+                </a:rPr>
+                <a:t>数据集</a:t>
+              </a:r>
+              <a:r>
+                <a:rPr lang="en-US" altLang="zh-CN" sz="2000">
+                  <a:latin typeface="+mn-ea"/>
+                </a:rPr>
+                <a:t>k</a:t>
+              </a:r>
+              <a:endParaRPr lang="en-US" altLang="zh-CN" sz="2000">
+                <a:latin typeface="+mn-ea"/>
+              </a:endParaRPr>
+            </a:p>
+          </p:txBody>
+        </p:sp>
+        <p:sp>
+          <p:nvSpPr>
+            <p:cNvPr id="37" name="文本框 36"/>
+            <p:cNvSpPr txBox="1"/>
+            <p:nvPr/>
+          </p:nvSpPr>
+          <p:spPr>
+            <a:xfrm>
+              <a:off x="6447" y="4587"/>
+              <a:ext cx="1710" cy="624"/>
+            </a:xfrm>
+            <a:prstGeom prst="rect">
+              <a:avLst/>
+            </a:prstGeom>
+            <a:noFill/>
+          </p:spPr>
+          <p:txBody>
+            <a:bodyPr wrap="none" rtlCol="0">
+              <a:spAutoFit/>
+            </a:bodyPr>
+            <a:p>
+              <a:r>
+                <a:rPr lang="zh-CN" altLang="en-US" sz="2000">
+                  <a:latin typeface="+mn-ea"/>
+                </a:rPr>
+                <a:t>数据集</a:t>
+              </a:r>
+              <a:r>
+                <a:rPr lang="en-US" altLang="zh-CN" sz="2000">
+                  <a:latin typeface="+mn-ea"/>
+                </a:rPr>
+                <a:t>2</a:t>
+              </a:r>
+              <a:endParaRPr lang="en-US" altLang="zh-CN" sz="2000">
+                <a:latin typeface="+mn-ea"/>
+              </a:endParaRPr>
+            </a:p>
+          </p:txBody>
+        </p:sp>
+        <p:graphicFrame>
+          <p:nvGraphicFramePr>
+            <p:cNvPr id="38" name="对象 37">
+              <a:hlinkClick r:id="" action="ppaction://ole?verb="/>
+            </p:cNvPr>
+            <p:cNvGraphicFramePr>
+              <a:graphicFrameLocks noChangeAspect="1"/>
+            </p:cNvGraphicFramePr>
+            <p:nvPr/>
+          </p:nvGraphicFramePr>
+          <p:xfrm>
+            <a:off x="4212" y="6260"/>
+            <a:ext cx="1133" cy="640"/>
+          </p:xfrm>
+          <a:graphic>
+            <a:graphicData uri="http://schemas.openxmlformats.org/presentationml/2006/ole">
+              <mc:AlternateContent xmlns:mc="http://schemas.openxmlformats.org/markup-compatibility/2006">
+                <mc:Choice xmlns:v="urn:schemas-microsoft-com:vml" Requires="v">
+                  <p:oleObj spid="_x0000_s1025" name="" r:id="rId1" imgW="292100" imgH="165100" progId="Equation.KSEE3">
+                    <p:embed/>
+                  </p:oleObj>
+                </mc:Choice>
+                <mc:Fallback>
+                  <p:oleObj name="" r:id="rId1" imgW="292100" imgH="165100" progId="Equation.KSEE3">
+                    <p:embed/>
+                    <p:pic>
+                      <p:nvPicPr>
+                        <p:cNvPr id="0" name="图片 1024"/>
+                        <p:cNvPicPr/>
+                        <p:nvPr/>
+                      </p:nvPicPr>
+                      <p:blipFill>
+                        <a:blip r:embed="rId2"/>
+                        <a:stretch>
+                          <a:fillRect/>
+                        </a:stretch>
+                      </p:blipFill>
+                      <p:spPr>
+                        <a:xfrm>
+                          <a:off x="4212" y="6260"/>
+                          <a:ext cx="1133" cy="640"/>
+                        </a:xfrm>
+                        <a:prstGeom prst="rect">
+                          <a:avLst/>
+                        </a:prstGeom>
+                      </p:spPr>
+                    </p:pic>
+                  </p:oleObj>
+                </mc:Fallback>
+              </mc:AlternateContent>
+            </a:graphicData>
+          </a:graphic>
+        </p:graphicFrame>
+        <p:graphicFrame>
+          <p:nvGraphicFramePr>
+            <p:cNvPr id="40" name="对象 39">
+              <a:hlinkClick r:id="" action="ppaction://ole?verb="/>
+            </p:cNvPr>
+            <p:cNvGraphicFramePr>
+              <a:graphicFrameLocks noChangeAspect="1"/>
+            </p:cNvGraphicFramePr>
+            <p:nvPr/>
+          </p:nvGraphicFramePr>
+          <p:xfrm>
+            <a:off x="14711" y="6255"/>
+            <a:ext cx="1095" cy="613"/>
+          </p:xfrm>
+          <a:graphic>
+            <a:graphicData uri="http://schemas.openxmlformats.org/presentationml/2006/ole">
+              <mc:AlternateContent xmlns:mc="http://schemas.openxmlformats.org/markup-compatibility/2006">
+                <mc:Choice xmlns:v="urn:schemas-microsoft-com:vml" Requires="v">
+                  <p:oleObj spid="_x0000_s41" name="" r:id="rId3" imgW="316865" imgH="177165" progId="Equation.KSEE3">
+                    <p:embed/>
+                  </p:oleObj>
+                </mc:Choice>
+                <mc:Fallback>
+                  <p:oleObj name="" r:id="rId3" imgW="316865" imgH="177165" progId="Equation.KSEE3">
+                    <p:embed/>
+                    <p:pic>
+                      <p:nvPicPr>
+                        <p:cNvPr id="0" name="图片 1024"/>
+                        <p:cNvPicPr/>
+                        <p:nvPr/>
+                      </p:nvPicPr>
+                      <p:blipFill>
+                        <a:blip r:embed="rId4"/>
+                        <a:stretch>
+                          <a:fillRect/>
+                        </a:stretch>
+                      </p:blipFill>
+                      <p:spPr>
+                        <a:xfrm>
+                          <a:off x="14711" y="6255"/>
+                          <a:ext cx="1095" cy="613"/>
+                        </a:xfrm>
+                        <a:prstGeom prst="rect">
+                          <a:avLst/>
+                        </a:prstGeom>
+                      </p:spPr>
+                    </p:pic>
+                  </p:oleObj>
+                </mc:Fallback>
+              </mc:AlternateContent>
+            </a:graphicData>
+          </a:graphic>
+        </p:graphicFrame>
+        <p:graphicFrame>
+          <p:nvGraphicFramePr>
+            <p:cNvPr id="42" name="对象 41">
+              <a:hlinkClick r:id="" action="ppaction://ole?verb="/>
+            </p:cNvPr>
+            <p:cNvGraphicFramePr>
+              <a:graphicFrameLocks noChangeAspect="1"/>
+            </p:cNvGraphicFramePr>
+            <p:nvPr/>
+          </p:nvGraphicFramePr>
+          <p:xfrm>
+            <a:off x="11678" y="6314"/>
+            <a:ext cx="1299" cy="585"/>
+          </p:xfrm>
+          <a:graphic>
+            <a:graphicData uri="http://schemas.openxmlformats.org/presentationml/2006/ole">
+              <mc:AlternateContent xmlns:mc="http://schemas.openxmlformats.org/markup-compatibility/2006">
+                <mc:Choice xmlns:v="urn:schemas-microsoft-com:vml" Requires="v">
+                  <p:oleObj spid="_x0000_s43" name="" r:id="rId5" imgW="393700" imgH="177165" progId="Equation.KSEE3">
+                    <p:embed/>
+                  </p:oleObj>
+                </mc:Choice>
+                <mc:Fallback>
+                  <p:oleObj name="" r:id="rId5" imgW="393700" imgH="177165" progId="Equation.KSEE3">
+                    <p:embed/>
+                    <p:pic>
+                      <p:nvPicPr>
+                        <p:cNvPr id="0" name="图片 1024"/>
+                        <p:cNvPicPr/>
+                        <p:nvPr/>
+                      </p:nvPicPr>
+                      <p:blipFill>
+                        <a:blip r:embed="rId6"/>
+                        <a:stretch>
+                          <a:fillRect/>
+                        </a:stretch>
+                      </p:blipFill>
+                      <p:spPr>
+                        <a:xfrm>
+                          <a:off x="11678" y="6314"/>
+                          <a:ext cx="1299" cy="585"/>
+                        </a:xfrm>
+                        <a:prstGeom prst="rect">
+                          <a:avLst/>
+                        </a:prstGeom>
+                      </p:spPr>
+                    </p:pic>
+                  </p:oleObj>
+                </mc:Fallback>
+              </mc:AlternateContent>
+            </a:graphicData>
+          </a:graphic>
+        </p:graphicFrame>
+        <p:graphicFrame>
+          <p:nvGraphicFramePr>
+            <p:cNvPr id="44" name="对象 43">
+              <a:hlinkClick r:id="" action="ppaction://ole?verb="/>
+            </p:cNvPr>
+            <p:cNvGraphicFramePr>
+              <a:graphicFrameLocks noChangeAspect="1"/>
+            </p:cNvGraphicFramePr>
+            <p:nvPr/>
+          </p:nvGraphicFramePr>
+          <p:xfrm>
+            <a:off x="7420" y="6290"/>
+            <a:ext cx="1098" cy="595"/>
+          </p:xfrm>
+          <a:graphic>
+            <a:graphicData uri="http://schemas.openxmlformats.org/presentationml/2006/ole">
+              <mc:AlternateContent xmlns:mc="http://schemas.openxmlformats.org/markup-compatibility/2006">
+                <mc:Choice xmlns:v="urn:schemas-microsoft-com:vml" Requires="v">
+                  <p:oleObj spid="_x0000_s45" name="" r:id="rId7" imgW="304800" imgH="165100" progId="Equation.KSEE3">
+                    <p:embed/>
+                  </p:oleObj>
+                </mc:Choice>
+                <mc:Fallback>
+                  <p:oleObj name="" r:id="rId7" imgW="304800" imgH="165100" progId="Equation.KSEE3">
+                    <p:embed/>
+                    <p:pic>
+                      <p:nvPicPr>
+                        <p:cNvPr id="0" name="图片 1024"/>
+                        <p:cNvPicPr/>
+                        <p:nvPr/>
+                      </p:nvPicPr>
+                      <p:blipFill>
+                        <a:blip r:embed="rId8"/>
+                        <a:stretch>
+                          <a:fillRect/>
+                        </a:stretch>
+                      </p:blipFill>
+                      <p:spPr>
+                        <a:xfrm>
+                          <a:off x="7420" y="6290"/>
+                          <a:ext cx="1098" cy="595"/>
+                        </a:xfrm>
+                        <a:prstGeom prst="rect">
+                          <a:avLst/>
+                        </a:prstGeom>
+                      </p:spPr>
+                    </p:pic>
+                  </p:oleObj>
+                </mc:Fallback>
+              </mc:AlternateContent>
+            </a:graphicData>
+          </a:graphic>
+        </p:graphicFrame>
+        <p:sp>
+          <p:nvSpPr>
+            <p:cNvPr id="46" name="文本框 45"/>
+            <p:cNvSpPr txBox="1"/>
+            <p:nvPr/>
+          </p:nvSpPr>
+          <p:spPr>
+            <a:xfrm>
+              <a:off x="9175" y="4397"/>
+              <a:ext cx="651" cy="725"/>
+            </a:xfrm>
+            <a:prstGeom prst="rect">
+              <a:avLst/>
+            </a:prstGeom>
+            <a:noFill/>
+          </p:spPr>
+          <p:txBody>
+            <a:bodyPr wrap="none" rtlCol="0">
+              <a:spAutoFit/>
+            </a:bodyPr>
+            <a:p>
+              <a:r>
+                <a:rPr lang="en-US" altLang="zh-CN" sz="2400"/>
+                <a:t>...</a:t>
+              </a:r>
+              <a:endParaRPr lang="en-US" altLang="zh-CN" sz="2400"/>
+            </a:p>
+          </p:txBody>
+        </p:sp>
+        <p:sp>
+          <p:nvSpPr>
+            <p:cNvPr id="47" name="文本框 46"/>
+            <p:cNvSpPr txBox="1"/>
+            <p:nvPr/>
+          </p:nvSpPr>
+          <p:spPr>
+            <a:xfrm>
+              <a:off x="9171" y="6059"/>
+              <a:ext cx="651" cy="725"/>
+            </a:xfrm>
+            <a:prstGeom prst="rect">
+              <a:avLst/>
+            </a:prstGeom>
+            <a:noFill/>
+          </p:spPr>
+          <p:txBody>
+            <a:bodyPr wrap="none" rtlCol="0">
+              <a:spAutoFit/>
+            </a:bodyPr>
+            <a:p>
+              <a:r>
+                <a:rPr lang="en-US" altLang="zh-CN" sz="2400"/>
+                <a:t>...</a:t>
+              </a:r>
+              <a:endParaRPr lang="en-US" altLang="zh-CN" sz="2400"/>
+            </a:p>
+          </p:txBody>
+        </p:sp>
+        <p:cxnSp>
+          <p:nvCxnSpPr>
+            <p:cNvPr id="48" name="直接箭头连接符 47"/>
+            <p:cNvCxnSpPr/>
+            <p:nvPr/>
+          </p:nvCxnSpPr>
+          <p:spPr>
+            <a:xfrm flipH="1">
+              <a:off x="9401" y="2361"/>
+              <a:ext cx="2450" cy="0"/>
+            </a:xfrm>
+            <a:prstGeom prst="straightConnector1">
+              <a:avLst/>
+            </a:prstGeom>
+            <a:ln>
+              <a:tailEnd type="arrow" w="med" len="med"/>
+            </a:ln>
+          </p:spPr>
+          <p:style>
+            <a:lnRef idx="1">
+              <a:schemeClr val="dk1"/>
+            </a:lnRef>
+            <a:fillRef idx="0">
+              <a:schemeClr val="dk1"/>
+            </a:fillRef>
+            <a:effectRef idx="0">
+              <a:schemeClr val="dk1"/>
+            </a:effectRef>
+            <a:fontRef idx="minor">
+              <a:schemeClr val="tx1"/>
+            </a:fontRef>
+          </p:style>
+        </p:cxnSp>
+        <p:sp>
+          <p:nvSpPr>
+            <p:cNvPr id="49" name="矩形 48"/>
+            <p:cNvSpPr/>
+            <p:nvPr/>
+          </p:nvSpPr>
+          <p:spPr>
+            <a:xfrm>
+              <a:off x="11851" y="1875"/>
+              <a:ext cx="3717" cy="873"/>
+            </a:xfrm>
+            <a:prstGeom prst="rect">
+              <a:avLst/>
+            </a:prstGeom>
+            <a:noFill/>
+            <a:ln w="9525">
+              <a:solidFill>
+                <a:schemeClr val="tx1"/>
+              </a:solidFill>
+            </a:ln>
+            <a:extLst>
+              <a:ext uri="{909E8E84-426E-40DD-AFC4-6F175D3DCCD1}">
+                <a14:hiddenFill xmlns:a14="http://schemas.microsoft.com/office/drawing/2010/main">
+                  <a:solidFill>
+                    <a:schemeClr val="accent1"/>
+                  </a:solidFill>
+                </a14:hiddenFill>
+              </a:ext>
+            </a:extLst>
+          </p:spPr>
+          <p:style>
+            <a:lnRef idx="2">
+              <a:schemeClr val="accent1">
+                <a:shade val="50000"/>
+              </a:schemeClr>
+            </a:lnRef>
+            <a:fillRef idx="1">
+              <a:schemeClr val="accent1"/>
+            </a:fillRef>
+            <a:effectRef idx="0">
+              <a:schemeClr val="accent1"/>
+            </a:effectRef>
+            <a:fontRef idx="minor">
+              <a:schemeClr val="lt1"/>
+            </a:fontRef>
+          </p:style>
+          <p:txBody>
+            <a:bodyPr vertOverflow="overflow" horzOverflow="overflow" vert="horz" wrap="square" numCol="1" spcCol="0" rtlCol="0" fromWordArt="0" anchor="ctr" anchorCtr="0" forceAA="0" compatLnSpc="1">
+              <a:noAutofit/>
+            </a:bodyPr>
+            <a:p>
+              <a:pPr lvl="0" algn="ctr"/>
+              <a:endParaRPr lang="zh-CN" altLang="en-US">
+                <a:sym typeface="+mn-ea"/>
+              </a:endParaRPr>
+            </a:p>
+          </p:txBody>
+        </p:sp>
+        <p:sp>
+          <p:nvSpPr>
+            <p:cNvPr id="50" name="文本框 49"/>
+            <p:cNvSpPr txBox="1"/>
+            <p:nvPr/>
+          </p:nvSpPr>
+          <p:spPr>
+            <a:xfrm>
+              <a:off x="12276" y="1974"/>
+              <a:ext cx="2889" cy="624"/>
+            </a:xfrm>
+            <a:prstGeom prst="rect">
+              <a:avLst/>
+            </a:prstGeom>
+            <a:noFill/>
+          </p:spPr>
+          <p:txBody>
+            <a:bodyPr wrap="square" rtlCol="0">
+              <a:spAutoFit/>
+            </a:bodyPr>
+            <a:p>
+              <a:r>
+                <a:rPr lang="zh-CN" altLang="en-US" sz="2000">
+                  <a:latin typeface="+mn-ea"/>
+                </a:rPr>
+                <a:t>bootstrap抽样</a:t>
+              </a:r>
+              <a:endParaRPr lang="zh-CN" altLang="en-US" sz="2000">
+                <a:latin typeface="+mn-ea"/>
+              </a:endParaRPr>
+            </a:p>
+          </p:txBody>
+        </p:sp>
+        <p:sp>
+          <p:nvSpPr>
+            <p:cNvPr id="52" name="文本框 51"/>
+            <p:cNvSpPr txBox="1"/>
+            <p:nvPr/>
+          </p:nvSpPr>
+          <p:spPr>
+            <a:xfrm>
+              <a:off x="2894" y="6286"/>
+              <a:ext cx="1488" cy="624"/>
+            </a:xfrm>
+            <a:prstGeom prst="rect">
+              <a:avLst/>
+            </a:prstGeom>
+            <a:noFill/>
+          </p:spPr>
+          <p:txBody>
+            <a:bodyPr wrap="none" rtlCol="0">
+              <a:spAutoFit/>
+            </a:bodyPr>
+            <a:p>
+              <a:r>
+                <a:rPr lang="zh-CN" altLang="en-US" sz="2000"/>
+                <a:t>决策树</a:t>
+              </a:r>
+              <a:endParaRPr lang="zh-CN" altLang="en-US" sz="2000"/>
+            </a:p>
+          </p:txBody>
+        </p:sp>
+        <p:sp>
+          <p:nvSpPr>
+            <p:cNvPr id="56" name="文本框 55"/>
+            <p:cNvSpPr txBox="1"/>
+            <p:nvPr/>
+          </p:nvSpPr>
+          <p:spPr>
+            <a:xfrm>
+              <a:off x="6126" y="6296"/>
+              <a:ext cx="1488" cy="624"/>
+            </a:xfrm>
+            <a:prstGeom prst="rect">
+              <a:avLst/>
+            </a:prstGeom>
+            <a:noFill/>
+          </p:spPr>
+          <p:txBody>
+            <a:bodyPr wrap="none" rtlCol="0">
+              <a:spAutoFit/>
+            </a:bodyPr>
+            <a:p>
+              <a:r>
+                <a:rPr lang="zh-CN" altLang="en-US" sz="2000"/>
+                <a:t>决策树</a:t>
+              </a:r>
+              <a:endParaRPr lang="zh-CN" altLang="en-US" sz="2000"/>
+            </a:p>
+          </p:txBody>
+        </p:sp>
+        <p:sp>
+          <p:nvSpPr>
+            <p:cNvPr id="57" name="文本框 56"/>
+            <p:cNvSpPr txBox="1"/>
+            <p:nvPr/>
+          </p:nvSpPr>
+          <p:spPr>
+            <a:xfrm>
+              <a:off x="10380" y="6280"/>
+              <a:ext cx="1488" cy="624"/>
+            </a:xfrm>
+            <a:prstGeom prst="rect">
+              <a:avLst/>
+            </a:prstGeom>
+            <a:noFill/>
+          </p:spPr>
+          <p:txBody>
+            <a:bodyPr wrap="none" rtlCol="0">
+              <a:spAutoFit/>
+            </a:bodyPr>
+            <a:p>
+              <a:r>
+                <a:rPr lang="zh-CN" altLang="en-US" sz="2000"/>
+                <a:t>决策树</a:t>
+              </a:r>
+              <a:endParaRPr lang="zh-CN" altLang="en-US" sz="2000"/>
+            </a:p>
+          </p:txBody>
+        </p:sp>
+        <p:sp>
+          <p:nvSpPr>
+            <p:cNvPr id="58" name="文本框 57"/>
+            <p:cNvSpPr txBox="1"/>
+            <p:nvPr/>
+          </p:nvSpPr>
+          <p:spPr>
+            <a:xfrm>
+              <a:off x="13390" y="6262"/>
+              <a:ext cx="1488" cy="624"/>
+            </a:xfrm>
+            <a:prstGeom prst="rect">
+              <a:avLst/>
+            </a:prstGeom>
+            <a:noFill/>
+          </p:spPr>
+          <p:txBody>
+            <a:bodyPr wrap="none" rtlCol="0">
+              <a:spAutoFit/>
+            </a:bodyPr>
+            <a:p>
+              <a:r>
+                <a:rPr lang="zh-CN" altLang="en-US" sz="2000"/>
+                <a:t>决策树</a:t>
+              </a:r>
+              <a:endParaRPr lang="zh-CN" altLang="en-US" sz="2000"/>
+            </a:p>
+          </p:txBody>
+        </p:sp>
+      </p:grpSp>
+      <p:grpSp>
+        <p:nvGrpSpPr>
+          <p:cNvPr id="55" name="组合 54"/>
+          <p:cNvGrpSpPr/>
+          <p:nvPr/>
+        </p:nvGrpSpPr>
+        <p:grpSpPr>
+          <a:xfrm>
+            <a:off x="10744835" y="231140"/>
+            <a:ext cx="293370" cy="4262755"/>
+            <a:chOff x="16921" y="364"/>
+            <a:chExt cx="462" cy="6713"/>
+          </a:xfrm>
+        </p:grpSpPr>
+        <p:cxnSp>
+          <p:nvCxnSpPr>
+            <p:cNvPr id="3" name="直接连接符 2"/>
+            <p:cNvCxnSpPr/>
+            <p:nvPr/>
+          </p:nvCxnSpPr>
+          <p:spPr>
+            <a:xfrm>
+              <a:off x="16921" y="381"/>
+              <a:ext cx="428" cy="0"/>
+            </a:xfrm>
+            <a:prstGeom prst="line">
+              <a:avLst/>
+            </a:prstGeom>
+            <a:ln>
+              <a:solidFill>
+                <a:schemeClr val="tx1"/>
+              </a:solidFill>
+            </a:ln>
+          </p:spPr>
+          <p:style>
+            <a:lnRef idx="1">
+              <a:schemeClr val="accent1"/>
+            </a:lnRef>
+            <a:fillRef idx="0">
+              <a:schemeClr val="accent1"/>
+            </a:fillRef>
+            <a:effectRef idx="0">
+              <a:schemeClr val="accent1"/>
+            </a:effectRef>
+            <a:fontRef idx="minor">
+              <a:schemeClr val="tx1"/>
+            </a:fontRef>
+          </p:style>
+        </p:cxnSp>
+        <p:cxnSp>
+          <p:nvCxnSpPr>
+            <p:cNvPr id="5" name="直接连接符 4"/>
+            <p:cNvCxnSpPr/>
+            <p:nvPr/>
+          </p:nvCxnSpPr>
+          <p:spPr>
+            <a:xfrm>
+              <a:off x="16921" y="7035"/>
+              <a:ext cx="462" cy="8"/>
+            </a:xfrm>
+            <a:prstGeom prst="line">
+              <a:avLst/>
+            </a:prstGeom>
+            <a:ln>
+              <a:solidFill>
+                <a:schemeClr val="tx1"/>
+              </a:solidFill>
+            </a:ln>
+          </p:spPr>
+          <p:style>
+            <a:lnRef idx="1">
+              <a:schemeClr val="accent1"/>
+            </a:lnRef>
+            <a:fillRef idx="0">
+              <a:schemeClr val="accent1"/>
+            </a:fillRef>
+            <a:effectRef idx="0">
+              <a:schemeClr val="accent1"/>
+            </a:effectRef>
+            <a:fontRef idx="minor">
+              <a:schemeClr val="tx1"/>
+            </a:fontRef>
+          </p:style>
+        </p:cxnSp>
+        <p:cxnSp>
+          <p:nvCxnSpPr>
+            <p:cNvPr id="39" name="直接连接符 38"/>
+            <p:cNvCxnSpPr>
+              <a:endCxn id="54" idx="0"/>
+            </p:cNvCxnSpPr>
+            <p:nvPr/>
+          </p:nvCxnSpPr>
+          <p:spPr>
+            <a:xfrm>
+              <a:off x="17126" y="364"/>
+              <a:ext cx="9" cy="3169"/>
+            </a:xfrm>
+            <a:prstGeom prst="line">
+              <a:avLst/>
+            </a:prstGeom>
+            <a:ln>
+              <a:solidFill>
+                <a:schemeClr val="tx1"/>
+              </a:solidFill>
+              <a:prstDash val="sysDash"/>
+            </a:ln>
+          </p:spPr>
+          <p:style>
+            <a:lnRef idx="1">
+              <a:schemeClr val="accent1"/>
+            </a:lnRef>
+            <a:fillRef idx="0">
+              <a:schemeClr val="accent1"/>
+            </a:fillRef>
+            <a:effectRef idx="0">
+              <a:schemeClr val="accent1"/>
+            </a:effectRef>
+            <a:fontRef idx="minor">
+              <a:schemeClr val="tx1"/>
+            </a:fontRef>
+          </p:style>
+        </p:cxnSp>
+        <p:cxnSp>
+          <p:nvCxnSpPr>
+            <p:cNvPr id="53" name="直接连接符 52"/>
+            <p:cNvCxnSpPr>
+              <a:stCxn id="54" idx="2"/>
+            </p:cNvCxnSpPr>
+            <p:nvPr/>
+          </p:nvCxnSpPr>
+          <p:spPr>
+            <a:xfrm>
+              <a:off x="17135" y="4109"/>
+              <a:ext cx="8" cy="2969"/>
+            </a:xfrm>
+            <a:prstGeom prst="line">
+              <a:avLst/>
+            </a:prstGeom>
+            <a:ln>
+              <a:solidFill>
+                <a:schemeClr val="tx1"/>
+              </a:solidFill>
+              <a:prstDash val="sysDash"/>
+            </a:ln>
+          </p:spPr>
+          <p:style>
+            <a:lnRef idx="1">
+              <a:schemeClr val="accent1"/>
+            </a:lnRef>
+            <a:fillRef idx="0">
+              <a:schemeClr val="accent1"/>
+            </a:fillRef>
+            <a:effectRef idx="0">
+              <a:schemeClr val="accent1"/>
+            </a:effectRef>
+            <a:fontRef idx="minor">
+              <a:schemeClr val="tx1"/>
+            </a:fontRef>
+          </p:style>
+        </p:cxnSp>
+      </p:grpSp>
+      <p:sp>
+        <p:nvSpPr>
+          <p:cNvPr id="54" name="文本框 53"/>
+          <p:cNvSpPr txBox="1"/>
+          <p:nvPr/>
+        </p:nvSpPr>
+        <p:spPr>
+          <a:xfrm>
+            <a:off x="10332085" y="2243455"/>
+            <a:ext cx="1097280" cy="365760"/>
+          </a:xfrm>
+          <a:prstGeom prst="rect">
+            <a:avLst/>
+          </a:prstGeom>
+          <a:noFill/>
+        </p:spPr>
+        <p:txBody>
+          <a:bodyPr wrap="none" rtlCol="0">
+            <a:spAutoFit/>
+          </a:bodyPr>
+          <a:p>
+            <a:r>
+              <a:rPr lang="zh-CN" altLang="en-US"/>
+              <a:t>生成森林</a:t>
+            </a:r>
+            <a:endParaRPr lang="zh-CN" altLang="en-US"/>
+          </a:p>
+        </p:txBody>
+      </p:sp>
+    </p:spTree>
+  </p:cSld>
+  <p:clrMapOvr>
+    <a:masterClrMapping/>
+  </p:clrMapOvr>
+</p:sld>
+</file>
+
+<file path=ppt/slides/slide13.xml><?xml version="1.0" encoding="utf-8"?>
+<p:sld xmlns:a="http://schemas.openxmlformats.org/drawingml/2006/main" xmlns:r="http://schemas.openxmlformats.org/officeDocument/2006/relationships" xmlns:p="http://schemas.openxmlformats.org/presentationml/2006/main">
+  <p:cSld>
+    <p:spTree>
+      <p:nvGrpSpPr>
+        <p:cNvPr id="1" name=""/>
+        <p:cNvGrpSpPr/>
+        <p:nvPr/>
+      </p:nvGrpSpPr>
+      <p:grpSpPr/>
+      <p:grpSp>
+        <p:nvGrpSpPr>
+          <p:cNvPr id="65" name="组合 64"/>
+          <p:cNvGrpSpPr/>
+          <p:nvPr/>
+        </p:nvGrpSpPr>
+        <p:grpSpPr>
+          <a:xfrm>
+            <a:off x="1151890" y="379730"/>
+            <a:ext cx="8232140" cy="5269865"/>
+            <a:chOff x="2941" y="589"/>
+            <a:chExt cx="12964" cy="8299"/>
+          </a:xfrm>
+        </p:grpSpPr>
+        <p:sp>
+          <p:nvSpPr>
+            <p:cNvPr id="14" name="圆角矩形 13"/>
+            <p:cNvSpPr/>
+            <p:nvPr/>
+          </p:nvSpPr>
+          <p:spPr>
+            <a:xfrm>
+              <a:off x="7682" y="589"/>
+              <a:ext cx="3482" cy="1147"/>
+            </a:xfrm>
+            <a:prstGeom prst="roundRect">
+              <a:avLst/>
+            </a:prstGeom>
+            <a:noFill/>
+            <a:ln w="9525">
+              <a:solidFill>
+                <a:schemeClr val="tx1"/>
+              </a:solidFill>
+            </a:ln>
+            <a:extLst>
+              <a:ext uri="{909E8E84-426E-40DD-AFC4-6F175D3DCCD1}">
+                <a14:hiddenFill xmlns:a14="http://schemas.microsoft.com/office/drawing/2010/main">
+                  <a:solidFill>
+                    <a:schemeClr val="accent1"/>
+                  </a:solidFill>
+                </a14:hiddenFill>
+              </a:ext>
+            </a:extLst>
+          </p:spPr>
+          <p:style>
+            <a:lnRef idx="2">
+              <a:schemeClr val="accent1">
+                <a:shade val="50000"/>
+              </a:schemeClr>
+            </a:lnRef>
+            <a:fillRef idx="1">
+              <a:schemeClr val="accent1"/>
+            </a:fillRef>
+            <a:effectRef idx="0">
+              <a:schemeClr val="accent1"/>
+            </a:effectRef>
+            <a:fontRef idx="minor">
+              <a:schemeClr val="lt1"/>
+            </a:fontRef>
+          </p:style>
+          <p:txBody>
+            <a:bodyPr rtlCol="0" anchor="ctr"/>
+            <a:p>
+              <a:pPr algn="ctr"/>
+              <a:endParaRPr lang="zh-CN" altLang="en-US"/>
+            </a:p>
+          </p:txBody>
+        </p:sp>
+        <p:cxnSp>
+          <p:nvCxnSpPr>
+            <p:cNvPr id="15" name="直接连接符 14"/>
+            <p:cNvCxnSpPr>
+              <a:stCxn id="14" idx="2"/>
+            </p:cNvCxnSpPr>
+            <p:nvPr/>
+          </p:nvCxnSpPr>
+          <p:spPr>
+            <a:xfrm flipH="1">
+              <a:off x="9419" y="1736"/>
+              <a:ext cx="4" cy="734"/>
+            </a:xfrm>
+            <a:prstGeom prst="line">
+              <a:avLst/>
+            </a:prstGeom>
+          </p:spPr>
+          <p:style>
+            <a:lnRef idx="1">
+              <a:schemeClr val="dk1"/>
+            </a:lnRef>
+            <a:fillRef idx="0">
+              <a:schemeClr val="dk1"/>
+            </a:fillRef>
+            <a:effectRef idx="0">
+              <a:schemeClr val="dk1"/>
+            </a:effectRef>
+            <a:fontRef idx="minor">
+              <a:schemeClr val="tx1"/>
+            </a:fontRef>
+          </p:style>
+        </p:cxnSp>
+        <p:sp>
+          <p:nvSpPr>
+            <p:cNvPr id="31" name="文本框 30"/>
+            <p:cNvSpPr txBox="1"/>
+            <p:nvPr/>
+          </p:nvSpPr>
+          <p:spPr>
+            <a:xfrm>
+              <a:off x="8479" y="850"/>
+              <a:ext cx="1888" cy="624"/>
+            </a:xfrm>
+            <a:prstGeom prst="rect">
+              <a:avLst/>
+            </a:prstGeom>
+            <a:noFill/>
+          </p:spPr>
+          <p:txBody>
+            <a:bodyPr wrap="none" rtlCol="0">
+              <a:spAutoFit/>
+            </a:bodyPr>
+            <a:p>
+              <a:r>
+                <a:rPr lang="zh-CN" altLang="en-US" sz="2000"/>
+                <a:t>测试数据</a:t>
+              </a:r>
+              <a:endParaRPr lang="zh-CN" altLang="en-US" sz="2000"/>
+            </a:p>
+          </p:txBody>
+        </p:sp>
+        <p:sp>
+          <p:nvSpPr>
+            <p:cNvPr id="4" name="圆角矩形 3"/>
+            <p:cNvSpPr/>
+            <p:nvPr/>
+          </p:nvSpPr>
+          <p:spPr>
+            <a:xfrm>
+              <a:off x="7556" y="7746"/>
+              <a:ext cx="3784" cy="1143"/>
+            </a:xfrm>
+            <a:prstGeom prst="roundRect">
+              <a:avLst/>
+            </a:prstGeom>
+            <a:noFill/>
+            <a:ln w="9525">
+              <a:solidFill>
+                <a:schemeClr val="tx1"/>
+              </a:solidFill>
+            </a:ln>
+            <a:extLst>
+              <a:ext uri="{909E8E84-426E-40DD-AFC4-6F175D3DCCD1}">
+                <a14:hiddenFill xmlns:a14="http://schemas.microsoft.com/office/drawing/2010/main">
+                  <a:solidFill>
+                    <a:schemeClr val="accent1"/>
+                  </a:solidFill>
+                </a14:hiddenFill>
+              </a:ext>
+            </a:extLst>
+          </p:spPr>
+          <p:style>
+            <a:lnRef idx="2">
+              <a:schemeClr val="accent1">
+                <a:shade val="50000"/>
+              </a:schemeClr>
+            </a:lnRef>
+            <a:fillRef idx="1">
+              <a:schemeClr val="accent1"/>
+            </a:fillRef>
+            <a:effectRef idx="0">
+              <a:schemeClr val="accent1"/>
+            </a:effectRef>
+            <a:fontRef idx="minor">
+              <a:schemeClr val="lt1"/>
+            </a:fontRef>
+          </p:style>
+          <p:txBody>
+            <a:bodyPr rtlCol="0" anchor="ctr"/>
+            <a:p>
+              <a:pPr algn="ctr"/>
+              <a:endParaRPr lang="zh-CN" altLang="en-US"/>
+            </a:p>
+          </p:txBody>
+        </p:sp>
+        <p:cxnSp>
+          <p:nvCxnSpPr>
+            <p:cNvPr id="6" name="直接连接符 5"/>
+            <p:cNvCxnSpPr/>
+            <p:nvPr/>
+          </p:nvCxnSpPr>
+          <p:spPr>
+            <a:xfrm flipV="1">
+              <a:off x="4173" y="2470"/>
+              <a:ext cx="10551" cy="17"/>
+            </a:xfrm>
+            <a:prstGeom prst="line">
+              <a:avLst/>
+            </a:prstGeom>
+            <a:ln>
+              <a:solidFill>
+                <a:schemeClr val="tx1"/>
+              </a:solidFill>
+            </a:ln>
+          </p:spPr>
+          <p:style>
+            <a:lnRef idx="1">
+              <a:schemeClr val="accent1"/>
+            </a:lnRef>
+            <a:fillRef idx="0">
+              <a:schemeClr val="accent1"/>
+            </a:fillRef>
+            <a:effectRef idx="0">
+              <a:schemeClr val="accent1"/>
+            </a:effectRef>
+            <a:fontRef idx="minor">
+              <a:schemeClr val="tx1"/>
+            </a:fontRef>
+          </p:style>
+        </p:cxnSp>
+        <p:cxnSp>
+          <p:nvCxnSpPr>
+            <p:cNvPr id="7" name="直接箭头连接符 6"/>
+            <p:cNvCxnSpPr/>
+            <p:nvPr/>
+          </p:nvCxnSpPr>
+          <p:spPr>
+            <a:xfrm flipH="1">
+              <a:off x="4174" y="2487"/>
+              <a:ext cx="17" cy="1284"/>
+            </a:xfrm>
+            <a:prstGeom prst="straightConnector1">
+              <a:avLst/>
+            </a:prstGeom>
+            <a:ln>
+              <a:tailEnd type="arrow" w="med" len="med"/>
+            </a:ln>
+          </p:spPr>
+          <p:style>
+            <a:lnRef idx="1">
+              <a:schemeClr val="dk1"/>
+            </a:lnRef>
+            <a:fillRef idx="0">
+              <a:schemeClr val="dk1"/>
+            </a:fillRef>
+            <a:effectRef idx="0">
+              <a:schemeClr val="dk1"/>
+            </a:effectRef>
+            <a:fontRef idx="minor">
+              <a:schemeClr val="tx1"/>
+            </a:fontRef>
+          </p:style>
+        </p:cxnSp>
+        <p:grpSp>
+          <p:nvGrpSpPr>
+            <p:cNvPr id="16" name="组合 15"/>
+            <p:cNvGrpSpPr/>
+            <p:nvPr/>
+          </p:nvGrpSpPr>
+          <p:grpSpPr>
+            <a:xfrm rot="0">
+              <a:off x="13405" y="3754"/>
+              <a:ext cx="2450" cy="2740"/>
+              <a:chOff x="2722" y="3943"/>
+              <a:chExt cx="2450" cy="2740"/>
+            </a:xfrm>
+          </p:grpSpPr>
+          <p:sp>
+            <p:nvSpPr>
+              <p:cNvPr id="8" name="矩形 7"/>
+              <p:cNvSpPr/>
+              <p:nvPr/>
+            </p:nvSpPr>
+            <p:spPr>
+              <a:xfrm>
+                <a:off x="2722" y="3943"/>
+                <a:ext cx="2450" cy="1028"/>
+              </a:xfrm>
+              <a:prstGeom prst="rect">
+                <a:avLst/>
+              </a:prstGeom>
+              <a:noFill/>
+              <a:ln>
+                <a:solidFill>
+                  <a:schemeClr val="tx1"/>
+                </a:solidFill>
+              </a:ln>
+              <a:extLst>
+                <a:ext uri="{909E8E84-426E-40DD-AFC4-6F175D3DCCD1}">
+                  <a14:hiddenFill xmlns:a14="http://schemas.microsoft.com/office/drawing/2010/main">
+                    <a:solidFill>
+                      <a:schemeClr val="accent1"/>
+                    </a:solidFill>
+                  </a14:hiddenFill>
+                </a:ext>
+              </a:extLst>
+            </p:spPr>
+            <p:style>
+              <a:lnRef idx="2">
+                <a:schemeClr val="accent1">
+                  <a:shade val="50000"/>
+                </a:schemeClr>
+              </a:lnRef>
+              <a:fillRef idx="1">
+                <a:schemeClr val="accent1"/>
+              </a:fillRef>
+              <a:effectRef idx="0">
+                <a:schemeClr val="accent1"/>
+              </a:effectRef>
+              <a:fontRef idx="minor">
+                <a:schemeClr val="lt1"/>
+              </a:fontRef>
+            </p:style>
+            <p:txBody>
+              <a:bodyPr rtlCol="0" anchor="ctr"/>
+              <a:p>
+                <a:pPr algn="ctr"/>
+                <a:endParaRPr lang="zh-CN" altLang="en-US"/>
+              </a:p>
+            </p:txBody>
+          </p:sp>
+          <p:cxnSp>
+            <p:nvCxnSpPr>
+              <p:cNvPr id="9" name="直接箭头连接符 8"/>
+              <p:cNvCxnSpPr/>
+              <p:nvPr/>
+            </p:nvCxnSpPr>
+            <p:spPr>
+              <a:xfrm flipH="1">
+                <a:off x="3955" y="4971"/>
+                <a:ext cx="1" cy="634"/>
+              </a:xfrm>
+              <a:prstGeom prst="straightConnector1">
+                <a:avLst/>
+              </a:prstGeom>
+              <a:ln>
+                <a:tailEnd type="arrow" w="med" len="med"/>
+              </a:ln>
+            </p:spPr>
+            <p:style>
+              <a:lnRef idx="1">
+                <a:schemeClr val="dk1"/>
+              </a:lnRef>
+              <a:fillRef idx="0">
+                <a:schemeClr val="dk1"/>
+              </a:fillRef>
+              <a:effectRef idx="0">
+                <a:schemeClr val="dk1"/>
+              </a:effectRef>
+              <a:fontRef idx="minor">
+                <a:schemeClr val="tx1"/>
+              </a:fontRef>
+            </p:style>
+          </p:cxnSp>
+          <p:sp>
+            <p:nvSpPr>
+              <p:cNvPr id="10" name="矩形 9"/>
+              <p:cNvSpPr/>
+              <p:nvPr/>
+            </p:nvSpPr>
+            <p:spPr>
+              <a:xfrm>
+                <a:off x="2722" y="5605"/>
+                <a:ext cx="2449" cy="1079"/>
+              </a:xfrm>
+              <a:prstGeom prst="rect">
+                <a:avLst/>
+              </a:prstGeom>
+              <a:noFill/>
+              <a:ln>
+                <a:solidFill>
+                  <a:schemeClr val="tx1"/>
+                </a:solidFill>
+              </a:ln>
+              <a:extLst>
+                <a:ext uri="{909E8E84-426E-40DD-AFC4-6F175D3DCCD1}">
+                  <a14:hiddenFill xmlns:a14="http://schemas.microsoft.com/office/drawing/2010/main">
+                    <a:solidFill>
+                      <a:schemeClr val="accent1"/>
+                    </a:solidFill>
+                  </a14:hiddenFill>
+                </a:ext>
+              </a:extLst>
+            </p:spPr>
+            <p:style>
+              <a:lnRef idx="2">
+                <a:schemeClr val="accent1">
+                  <a:shade val="50000"/>
+                </a:schemeClr>
+              </a:lnRef>
+              <a:fillRef idx="1">
+                <a:schemeClr val="accent1"/>
+              </a:fillRef>
+              <a:effectRef idx="0">
+                <a:schemeClr val="accent1"/>
+              </a:effectRef>
+              <a:fontRef idx="minor">
+                <a:schemeClr val="lt1"/>
+              </a:fontRef>
+            </p:style>
+            <p:txBody>
+              <a:bodyPr vertOverflow="overflow" horzOverflow="overflow" vert="horz" wrap="square" numCol="1" spcCol="0" rtlCol="0" fromWordArt="0" anchor="ctr" anchorCtr="0" forceAA="0" compatLnSpc="1">
+                <a:noAutofit/>
+              </a:bodyPr>
+              <a:p>
+                <a:pPr lvl="0" algn="ctr"/>
+                <a:endParaRPr lang="zh-CN" altLang="en-US">
+                  <a:sym typeface="+mn-ea"/>
+                </a:endParaRPr>
+              </a:p>
+            </p:txBody>
+          </p:sp>
+        </p:grpSp>
+        <p:cxnSp>
+          <p:nvCxnSpPr>
+            <p:cNvPr id="11" name="直接连接符 10"/>
+            <p:cNvCxnSpPr/>
+            <p:nvPr/>
+          </p:nvCxnSpPr>
+          <p:spPr>
+            <a:xfrm flipH="1">
+              <a:off x="14638" y="6495"/>
+              <a:ext cx="10" cy="650"/>
+            </a:xfrm>
+            <a:prstGeom prst="line">
+              <a:avLst/>
+            </a:prstGeom>
+          </p:spPr>
+          <p:style>
+            <a:lnRef idx="1">
+              <a:schemeClr val="dk1"/>
+            </a:lnRef>
+            <a:fillRef idx="0">
+              <a:schemeClr val="dk1"/>
+            </a:fillRef>
+            <a:effectRef idx="0">
+              <a:schemeClr val="dk1"/>
+            </a:effectRef>
+            <a:fontRef idx="minor">
+              <a:schemeClr val="tx1"/>
+            </a:fontRef>
+          </p:style>
+        </p:cxnSp>
+        <p:cxnSp>
+          <p:nvCxnSpPr>
+            <p:cNvPr id="12" name="直接连接符 11"/>
+            <p:cNvCxnSpPr/>
+            <p:nvPr/>
+          </p:nvCxnSpPr>
+          <p:spPr>
+            <a:xfrm>
+              <a:off x="4173" y="7145"/>
+              <a:ext cx="10499" cy="0"/>
+            </a:xfrm>
+            <a:prstGeom prst="line">
+              <a:avLst/>
+            </a:prstGeom>
+          </p:spPr>
+          <p:style>
+            <a:lnRef idx="1">
+              <a:schemeClr val="dk1"/>
+            </a:lnRef>
+            <a:fillRef idx="0">
+              <a:schemeClr val="dk1"/>
+            </a:fillRef>
+            <a:effectRef idx="0">
+              <a:schemeClr val="dk1"/>
+            </a:effectRef>
+            <a:fontRef idx="minor">
+              <a:schemeClr val="tx1"/>
+            </a:fontRef>
+          </p:style>
+        </p:cxnSp>
+        <p:cxnSp>
+          <p:nvCxnSpPr>
+            <p:cNvPr id="13" name="直接箭头连接符 12"/>
+            <p:cNvCxnSpPr/>
+            <p:nvPr/>
+          </p:nvCxnSpPr>
+          <p:spPr>
+            <a:xfrm>
+              <a:off x="9449" y="7145"/>
+              <a:ext cx="4" cy="601"/>
+            </a:xfrm>
+            <a:prstGeom prst="straightConnector1">
+              <a:avLst/>
+            </a:prstGeom>
+            <a:ln>
+              <a:tailEnd type="arrow" w="med" len="med"/>
+            </a:ln>
+          </p:spPr>
+          <p:style>
+            <a:lnRef idx="1">
+              <a:schemeClr val="dk1"/>
+            </a:lnRef>
+            <a:fillRef idx="0">
+              <a:schemeClr val="dk1"/>
+            </a:fillRef>
+            <a:effectRef idx="0">
+              <a:schemeClr val="dk1"/>
+            </a:effectRef>
+            <a:fontRef idx="minor">
+              <a:schemeClr val="tx1"/>
+            </a:fontRef>
+          </p:style>
+        </p:cxnSp>
+        <p:grpSp>
+          <p:nvGrpSpPr>
+            <p:cNvPr id="17" name="组合 16"/>
+            <p:cNvGrpSpPr/>
+            <p:nvPr/>
+          </p:nvGrpSpPr>
+          <p:grpSpPr>
+            <a:xfrm rot="0">
+              <a:off x="6115" y="3771"/>
+              <a:ext cx="2450" cy="2740"/>
+              <a:chOff x="2722" y="3943"/>
+              <a:chExt cx="2450" cy="2740"/>
+            </a:xfrm>
+          </p:grpSpPr>
+          <p:sp>
+            <p:nvSpPr>
+              <p:cNvPr id="18" name="矩形 17"/>
+              <p:cNvSpPr/>
+              <p:nvPr/>
+            </p:nvSpPr>
+            <p:spPr>
+              <a:xfrm>
+                <a:off x="2722" y="3943"/>
+                <a:ext cx="2450" cy="1028"/>
+              </a:xfrm>
+              <a:prstGeom prst="rect">
+                <a:avLst/>
+              </a:prstGeom>
+              <a:noFill/>
+              <a:ln>
+                <a:solidFill>
+                  <a:schemeClr val="tx1"/>
+                </a:solidFill>
+              </a:ln>
+              <a:extLst>
+                <a:ext uri="{909E8E84-426E-40DD-AFC4-6F175D3DCCD1}">
+                  <a14:hiddenFill xmlns:a14="http://schemas.microsoft.com/office/drawing/2010/main">
+                    <a:solidFill>
+                      <a:schemeClr val="accent1"/>
+                    </a:solidFill>
+                  </a14:hiddenFill>
+                </a:ext>
+              </a:extLst>
+            </p:spPr>
+            <p:style>
+              <a:lnRef idx="2">
+                <a:schemeClr val="accent1">
+                  <a:shade val="50000"/>
+                </a:schemeClr>
+              </a:lnRef>
+              <a:fillRef idx="1">
+                <a:schemeClr val="accent1"/>
+              </a:fillRef>
+              <a:effectRef idx="0">
+                <a:schemeClr val="accent1"/>
+              </a:effectRef>
+              <a:fontRef idx="minor">
+                <a:schemeClr val="lt1"/>
+              </a:fontRef>
+            </p:style>
+            <p:txBody>
+              <a:bodyPr rtlCol="0" anchor="ctr"/>
+              <a:p>
+                <a:pPr algn="ctr"/>
+                <a:endParaRPr lang="zh-CN" altLang="en-US"/>
+              </a:p>
+            </p:txBody>
+          </p:sp>
+          <p:cxnSp>
+            <p:nvCxnSpPr>
+              <p:cNvPr id="19" name="直接箭头连接符 18"/>
+              <p:cNvCxnSpPr/>
+              <p:nvPr/>
+            </p:nvCxnSpPr>
+            <p:spPr>
+              <a:xfrm flipH="1">
+                <a:off x="3955" y="4971"/>
+                <a:ext cx="1" cy="634"/>
+              </a:xfrm>
+              <a:prstGeom prst="straightConnector1">
+                <a:avLst/>
+              </a:prstGeom>
+              <a:ln>
+                <a:tailEnd type="arrow" w="med" len="med"/>
+              </a:ln>
+            </p:spPr>
+            <p:style>
+              <a:lnRef idx="1">
+                <a:schemeClr val="dk1"/>
+              </a:lnRef>
+              <a:fillRef idx="0">
+                <a:schemeClr val="dk1"/>
+              </a:fillRef>
+              <a:effectRef idx="0">
+                <a:schemeClr val="dk1"/>
+              </a:effectRef>
+              <a:fontRef idx="minor">
+                <a:schemeClr val="tx1"/>
+              </a:fontRef>
+            </p:style>
+          </p:cxnSp>
+          <p:sp>
+            <p:nvSpPr>
+              <p:cNvPr id="20" name="矩形 19"/>
+              <p:cNvSpPr/>
+              <p:nvPr/>
+            </p:nvSpPr>
+            <p:spPr>
+              <a:xfrm>
+                <a:off x="2722" y="5605"/>
+                <a:ext cx="2449" cy="1079"/>
+              </a:xfrm>
+              <a:prstGeom prst="rect">
+                <a:avLst/>
+              </a:prstGeom>
+              <a:noFill/>
+              <a:ln>
+                <a:solidFill>
+                  <a:schemeClr val="tx1"/>
+                </a:solidFill>
+              </a:ln>
+              <a:extLst>
+                <a:ext uri="{909E8E84-426E-40DD-AFC4-6F175D3DCCD1}">
+                  <a14:hiddenFill xmlns:a14="http://schemas.microsoft.com/office/drawing/2010/main">
+                    <a:solidFill>
+                      <a:schemeClr val="accent1"/>
+                    </a:solidFill>
+                  </a14:hiddenFill>
+                </a:ext>
+              </a:extLst>
+            </p:spPr>
+            <p:style>
+              <a:lnRef idx="2">
+                <a:schemeClr val="accent1">
+                  <a:shade val="50000"/>
+                </a:schemeClr>
+              </a:lnRef>
+              <a:fillRef idx="1">
+                <a:schemeClr val="accent1"/>
+              </a:fillRef>
+              <a:effectRef idx="0">
+                <a:schemeClr val="accent1"/>
+              </a:effectRef>
+              <a:fontRef idx="minor">
+                <a:schemeClr val="lt1"/>
+              </a:fontRef>
+            </p:style>
+            <p:txBody>
+              <a:bodyPr vertOverflow="overflow" horzOverflow="overflow" vert="horz" wrap="square" numCol="1" spcCol="0" rtlCol="0" fromWordArt="0" anchor="ctr" anchorCtr="0" forceAA="0" compatLnSpc="1">
+                <a:noAutofit/>
+              </a:bodyPr>
+              <a:p>
+                <a:pPr lvl="0" algn="ctr"/>
+                <a:endParaRPr lang="zh-CN" altLang="en-US">
+                  <a:sym typeface="+mn-ea"/>
+                </a:endParaRPr>
+              </a:p>
+            </p:txBody>
+          </p:sp>
+        </p:grpSp>
+        <p:grpSp>
+          <p:nvGrpSpPr>
+            <p:cNvPr id="21" name="组合 20"/>
+            <p:cNvGrpSpPr/>
+            <p:nvPr/>
+          </p:nvGrpSpPr>
+          <p:grpSpPr>
+            <a:xfrm rot="0">
+              <a:off x="10488" y="3754"/>
+              <a:ext cx="2450" cy="2740"/>
+              <a:chOff x="2722" y="3943"/>
+              <a:chExt cx="2450" cy="2740"/>
+            </a:xfrm>
+          </p:grpSpPr>
+          <p:sp>
+            <p:nvSpPr>
+              <p:cNvPr id="22" name="矩形 21"/>
+              <p:cNvSpPr/>
+              <p:nvPr/>
+            </p:nvSpPr>
+            <p:spPr>
+              <a:xfrm>
+                <a:off x="2722" y="3943"/>
+                <a:ext cx="2450" cy="1028"/>
+              </a:xfrm>
+              <a:prstGeom prst="rect">
+                <a:avLst/>
+              </a:prstGeom>
+              <a:noFill/>
+              <a:ln>
+                <a:solidFill>
+                  <a:schemeClr val="tx1"/>
+                </a:solidFill>
+              </a:ln>
+              <a:extLst>
+                <a:ext uri="{909E8E84-426E-40DD-AFC4-6F175D3DCCD1}">
+                  <a14:hiddenFill xmlns:a14="http://schemas.microsoft.com/office/drawing/2010/main">
+                    <a:solidFill>
+                      <a:schemeClr val="accent1"/>
+                    </a:solidFill>
+                  </a14:hiddenFill>
+                </a:ext>
+              </a:extLst>
+            </p:spPr>
+            <p:style>
+              <a:lnRef idx="2">
+                <a:schemeClr val="accent1">
+                  <a:shade val="50000"/>
+                </a:schemeClr>
+              </a:lnRef>
+              <a:fillRef idx="1">
+                <a:schemeClr val="accent1"/>
+              </a:fillRef>
+              <a:effectRef idx="0">
+                <a:schemeClr val="accent1"/>
+              </a:effectRef>
+              <a:fontRef idx="minor">
+                <a:schemeClr val="lt1"/>
+              </a:fontRef>
+            </p:style>
+            <p:txBody>
+              <a:bodyPr rtlCol="0" anchor="ctr"/>
+              <a:p>
+                <a:pPr algn="ctr"/>
+                <a:endParaRPr lang="zh-CN" altLang="en-US"/>
+              </a:p>
+            </p:txBody>
+          </p:sp>
+          <p:cxnSp>
+            <p:nvCxnSpPr>
+              <p:cNvPr id="23" name="直接箭头连接符 22"/>
+              <p:cNvCxnSpPr/>
+              <p:nvPr/>
+            </p:nvCxnSpPr>
+            <p:spPr>
+              <a:xfrm flipH="1">
+                <a:off x="3955" y="4971"/>
+                <a:ext cx="1" cy="634"/>
+              </a:xfrm>
+              <a:prstGeom prst="straightConnector1">
+                <a:avLst/>
+              </a:prstGeom>
+              <a:ln>
+                <a:tailEnd type="arrow" w="med" len="med"/>
+              </a:ln>
+            </p:spPr>
+            <p:style>
+              <a:lnRef idx="1">
+                <a:schemeClr val="dk1"/>
+              </a:lnRef>
+              <a:fillRef idx="0">
+                <a:schemeClr val="dk1"/>
+              </a:fillRef>
+              <a:effectRef idx="0">
+                <a:schemeClr val="dk1"/>
+              </a:effectRef>
+              <a:fontRef idx="minor">
+                <a:schemeClr val="tx1"/>
+              </a:fontRef>
+            </p:style>
+          </p:cxnSp>
+          <p:sp>
+            <p:nvSpPr>
+              <p:cNvPr id="24" name="矩形 23"/>
+              <p:cNvSpPr/>
+              <p:nvPr/>
+            </p:nvSpPr>
+            <p:spPr>
+              <a:xfrm>
+                <a:off x="2722" y="5605"/>
+                <a:ext cx="2449" cy="1079"/>
+              </a:xfrm>
+              <a:prstGeom prst="rect">
+                <a:avLst/>
+              </a:prstGeom>
+              <a:noFill/>
+              <a:ln>
+                <a:solidFill>
+                  <a:schemeClr val="tx1"/>
+                </a:solidFill>
+              </a:ln>
+              <a:extLst>
+                <a:ext uri="{909E8E84-426E-40DD-AFC4-6F175D3DCCD1}">
+                  <a14:hiddenFill xmlns:a14="http://schemas.microsoft.com/office/drawing/2010/main">
+                    <a:solidFill>
+                      <a:schemeClr val="accent1"/>
+                    </a:solidFill>
+                  </a14:hiddenFill>
+                </a:ext>
+              </a:extLst>
+            </p:spPr>
+            <p:style>
+              <a:lnRef idx="2">
+                <a:schemeClr val="accent1">
+                  <a:shade val="50000"/>
+                </a:schemeClr>
+              </a:lnRef>
+              <a:fillRef idx="1">
+                <a:schemeClr val="accent1"/>
+              </a:fillRef>
+              <a:effectRef idx="0">
+                <a:schemeClr val="accent1"/>
+              </a:effectRef>
+              <a:fontRef idx="minor">
+                <a:schemeClr val="lt1"/>
+              </a:fontRef>
+            </p:style>
+            <p:txBody>
+              <a:bodyPr vertOverflow="overflow" horzOverflow="overflow" vert="horz" wrap="square" numCol="1" spcCol="0" rtlCol="0" fromWordArt="0" anchor="ctr" anchorCtr="0" forceAA="0" compatLnSpc="1">
+                <a:noAutofit/>
+              </a:bodyPr>
+              <a:p>
+                <a:pPr lvl="0" algn="ctr"/>
+                <a:endParaRPr lang="zh-CN" altLang="en-US">
+                  <a:sym typeface="+mn-ea"/>
+                </a:endParaRPr>
+              </a:p>
+            </p:txBody>
+          </p:sp>
+        </p:grpSp>
+        <p:grpSp>
+          <p:nvGrpSpPr>
+            <p:cNvPr id="25" name="组合 24"/>
+            <p:cNvGrpSpPr/>
+            <p:nvPr/>
+          </p:nvGrpSpPr>
+          <p:grpSpPr>
+            <a:xfrm rot="0">
+              <a:off x="2941" y="3754"/>
+              <a:ext cx="2450" cy="2740"/>
+              <a:chOff x="2722" y="3943"/>
+              <a:chExt cx="2450" cy="2740"/>
+            </a:xfrm>
+          </p:grpSpPr>
+          <p:sp>
+            <p:nvSpPr>
+              <p:cNvPr id="26" name="矩形 25"/>
+              <p:cNvSpPr/>
+              <p:nvPr/>
+            </p:nvSpPr>
+            <p:spPr>
+              <a:xfrm>
+                <a:off x="2722" y="3943"/>
+                <a:ext cx="2450" cy="1028"/>
+              </a:xfrm>
+              <a:prstGeom prst="rect">
+                <a:avLst/>
+              </a:prstGeom>
+              <a:noFill/>
+              <a:ln>
+                <a:solidFill>
+                  <a:schemeClr val="tx1"/>
+                </a:solidFill>
+              </a:ln>
+              <a:extLst>
+                <a:ext uri="{909E8E84-426E-40DD-AFC4-6F175D3DCCD1}">
+                  <a14:hiddenFill xmlns:a14="http://schemas.microsoft.com/office/drawing/2010/main">
+                    <a:solidFill>
+                      <a:schemeClr val="accent1"/>
+                    </a:solidFill>
+                  </a14:hiddenFill>
+                </a:ext>
+              </a:extLst>
+            </p:spPr>
+            <p:style>
+              <a:lnRef idx="2">
+                <a:schemeClr val="accent1">
+                  <a:shade val="50000"/>
+                </a:schemeClr>
+              </a:lnRef>
+              <a:fillRef idx="1">
+                <a:schemeClr val="accent1"/>
+              </a:fillRef>
+              <a:effectRef idx="0">
+                <a:schemeClr val="accent1"/>
+              </a:effectRef>
+              <a:fontRef idx="minor">
+                <a:schemeClr val="lt1"/>
+              </a:fontRef>
+            </p:style>
+            <p:txBody>
+              <a:bodyPr rtlCol="0" anchor="ctr"/>
+              <a:p>
+                <a:pPr algn="ctr"/>
+                <a:endParaRPr lang="zh-CN" altLang="en-US"/>
+              </a:p>
+            </p:txBody>
+          </p:sp>
+          <p:cxnSp>
+            <p:nvCxnSpPr>
+              <p:cNvPr id="27" name="直接箭头连接符 26"/>
+              <p:cNvCxnSpPr/>
+              <p:nvPr/>
+            </p:nvCxnSpPr>
+            <p:spPr>
+              <a:xfrm flipH="1">
+                <a:off x="3955" y="4971"/>
+                <a:ext cx="1" cy="634"/>
+              </a:xfrm>
+              <a:prstGeom prst="straightConnector1">
+                <a:avLst/>
+              </a:prstGeom>
+              <a:ln>
+                <a:tailEnd type="arrow" w="med" len="med"/>
+              </a:ln>
+            </p:spPr>
+            <p:style>
+              <a:lnRef idx="1">
+                <a:schemeClr val="dk1"/>
+              </a:lnRef>
+              <a:fillRef idx="0">
+                <a:schemeClr val="dk1"/>
+              </a:fillRef>
+              <a:effectRef idx="0">
+                <a:schemeClr val="dk1"/>
+              </a:effectRef>
+              <a:fontRef idx="minor">
+                <a:schemeClr val="tx1"/>
+              </a:fontRef>
+            </p:style>
+          </p:cxnSp>
+          <p:sp>
+            <p:nvSpPr>
+              <p:cNvPr id="28" name="矩形 27"/>
+              <p:cNvSpPr/>
+              <p:nvPr/>
+            </p:nvSpPr>
+            <p:spPr>
+              <a:xfrm>
+                <a:off x="2722" y="5605"/>
+                <a:ext cx="2449" cy="1079"/>
+              </a:xfrm>
+              <a:prstGeom prst="rect">
+                <a:avLst/>
+              </a:prstGeom>
+              <a:noFill/>
+              <a:ln>
+                <a:solidFill>
+                  <a:schemeClr val="tx1"/>
+                </a:solidFill>
+              </a:ln>
+              <a:extLst>
+                <a:ext uri="{909E8E84-426E-40DD-AFC4-6F175D3DCCD1}">
+                  <a14:hiddenFill xmlns:a14="http://schemas.microsoft.com/office/drawing/2010/main">
+                    <a:solidFill>
+                      <a:schemeClr val="accent1"/>
+                    </a:solidFill>
+                  </a14:hiddenFill>
+                </a:ext>
+              </a:extLst>
+            </p:spPr>
+            <p:style>
+              <a:lnRef idx="2">
+                <a:schemeClr val="accent1">
+                  <a:shade val="50000"/>
+                </a:schemeClr>
+              </a:lnRef>
+              <a:fillRef idx="1">
+                <a:schemeClr val="accent1"/>
+              </a:fillRef>
+              <a:effectRef idx="0">
+                <a:schemeClr val="accent1"/>
+              </a:effectRef>
+              <a:fontRef idx="minor">
+                <a:schemeClr val="lt1"/>
+              </a:fontRef>
+            </p:style>
+            <p:txBody>
+              <a:bodyPr vertOverflow="overflow" horzOverflow="overflow" vert="horz" wrap="square" numCol="1" spcCol="0" rtlCol="0" fromWordArt="0" anchor="ctr" anchorCtr="0" forceAA="0" compatLnSpc="1">
+                <a:noAutofit/>
+              </a:bodyPr>
+              <a:p>
+                <a:pPr lvl="0" algn="ctr"/>
+                <a:endParaRPr lang="zh-CN" altLang="en-US">
+                  <a:sym typeface="+mn-ea"/>
+                </a:endParaRPr>
+              </a:p>
+            </p:txBody>
+          </p:sp>
+        </p:grpSp>
+        <p:cxnSp>
+          <p:nvCxnSpPr>
+            <p:cNvPr id="29" name="直接箭头连接符 28"/>
+            <p:cNvCxnSpPr/>
+            <p:nvPr/>
+          </p:nvCxnSpPr>
+          <p:spPr>
+            <a:xfrm flipH="1">
+              <a:off x="14707" y="2470"/>
+              <a:ext cx="17" cy="1284"/>
+            </a:xfrm>
+            <a:prstGeom prst="straightConnector1">
+              <a:avLst/>
+            </a:prstGeom>
+            <a:ln>
+              <a:tailEnd type="arrow" w="med" len="med"/>
+            </a:ln>
+          </p:spPr>
+          <p:style>
+            <a:lnRef idx="1">
+              <a:schemeClr val="dk1"/>
+            </a:lnRef>
+            <a:fillRef idx="0">
+              <a:schemeClr val="dk1"/>
+            </a:fillRef>
+            <a:effectRef idx="0">
+              <a:schemeClr val="dk1"/>
+            </a:effectRef>
+            <a:fontRef idx="minor">
+              <a:schemeClr val="tx1"/>
+            </a:fontRef>
+          </p:style>
+        </p:cxnSp>
+        <p:cxnSp>
+          <p:nvCxnSpPr>
+            <p:cNvPr id="30" name="直接连接符 29"/>
+            <p:cNvCxnSpPr/>
+            <p:nvPr/>
+          </p:nvCxnSpPr>
+          <p:spPr>
+            <a:xfrm>
+              <a:off x="4170" y="6512"/>
+              <a:ext cx="3" cy="651"/>
+            </a:xfrm>
+            <a:prstGeom prst="line">
+              <a:avLst/>
+            </a:prstGeom>
+          </p:spPr>
+          <p:style>
+            <a:lnRef idx="1">
+              <a:schemeClr val="dk1"/>
+            </a:lnRef>
+            <a:fillRef idx="0">
+              <a:schemeClr val="dk1"/>
+            </a:fillRef>
+            <a:effectRef idx="0">
+              <a:schemeClr val="dk1"/>
+            </a:effectRef>
+            <a:fontRef idx="minor">
+              <a:schemeClr val="tx1"/>
+            </a:fontRef>
+          </p:style>
+        </p:cxnSp>
+        <p:sp>
+          <p:nvSpPr>
+            <p:cNvPr id="32" name="文本框 31"/>
+            <p:cNvSpPr txBox="1"/>
+            <p:nvPr/>
+          </p:nvSpPr>
+          <p:spPr>
+            <a:xfrm>
+              <a:off x="7733" y="8005"/>
+              <a:ext cx="3568" cy="624"/>
+            </a:xfrm>
+            <a:prstGeom prst="rect">
+              <a:avLst/>
+            </a:prstGeom>
+            <a:noFill/>
+          </p:spPr>
+          <p:txBody>
+            <a:bodyPr wrap="square" rtlCol="0">
+              <a:spAutoFit/>
+            </a:bodyPr>
+            <a:p>
+              <a:r>
+                <a:rPr lang="zh-CN" altLang="en-US" sz="2000">
+                  <a:latin typeface="+mn-ea"/>
+                </a:rPr>
+                <a:t>投票决定分类结果</a:t>
+              </a:r>
+              <a:endParaRPr lang="zh-CN" altLang="en-US" sz="2000">
+                <a:latin typeface="+mn-ea"/>
+              </a:endParaRPr>
+            </a:p>
+          </p:txBody>
+        </p:sp>
+        <p:graphicFrame>
+          <p:nvGraphicFramePr>
+            <p:cNvPr id="38" name="对象 37">
+              <a:hlinkClick r:id="" action="ppaction://ole?verb="/>
+            </p:cNvPr>
+            <p:cNvGraphicFramePr>
+              <a:graphicFrameLocks noChangeAspect="1"/>
+            </p:cNvGraphicFramePr>
+            <p:nvPr/>
+          </p:nvGraphicFramePr>
+          <p:xfrm>
+            <a:off x="4343" y="3973"/>
+            <a:ext cx="1133" cy="640"/>
+          </p:xfrm>
+          <a:graphic>
+            <a:graphicData uri="http://schemas.openxmlformats.org/presentationml/2006/ole">
+              <mc:AlternateContent xmlns:mc="http://schemas.openxmlformats.org/markup-compatibility/2006">
+                <mc:Choice xmlns:v="urn:schemas-microsoft-com:vml" Requires="v">
+                  <p:oleObj spid="_x0000_s1025" name="" r:id="rId1" imgW="292100" imgH="165100" progId="Equation.KSEE3">
+                    <p:embed/>
+                  </p:oleObj>
+                </mc:Choice>
+                <mc:Fallback>
+                  <p:oleObj name="" r:id="rId1" imgW="292100" imgH="165100" progId="Equation.KSEE3">
+                    <p:embed/>
+                    <p:pic>
+                      <p:nvPicPr>
+                        <p:cNvPr id="0" name="图片 1024"/>
+                        <p:cNvPicPr/>
+                        <p:nvPr/>
+                      </p:nvPicPr>
+                      <p:blipFill>
+                        <a:blip r:embed="rId2"/>
+                        <a:stretch>
+                          <a:fillRect/>
+                        </a:stretch>
+                      </p:blipFill>
+                      <p:spPr>
+                        <a:xfrm>
+                          <a:off x="4343" y="3973"/>
+                          <a:ext cx="1133" cy="640"/>
+                        </a:xfrm>
+                        <a:prstGeom prst="rect">
+                          <a:avLst/>
+                        </a:prstGeom>
+                      </p:spPr>
+                    </p:pic>
+                  </p:oleObj>
+                </mc:Fallback>
+              </mc:AlternateContent>
+            </a:graphicData>
+          </a:graphic>
+        </p:graphicFrame>
+        <p:graphicFrame>
+          <p:nvGraphicFramePr>
+            <p:cNvPr id="40" name="对象 39">
+              <a:hlinkClick r:id="" action="ppaction://ole?verb="/>
+            </p:cNvPr>
+            <p:cNvGraphicFramePr>
+              <a:graphicFrameLocks noChangeAspect="1"/>
+            </p:cNvGraphicFramePr>
+            <p:nvPr/>
+          </p:nvGraphicFramePr>
+          <p:xfrm>
+            <a:off x="14811" y="3984"/>
+            <a:ext cx="1095" cy="613"/>
+          </p:xfrm>
+          <a:graphic>
+            <a:graphicData uri="http://schemas.openxmlformats.org/presentationml/2006/ole">
+              <mc:AlternateContent xmlns:mc="http://schemas.openxmlformats.org/markup-compatibility/2006">
+                <mc:Choice xmlns:v="urn:schemas-microsoft-com:vml" Requires="v">
+                  <p:oleObj spid="_x0000_s41" name="" r:id="rId3" imgW="316865" imgH="177165" progId="Equation.KSEE3">
+                    <p:embed/>
+                  </p:oleObj>
+                </mc:Choice>
+                <mc:Fallback>
+                  <p:oleObj name="" r:id="rId3" imgW="316865" imgH="177165" progId="Equation.KSEE3">
+                    <p:embed/>
+                    <p:pic>
+                      <p:nvPicPr>
+                        <p:cNvPr id="0" name="图片 1024"/>
+                        <p:cNvPicPr/>
+                        <p:nvPr/>
+                      </p:nvPicPr>
+                      <p:blipFill>
+                        <a:blip r:embed="rId4"/>
+                        <a:stretch>
+                          <a:fillRect/>
+                        </a:stretch>
+                      </p:blipFill>
+                      <p:spPr>
+                        <a:xfrm>
+                          <a:off x="14811" y="3984"/>
+                          <a:ext cx="1095" cy="613"/>
+                        </a:xfrm>
+                        <a:prstGeom prst="rect">
+                          <a:avLst/>
+                        </a:prstGeom>
+                      </p:spPr>
+                    </p:pic>
+                  </p:oleObj>
+                </mc:Fallback>
+              </mc:AlternateContent>
+            </a:graphicData>
+          </a:graphic>
+        </p:graphicFrame>
+        <p:graphicFrame>
+          <p:nvGraphicFramePr>
+            <p:cNvPr id="42" name="对象 41">
+              <a:hlinkClick r:id="" action="ppaction://ole?verb="/>
+            </p:cNvPr>
+            <p:cNvGraphicFramePr>
+              <a:graphicFrameLocks noChangeAspect="1"/>
+            </p:cNvGraphicFramePr>
+            <p:nvPr/>
+          </p:nvGraphicFramePr>
+          <p:xfrm>
+            <a:off x="11696" y="3958"/>
+            <a:ext cx="1299" cy="585"/>
+          </p:xfrm>
+          <a:graphic>
+            <a:graphicData uri="http://schemas.openxmlformats.org/presentationml/2006/ole">
+              <mc:AlternateContent xmlns:mc="http://schemas.openxmlformats.org/markup-compatibility/2006">
+                <mc:Choice xmlns:v="urn:schemas-microsoft-com:vml" Requires="v">
+                  <p:oleObj spid="_x0000_s43" name="" r:id="rId5" imgW="393700" imgH="177165" progId="Equation.KSEE3">
+                    <p:embed/>
+                  </p:oleObj>
+                </mc:Choice>
+                <mc:Fallback>
+                  <p:oleObj name="" r:id="rId5" imgW="393700" imgH="177165" progId="Equation.KSEE3">
+                    <p:embed/>
+                    <p:pic>
+                      <p:nvPicPr>
+                        <p:cNvPr id="0" name="图片 1024"/>
+                        <p:cNvPicPr/>
+                        <p:nvPr/>
+                      </p:nvPicPr>
+                      <p:blipFill>
+                        <a:blip r:embed="rId6"/>
+                        <a:stretch>
+                          <a:fillRect/>
+                        </a:stretch>
+                      </p:blipFill>
+                      <p:spPr>
+                        <a:xfrm>
+                          <a:off x="11696" y="3958"/>
+                          <a:ext cx="1299" cy="585"/>
+                        </a:xfrm>
+                        <a:prstGeom prst="rect">
+                          <a:avLst/>
+                        </a:prstGeom>
+                      </p:spPr>
+                    </p:pic>
+                  </p:oleObj>
+                </mc:Fallback>
+              </mc:AlternateContent>
+            </a:graphicData>
+          </a:graphic>
+        </p:graphicFrame>
+        <p:graphicFrame>
+          <p:nvGraphicFramePr>
+            <p:cNvPr id="44" name="对象 43">
+              <a:hlinkClick r:id="" action="ppaction://ole?verb="/>
+            </p:cNvPr>
+            <p:cNvGraphicFramePr>
+              <a:graphicFrameLocks noChangeAspect="1"/>
+            </p:cNvGraphicFramePr>
+            <p:nvPr/>
+          </p:nvGraphicFramePr>
+          <p:xfrm>
+            <a:off x="7484" y="3984"/>
+            <a:ext cx="1098" cy="595"/>
+          </p:xfrm>
+          <a:graphic>
+            <a:graphicData uri="http://schemas.openxmlformats.org/presentationml/2006/ole">
+              <mc:AlternateContent xmlns:mc="http://schemas.openxmlformats.org/markup-compatibility/2006">
+                <mc:Choice xmlns:v="urn:schemas-microsoft-com:vml" Requires="v">
+                  <p:oleObj spid="_x0000_s45" name="" r:id="rId7" imgW="304800" imgH="165100" progId="Equation.KSEE3">
+                    <p:embed/>
+                  </p:oleObj>
+                </mc:Choice>
+                <mc:Fallback>
+                  <p:oleObj name="" r:id="rId7" imgW="304800" imgH="165100" progId="Equation.KSEE3">
+                    <p:embed/>
+                    <p:pic>
+                      <p:nvPicPr>
+                        <p:cNvPr id="0" name="图片 1024"/>
+                        <p:cNvPicPr/>
+                        <p:nvPr/>
+                      </p:nvPicPr>
+                      <p:blipFill>
+                        <a:blip r:embed="rId8"/>
+                        <a:stretch>
+                          <a:fillRect/>
+                        </a:stretch>
+                      </p:blipFill>
+                      <p:spPr>
+                        <a:xfrm>
+                          <a:off x="7484" y="3984"/>
+                          <a:ext cx="1098" cy="595"/>
+                        </a:xfrm>
+                        <a:prstGeom prst="rect">
+                          <a:avLst/>
+                        </a:prstGeom>
+                      </p:spPr>
+                    </p:pic>
+                  </p:oleObj>
+                </mc:Fallback>
+              </mc:AlternateContent>
+            </a:graphicData>
+          </a:graphic>
+        </p:graphicFrame>
+        <p:sp>
+          <p:nvSpPr>
+            <p:cNvPr id="46" name="文本框 45"/>
+            <p:cNvSpPr txBox="1"/>
+            <p:nvPr/>
+          </p:nvSpPr>
+          <p:spPr>
+            <a:xfrm>
+              <a:off x="9222" y="3771"/>
+              <a:ext cx="651" cy="725"/>
+            </a:xfrm>
+            <a:prstGeom prst="rect">
+              <a:avLst/>
+            </a:prstGeom>
+            <a:noFill/>
+          </p:spPr>
+          <p:txBody>
+            <a:bodyPr wrap="none" rtlCol="0">
+              <a:spAutoFit/>
+            </a:bodyPr>
+            <a:p>
+              <a:r>
+                <a:rPr lang="en-US" altLang="zh-CN" sz="2400"/>
+                <a:t>...</a:t>
+              </a:r>
+              <a:endParaRPr lang="en-US" altLang="zh-CN" sz="2400"/>
+            </a:p>
+          </p:txBody>
+        </p:sp>
+        <p:sp>
+          <p:nvSpPr>
+            <p:cNvPr id="47" name="文本框 46"/>
+            <p:cNvSpPr txBox="1"/>
+            <p:nvPr/>
+          </p:nvSpPr>
+          <p:spPr>
+            <a:xfrm>
+              <a:off x="9218" y="5433"/>
+              <a:ext cx="651" cy="725"/>
+            </a:xfrm>
+            <a:prstGeom prst="rect">
+              <a:avLst/>
+            </a:prstGeom>
+            <a:noFill/>
+          </p:spPr>
+          <p:txBody>
+            <a:bodyPr wrap="none" rtlCol="0">
+              <a:spAutoFit/>
+            </a:bodyPr>
+            <a:p>
+              <a:r>
+                <a:rPr lang="en-US" altLang="zh-CN" sz="2400"/>
+                <a:t>...</a:t>
+              </a:r>
+              <a:endParaRPr lang="en-US" altLang="zh-CN" sz="2400"/>
+            </a:p>
+          </p:txBody>
+        </p:sp>
+        <p:sp>
+          <p:nvSpPr>
+            <p:cNvPr id="52" name="文本框 51"/>
+            <p:cNvSpPr txBox="1"/>
+            <p:nvPr/>
+          </p:nvSpPr>
+          <p:spPr>
+            <a:xfrm>
+              <a:off x="2993" y="3973"/>
+              <a:ext cx="1488" cy="624"/>
+            </a:xfrm>
+            <a:prstGeom prst="rect">
+              <a:avLst/>
+            </a:prstGeom>
+            <a:noFill/>
+          </p:spPr>
+          <p:txBody>
+            <a:bodyPr wrap="none" rtlCol="0">
+              <a:spAutoFit/>
+            </a:bodyPr>
+            <a:p>
+              <a:r>
+                <a:rPr lang="zh-CN" altLang="en-US" sz="2000"/>
+                <a:t>决策树</a:t>
+              </a:r>
+              <a:endParaRPr lang="zh-CN" altLang="en-US" sz="2000"/>
+            </a:p>
+          </p:txBody>
+        </p:sp>
+        <p:sp>
+          <p:nvSpPr>
+            <p:cNvPr id="56" name="文本框 55"/>
+            <p:cNvSpPr txBox="1"/>
+            <p:nvPr/>
+          </p:nvSpPr>
+          <p:spPr>
+            <a:xfrm>
+              <a:off x="6173" y="3989"/>
+              <a:ext cx="1488" cy="624"/>
+            </a:xfrm>
+            <a:prstGeom prst="rect">
+              <a:avLst/>
+            </a:prstGeom>
+            <a:noFill/>
+          </p:spPr>
+          <p:txBody>
+            <a:bodyPr wrap="none" rtlCol="0">
+              <a:spAutoFit/>
+            </a:bodyPr>
+            <a:p>
+              <a:r>
+                <a:rPr lang="zh-CN" altLang="en-US" sz="2000"/>
+                <a:t>决策树</a:t>
+              </a:r>
+              <a:endParaRPr lang="zh-CN" altLang="en-US" sz="2000"/>
+            </a:p>
+          </p:txBody>
+        </p:sp>
+        <p:sp>
+          <p:nvSpPr>
+            <p:cNvPr id="57" name="文本框 56"/>
+            <p:cNvSpPr txBox="1"/>
+            <p:nvPr/>
+          </p:nvSpPr>
+          <p:spPr>
+            <a:xfrm>
+              <a:off x="10412" y="3956"/>
+              <a:ext cx="1488" cy="624"/>
+            </a:xfrm>
+            <a:prstGeom prst="rect">
+              <a:avLst/>
+            </a:prstGeom>
+            <a:noFill/>
+          </p:spPr>
+          <p:txBody>
+            <a:bodyPr wrap="none" rtlCol="0">
+              <a:spAutoFit/>
+            </a:bodyPr>
+            <a:p>
+              <a:r>
+                <a:rPr lang="zh-CN" altLang="en-US" sz="2000"/>
+                <a:t>决策树</a:t>
+              </a:r>
+              <a:endParaRPr lang="zh-CN" altLang="en-US" sz="2000"/>
+            </a:p>
+          </p:txBody>
+        </p:sp>
+        <p:sp>
+          <p:nvSpPr>
+            <p:cNvPr id="58" name="文本框 57"/>
+            <p:cNvSpPr txBox="1"/>
+            <p:nvPr/>
+          </p:nvSpPr>
+          <p:spPr>
+            <a:xfrm>
+              <a:off x="13506" y="3989"/>
+              <a:ext cx="1488" cy="624"/>
+            </a:xfrm>
+            <a:prstGeom prst="rect">
+              <a:avLst/>
+            </a:prstGeom>
+            <a:noFill/>
+          </p:spPr>
+          <p:txBody>
+            <a:bodyPr wrap="none" rtlCol="0">
+              <a:spAutoFit/>
+            </a:bodyPr>
+            <a:p>
+              <a:r>
+                <a:rPr lang="zh-CN" altLang="en-US" sz="2000"/>
+                <a:t>决策树</a:t>
+              </a:r>
+              <a:endParaRPr lang="zh-CN" altLang="en-US" sz="2000"/>
+            </a:p>
+          </p:txBody>
+        </p:sp>
+        <p:sp>
+          <p:nvSpPr>
+            <p:cNvPr id="3" name="文本框 2"/>
+            <p:cNvSpPr txBox="1"/>
+            <p:nvPr/>
+          </p:nvSpPr>
+          <p:spPr>
+            <a:xfrm>
+              <a:off x="3473" y="5685"/>
+              <a:ext cx="1376" cy="580"/>
+            </a:xfrm>
+            <a:prstGeom prst="rect">
+              <a:avLst/>
+            </a:prstGeom>
+            <a:noFill/>
+          </p:spPr>
+          <p:txBody>
+            <a:bodyPr wrap="none" rtlCol="0">
+              <a:spAutoFit/>
+            </a:bodyPr>
+            <a:p>
+              <a:r>
+                <a:rPr lang="zh-CN" altLang="en-US"/>
+                <a:t>类别</a:t>
+              </a:r>
+              <a:r>
+                <a:rPr lang="en-US" altLang="zh-CN"/>
+                <a:t>P1</a:t>
+              </a:r>
+              <a:endParaRPr lang="en-US" altLang="zh-CN"/>
+            </a:p>
+          </p:txBody>
+        </p:sp>
+        <p:sp>
+          <p:nvSpPr>
+            <p:cNvPr id="5" name="文本框 4"/>
+            <p:cNvSpPr txBox="1"/>
+            <p:nvPr/>
+          </p:nvSpPr>
+          <p:spPr>
+            <a:xfrm>
+              <a:off x="6651" y="5665"/>
+              <a:ext cx="1376" cy="580"/>
+            </a:xfrm>
+            <a:prstGeom prst="rect">
+              <a:avLst/>
+            </a:prstGeom>
+            <a:noFill/>
+          </p:spPr>
+          <p:txBody>
+            <a:bodyPr wrap="none" rtlCol="0">
+              <a:spAutoFit/>
+            </a:bodyPr>
+            <a:p>
+              <a:r>
+                <a:rPr lang="zh-CN" altLang="en-US"/>
+                <a:t>类别</a:t>
+              </a:r>
+              <a:r>
+                <a:rPr lang="en-US" altLang="zh-CN"/>
+                <a:t>P2</a:t>
+              </a:r>
+              <a:endParaRPr lang="en-US" altLang="zh-CN"/>
+            </a:p>
+          </p:txBody>
+        </p:sp>
+        <p:sp>
+          <p:nvSpPr>
+            <p:cNvPr id="34" name="文本框 33"/>
+            <p:cNvSpPr txBox="1"/>
+            <p:nvPr/>
+          </p:nvSpPr>
+          <p:spPr>
+            <a:xfrm>
+              <a:off x="11034" y="5685"/>
+              <a:ext cx="1376" cy="580"/>
+            </a:xfrm>
+            <a:prstGeom prst="rect">
+              <a:avLst/>
+            </a:prstGeom>
+            <a:noFill/>
+          </p:spPr>
+          <p:txBody>
+            <a:bodyPr wrap="none" rtlCol="0">
+              <a:spAutoFit/>
+            </a:bodyPr>
+            <a:p>
+              <a:r>
+                <a:rPr lang="zh-CN" altLang="en-US"/>
+                <a:t>类别</a:t>
+              </a:r>
+              <a:r>
+                <a:rPr lang="en-US" altLang="zh-CN"/>
+                <a:t>P1</a:t>
+              </a:r>
+              <a:endParaRPr lang="en-US" altLang="zh-CN"/>
+            </a:p>
+          </p:txBody>
+        </p:sp>
+        <p:sp>
+          <p:nvSpPr>
+            <p:cNvPr id="39" name="文本框 38"/>
+            <p:cNvSpPr txBox="1"/>
+            <p:nvPr/>
+          </p:nvSpPr>
+          <p:spPr>
+            <a:xfrm>
+              <a:off x="13941" y="5665"/>
+              <a:ext cx="1376" cy="580"/>
+            </a:xfrm>
+            <a:prstGeom prst="rect">
+              <a:avLst/>
+            </a:prstGeom>
+            <a:noFill/>
+          </p:spPr>
+          <p:txBody>
+            <a:bodyPr wrap="none" rtlCol="0">
+              <a:spAutoFit/>
+            </a:bodyPr>
+            <a:p>
+              <a:r>
+                <a:rPr lang="zh-CN" altLang="en-US"/>
+                <a:t>类别</a:t>
+              </a:r>
+              <a:r>
+                <a:rPr lang="en-US" altLang="zh-CN"/>
+                <a:t>P1</a:t>
+              </a:r>
+              <a:endParaRPr lang="en-US" altLang="zh-CN"/>
+            </a:p>
+          </p:txBody>
+        </p:sp>
+        <p:cxnSp>
+          <p:nvCxnSpPr>
+            <p:cNvPr id="59" name="直接连接符 58"/>
+            <p:cNvCxnSpPr/>
+            <p:nvPr/>
+          </p:nvCxnSpPr>
+          <p:spPr>
+            <a:xfrm>
+              <a:off x="7349" y="6521"/>
+              <a:ext cx="2" cy="642"/>
+            </a:xfrm>
+            <a:prstGeom prst="line">
+              <a:avLst/>
+            </a:prstGeom>
+            <a:ln>
+              <a:solidFill>
+                <a:schemeClr val="tx1"/>
+              </a:solidFill>
+            </a:ln>
+          </p:spPr>
+          <p:style>
+            <a:lnRef idx="1">
+              <a:schemeClr val="accent1"/>
+            </a:lnRef>
+            <a:fillRef idx="0">
+              <a:schemeClr val="accent1"/>
+            </a:fillRef>
+            <a:effectRef idx="0">
+              <a:schemeClr val="accent1"/>
+            </a:effectRef>
+            <a:fontRef idx="minor">
+              <a:schemeClr val="tx1"/>
+            </a:fontRef>
+          </p:style>
+        </p:cxnSp>
+        <p:cxnSp>
+          <p:nvCxnSpPr>
+            <p:cNvPr id="53" name="直接连接符 52"/>
+            <p:cNvCxnSpPr/>
+            <p:nvPr/>
+          </p:nvCxnSpPr>
+          <p:spPr>
+            <a:xfrm>
+              <a:off x="11722" y="6521"/>
+              <a:ext cx="2" cy="642"/>
+            </a:xfrm>
+            <a:prstGeom prst="line">
+              <a:avLst/>
+            </a:prstGeom>
+            <a:ln>
+              <a:solidFill>
+                <a:schemeClr val="tx1"/>
+              </a:solidFill>
+            </a:ln>
+          </p:spPr>
+          <p:style>
+            <a:lnRef idx="1">
+              <a:schemeClr val="accent1"/>
+            </a:lnRef>
+            <a:fillRef idx="0">
+              <a:schemeClr val="accent1"/>
+            </a:fillRef>
+            <a:effectRef idx="0">
+              <a:schemeClr val="accent1"/>
+            </a:effectRef>
+            <a:fontRef idx="minor">
+              <a:schemeClr val="tx1"/>
+            </a:fontRef>
+          </p:style>
+        </p:cxnSp>
+      </p:grpSp>
+      <p:grpSp>
+        <p:nvGrpSpPr>
+          <p:cNvPr id="66" name="组合 65"/>
+          <p:cNvGrpSpPr/>
+          <p:nvPr/>
+        </p:nvGrpSpPr>
+        <p:grpSpPr>
+          <a:xfrm>
+            <a:off x="10344150" y="217170"/>
+            <a:ext cx="1097280" cy="5432425"/>
+            <a:chOff x="16630" y="342"/>
+            <a:chExt cx="1728" cy="8555"/>
+          </a:xfrm>
+        </p:grpSpPr>
+        <p:cxnSp>
+          <p:nvCxnSpPr>
+            <p:cNvPr id="60" name="直接连接符 59"/>
+            <p:cNvCxnSpPr/>
+            <p:nvPr/>
+          </p:nvCxnSpPr>
+          <p:spPr>
+            <a:xfrm>
+              <a:off x="17299" y="359"/>
+              <a:ext cx="428" cy="0"/>
+            </a:xfrm>
+            <a:prstGeom prst="line">
+              <a:avLst/>
+            </a:prstGeom>
+            <a:ln>
+              <a:solidFill>
+                <a:schemeClr val="tx1"/>
+              </a:solidFill>
+            </a:ln>
+          </p:spPr>
+          <p:style>
+            <a:lnRef idx="1">
+              <a:schemeClr val="accent1"/>
+            </a:lnRef>
+            <a:fillRef idx="0">
+              <a:schemeClr val="accent1"/>
+            </a:fillRef>
+            <a:effectRef idx="0">
+              <a:schemeClr val="accent1"/>
+            </a:effectRef>
+            <a:fontRef idx="minor">
+              <a:schemeClr val="tx1"/>
+            </a:fontRef>
+          </p:style>
+        </p:cxnSp>
+        <p:cxnSp>
+          <p:nvCxnSpPr>
+            <p:cNvPr id="61" name="直接连接符 60"/>
+            <p:cNvCxnSpPr/>
+            <p:nvPr/>
+          </p:nvCxnSpPr>
+          <p:spPr>
+            <a:xfrm>
+              <a:off x="17299" y="8889"/>
+              <a:ext cx="462" cy="8"/>
+            </a:xfrm>
+            <a:prstGeom prst="line">
+              <a:avLst/>
+            </a:prstGeom>
+            <a:ln>
+              <a:solidFill>
+                <a:schemeClr val="tx1"/>
+              </a:solidFill>
+            </a:ln>
+          </p:spPr>
+          <p:style>
+            <a:lnRef idx="1">
+              <a:schemeClr val="accent1"/>
+            </a:lnRef>
+            <a:fillRef idx="0">
+              <a:schemeClr val="accent1"/>
+            </a:fillRef>
+            <a:effectRef idx="0">
+              <a:schemeClr val="accent1"/>
+            </a:effectRef>
+            <a:fontRef idx="minor">
+              <a:schemeClr val="tx1"/>
+            </a:fontRef>
+          </p:style>
+        </p:cxnSp>
+        <p:cxnSp>
+          <p:nvCxnSpPr>
+            <p:cNvPr id="62" name="直接连接符 61"/>
+            <p:cNvCxnSpPr/>
+            <p:nvPr/>
+          </p:nvCxnSpPr>
+          <p:spPr>
+            <a:xfrm flipH="1">
+              <a:off x="17469" y="342"/>
+              <a:ext cx="35" cy="3944"/>
+            </a:xfrm>
+            <a:prstGeom prst="line">
+              <a:avLst/>
+            </a:prstGeom>
+            <a:ln>
+              <a:solidFill>
+                <a:schemeClr val="tx1"/>
+              </a:solidFill>
+              <a:prstDash val="sysDash"/>
+            </a:ln>
+          </p:spPr>
+          <p:style>
+            <a:lnRef idx="1">
+              <a:schemeClr val="accent1"/>
+            </a:lnRef>
+            <a:fillRef idx="0">
+              <a:schemeClr val="accent1"/>
+            </a:fillRef>
+            <a:effectRef idx="0">
+              <a:schemeClr val="accent1"/>
+            </a:effectRef>
+            <a:fontRef idx="minor">
+              <a:schemeClr val="tx1"/>
+            </a:fontRef>
+          </p:style>
+        </p:cxnSp>
+        <p:cxnSp>
+          <p:nvCxnSpPr>
+            <p:cNvPr id="63" name="直接连接符 62"/>
+            <p:cNvCxnSpPr/>
+            <p:nvPr/>
+          </p:nvCxnSpPr>
+          <p:spPr>
+            <a:xfrm>
+              <a:off x="17486" y="5108"/>
+              <a:ext cx="18" cy="3781"/>
+            </a:xfrm>
+            <a:prstGeom prst="line">
+              <a:avLst/>
+            </a:prstGeom>
+            <a:ln>
+              <a:solidFill>
+                <a:schemeClr val="tx1"/>
+              </a:solidFill>
+              <a:prstDash val="sysDash"/>
+            </a:ln>
+          </p:spPr>
+          <p:style>
+            <a:lnRef idx="1">
+              <a:schemeClr val="accent1"/>
+            </a:lnRef>
+            <a:fillRef idx="0">
+              <a:schemeClr val="accent1"/>
+            </a:fillRef>
+            <a:effectRef idx="0">
+              <a:schemeClr val="accent1"/>
+            </a:effectRef>
+            <a:fontRef idx="minor">
+              <a:schemeClr val="tx1"/>
+            </a:fontRef>
+          </p:style>
+        </p:cxnSp>
+        <p:sp>
+          <p:nvSpPr>
+            <p:cNvPr id="64" name="文本框 63"/>
+            <p:cNvSpPr txBox="1"/>
+            <p:nvPr/>
+          </p:nvSpPr>
+          <p:spPr>
+            <a:xfrm>
+              <a:off x="16630" y="4577"/>
+              <a:ext cx="1728" cy="576"/>
+            </a:xfrm>
+            <a:prstGeom prst="rect">
+              <a:avLst/>
+            </a:prstGeom>
+            <a:noFill/>
+          </p:spPr>
+          <p:txBody>
+            <a:bodyPr wrap="none" rtlCol="0">
+              <a:spAutoFit/>
+            </a:bodyPr>
+            <a:p>
+              <a:r>
+                <a:rPr lang="zh-CN" altLang="en-US"/>
+                <a:t>进行决策</a:t>
+              </a:r>
+              <a:endParaRPr lang="zh-CN" altLang="en-US"/>
+            </a:p>
+          </p:txBody>
+        </p:sp>
+      </p:grpSp>
+    </p:spTree>
+  </p:cSld>
+  <p:clrMapOvr>
+    <a:masterClrMapping/>
+  </p:clrMapOvr>
+</p:sld>
+</file>
+
 <file path=ppt/slides/slide2.xml><?xml version="1.0" encoding="utf-8"?>
 <p:sld xmlns:a="http://schemas.openxmlformats.org/drawingml/2006/main" xmlns:r="http://schemas.openxmlformats.org/officeDocument/2006/relationships" xmlns:p="http://schemas.openxmlformats.org/presentationml/2006/main">
   <p:cSld>

--- a/毕设论文相关/我的相关/ppt/examples.pptx
+++ b/毕设论文相关/我的相关/ppt/examples.pptx
@@ -18,6 +18,7 @@
     <p:sldId id="266" r:id="rId13"/>
     <p:sldId id="268" r:id="rId14"/>
     <p:sldId id="267" r:id="rId15"/>
+    <p:sldId id="270" r:id="rId16"/>
   </p:sldIdLst>
   <p:sldSz cx="12192000" cy="6858000"/>
   <p:notesSz cx="7103745" cy="10234295"/>
@@ -9688,6 +9689,362 @@
 </p:sld>
 </file>
 
+<file path=ppt/slides/slide14.xml><?xml version="1.0" encoding="utf-8"?>
+<p:sld xmlns:a="http://schemas.openxmlformats.org/drawingml/2006/main" xmlns:r="http://schemas.openxmlformats.org/officeDocument/2006/relationships" xmlns:p="http://schemas.openxmlformats.org/presentationml/2006/main">
+  <p:cSld>
+    <p:spTree>
+      <p:nvGrpSpPr>
+        <p:cNvPr id="1" name=""/>
+        <p:cNvGrpSpPr/>
+        <p:nvPr/>
+      </p:nvGrpSpPr>
+      <p:grpSpPr/>
+      <p:graphicFrame>
+        <p:nvGraphicFramePr>
+          <p:cNvPr id="5" name="表格 4"/>
+          <p:cNvGraphicFramePr/>
+          <p:nvPr/>
+        </p:nvGraphicFramePr>
+        <p:xfrm>
+          <a:off x="177800" y="1052830"/>
+          <a:ext cx="11398885" cy="4067810"/>
+        </p:xfrm>
+        <a:graphic>
+          <a:graphicData uri="http://schemas.openxmlformats.org/drawingml/2006/table">
+            <a:tbl>
+              <a:tblPr firstRow="1" bandRow="1">
+                <a:tableStyleId>{5C22544A-7EE6-4342-B048-85BDC9FD1C3A}</a:tableStyleId>
+              </a:tblPr>
+              <a:tblGrid>
+                <a:gridCol w="2279650"/>
+                <a:gridCol w="2279650"/>
+                <a:gridCol w="2280285"/>
+                <a:gridCol w="2279650"/>
+                <a:gridCol w="2279650"/>
+              </a:tblGrid>
+              <a:tr h="813435">
+                <a:tc rowSpan="5">
+                  <a:txBody>
+                    <a:bodyPr/>
+                    <a:p>
+                      <a:pPr>
+                        <a:buNone/>
+                      </a:pPr>
+                      <a:endParaRPr lang="zh-CN" altLang="en-US"/>
+                    </a:p>
+                  </a:txBody>
+                  <a:tcPr marL="45720" marR="45720" anchor="t" anchorCtr="0">
+                    <a:noFill/>
+                  </a:tcPr>
+                </a:tc>
+                <a:tc gridSpan="4">
+                  <a:txBody>
+                    <a:bodyPr/>
+                    <a:p>
+                      <a:pPr>
+                        <a:buNone/>
+                      </a:pPr>
+                      <a:endParaRPr lang="zh-CN" altLang="en-US"/>
+                    </a:p>
+                  </a:txBody>
+                  <a:tcPr marL="45720" marR="45720" anchor="t" anchorCtr="0">
+                    <a:noFill/>
+                  </a:tcPr>
+                </a:tc>
+                <a:tc hMerge="1">
+                  <a:tcPr marL="45720" marR="45720" anchor="t" anchorCtr="0">
+                    <a:solidFill>
+                      <a:srgbClr val="00B050"/>
+                    </a:solidFill>
+                  </a:tcPr>
+                </a:tc>
+                <a:tc hMerge="1">
+                  <a:tcPr marL="45720" marR="45720" anchor="t" anchorCtr="0">
+                    <a:solidFill>
+                      <a:srgbClr val="00B050"/>
+                    </a:solidFill>
+                  </a:tcPr>
+                </a:tc>
+                <a:tc hMerge="1">
+                  <a:tcPr marL="45720" marR="45720" anchor="t" anchorCtr="0">
+                    <a:solidFill>
+                      <a:srgbClr val="00B050"/>
+                    </a:solidFill>
+                  </a:tcPr>
+                </a:tc>
+              </a:tr>
+              <a:tr h="812165">
+                <a:tc vMerge="1">
+                  <a:tcPr marL="45720" marR="45720" anchor="t" anchorCtr="0">
+                    <a:solidFill>
+                      <a:srgbClr val="00B050"/>
+                    </a:solidFill>
+                  </a:tcPr>
+                </a:tc>
+                <a:tc>
+                  <a:txBody>
+                    <a:bodyPr/>
+                    <a:p>
+                      <a:pPr>
+                        <a:buNone/>
+                      </a:pPr>
+                      <a:endParaRPr lang="zh-CN" altLang="en-US"/>
+                    </a:p>
+                  </a:txBody>
+                  <a:tcPr marL="45720" marR="45720" anchor="t" anchorCtr="0">
+                    <a:noFill/>
+                  </a:tcPr>
+                </a:tc>
+                <a:tc>
+                  <a:txBody>
+                    <a:bodyPr/>
+                    <a:p>
+                      <a:pPr>
+                        <a:buNone/>
+                      </a:pPr>
+                      <a:endParaRPr lang="zh-CN" altLang="en-US"/>
+                    </a:p>
+                  </a:txBody>
+                  <a:tcPr marL="45720" marR="45720" anchor="t" anchorCtr="0">
+                    <a:noFill/>
+                  </a:tcPr>
+                </a:tc>
+                <a:tc>
+                  <a:txBody>
+                    <a:bodyPr/>
+                    <a:p>
+                      <a:pPr>
+                        <a:buNone/>
+                      </a:pPr>
+                      <a:endParaRPr lang="zh-CN" altLang="en-US"/>
+                    </a:p>
+                  </a:txBody>
+                  <a:tcPr marL="45720" marR="45720" anchor="t" anchorCtr="0">
+                    <a:noFill/>
+                  </a:tcPr>
+                </a:tc>
+                <a:tc>
+                  <a:txBody>
+                    <a:bodyPr/>
+                    <a:p>
+                      <a:pPr>
+                        <a:buNone/>
+                      </a:pPr>
+                      <a:endParaRPr lang="zh-CN" altLang="en-US"/>
+                    </a:p>
+                  </a:txBody>
+                  <a:tcPr marL="45720" marR="45720" anchor="t" anchorCtr="0">
+                    <a:noFill/>
+                  </a:tcPr>
+                </a:tc>
+              </a:tr>
+              <a:tr h="816610">
+                <a:tc vMerge="1">
+                  <a:tcPr marL="45720" marR="45720" anchor="t" anchorCtr="0">
+                    <a:solidFill>
+                      <a:srgbClr val="00B050"/>
+                    </a:solidFill>
+                  </a:tcPr>
+                </a:tc>
+                <a:tc>
+                  <a:txBody>
+                    <a:bodyPr/>
+                    <a:p>
+                      <a:pPr>
+                        <a:buNone/>
+                      </a:pPr>
+                      <a:endParaRPr lang="zh-CN" altLang="en-US"/>
+                    </a:p>
+                  </a:txBody>
+                  <a:tcPr marL="45720" marR="45720" anchor="t" anchorCtr="0">
+                    <a:noFill/>
+                  </a:tcPr>
+                </a:tc>
+                <a:tc>
+                  <a:txBody>
+                    <a:bodyPr/>
+                    <a:p>
+                      <a:pPr>
+                        <a:buNone/>
+                      </a:pPr>
+                      <a:endParaRPr lang="zh-CN" altLang="en-US"/>
+                    </a:p>
+                  </a:txBody>
+                  <a:tcPr marL="45720" marR="45720" anchor="t" anchorCtr="0">
+                    <a:noFill/>
+                  </a:tcPr>
+                </a:tc>
+                <a:tc>
+                  <a:txBody>
+                    <a:bodyPr/>
+                    <a:p>
+                      <a:pPr>
+                        <a:buNone/>
+                      </a:pPr>
+                      <a:endParaRPr lang="zh-CN" altLang="en-US"/>
+                    </a:p>
+                  </a:txBody>
+                  <a:tcPr marL="45720" marR="45720" anchor="t" anchorCtr="0">
+                    <a:noFill/>
+                  </a:tcPr>
+                </a:tc>
+                <a:tc>
+                  <a:txBody>
+                    <a:bodyPr/>
+                    <a:p>
+                      <a:pPr>
+                        <a:buNone/>
+                      </a:pPr>
+                      <a:endParaRPr lang="zh-CN" altLang="en-US"/>
+                    </a:p>
+                  </a:txBody>
+                  <a:tcPr marL="45720" marR="45720" anchor="t" anchorCtr="0">
+                    <a:noFill/>
+                  </a:tcPr>
+                </a:tc>
+              </a:tr>
+              <a:tr h="812165">
+                <a:tc vMerge="1">
+                  <a:tcPr marL="45720" marR="45720" anchor="t" anchorCtr="0">
+                    <a:solidFill>
+                      <a:srgbClr val="00B050"/>
+                    </a:solidFill>
+                  </a:tcPr>
+                </a:tc>
+                <a:tc>
+                  <a:txBody>
+                    <a:bodyPr/>
+                    <a:p>
+                      <a:pPr>
+                        <a:buNone/>
+                      </a:pPr>
+                      <a:endParaRPr lang="zh-CN" altLang="en-US"/>
+                    </a:p>
+                  </a:txBody>
+                  <a:tcPr marL="45720" marR="45720" anchor="t" anchorCtr="0">
+                    <a:noFill/>
+                  </a:tcPr>
+                </a:tc>
+                <a:tc>
+                  <a:txBody>
+                    <a:bodyPr/>
+                    <a:p>
+                      <a:pPr>
+                        <a:buNone/>
+                      </a:pPr>
+                      <a:endParaRPr lang="zh-CN" altLang="en-US"/>
+                    </a:p>
+                  </a:txBody>
+                  <a:tcPr marL="45720" marR="45720" anchor="t" anchorCtr="0">
+                    <a:noFill/>
+                  </a:tcPr>
+                </a:tc>
+                <a:tc>
+                  <a:txBody>
+                    <a:bodyPr/>
+                    <a:p>
+                      <a:pPr>
+                        <a:buNone/>
+                      </a:pPr>
+                      <a:endParaRPr lang="zh-CN" altLang="en-US"/>
+                    </a:p>
+                  </a:txBody>
+                  <a:tcPr marL="45720" marR="45720" anchor="t" anchorCtr="0">
+                    <a:noFill/>
+                  </a:tcPr>
+                </a:tc>
+                <a:tc>
+                  <a:txBody>
+                    <a:bodyPr/>
+                    <a:p>
+                      <a:pPr>
+                        <a:buNone/>
+                      </a:pPr>
+                      <a:endParaRPr lang="zh-CN" altLang="en-US"/>
+                    </a:p>
+                  </a:txBody>
+                  <a:tcPr marL="45720" marR="45720" anchor="t" anchorCtr="0">
+                    <a:noFill/>
+                  </a:tcPr>
+                </a:tc>
+              </a:tr>
+              <a:tr h="813435">
+                <a:tc vMerge="1">
+                  <a:tcPr marL="45720" marR="45720" anchor="t" anchorCtr="0">
+                    <a:solidFill>
+                      <a:srgbClr val="00B050"/>
+                    </a:solidFill>
+                  </a:tcPr>
+                </a:tc>
+                <a:tc>
+                  <a:txBody>
+                    <a:bodyPr/>
+                    <a:p>
+                      <a:pPr>
+                        <a:buNone/>
+                      </a:pPr>
+                      <a:endParaRPr lang="zh-CN" altLang="en-US"/>
+                    </a:p>
+                  </a:txBody>
+                  <a:tcPr marL="45720" marR="45720" anchor="t" anchorCtr="0">
+                    <a:noFill/>
+                  </a:tcPr>
+                </a:tc>
+                <a:tc>
+                  <a:txBody>
+                    <a:bodyPr/>
+                    <a:p>
+                      <a:pPr>
+                        <a:buNone/>
+                      </a:pPr>
+                      <a:endParaRPr lang="zh-CN" altLang="en-US"/>
+                    </a:p>
+                  </a:txBody>
+                  <a:tcPr marL="45720" marR="45720" anchor="t" anchorCtr="0">
+                    <a:noFill/>
+                  </a:tcPr>
+                </a:tc>
+                <a:tc>
+                  <a:txBody>
+                    <a:bodyPr/>
+                    <a:p>
+                      <a:pPr>
+                        <a:buNone/>
+                      </a:pPr>
+                      <a:endParaRPr lang="zh-CN" altLang="en-US"/>
+                    </a:p>
+                  </a:txBody>
+                  <a:tcPr marL="45720" marR="45720" anchor="t" anchorCtr="0">
+                    <a:noFill/>
+                  </a:tcPr>
+                </a:tc>
+                <a:tc>
+                  <a:txBody>
+                    <a:bodyPr/>
+                    <a:p>
+                      <a:pPr>
+                        <a:buNone/>
+                      </a:pPr>
+                      <a:endParaRPr lang="zh-CN" altLang="en-US"/>
+                    </a:p>
+                  </a:txBody>
+                  <a:tcPr marL="45720" marR="45720" anchor="t" anchorCtr="0">
+                    <a:noFill/>
+                  </a:tcPr>
+                </a:tc>
+              </a:tr>
+            </a:tbl>
+          </a:graphicData>
+        </a:graphic>
+      </p:graphicFrame>
+    </p:spTree>
+  </p:cSld>
+  <p:clrMapOvr>
+    <a:masterClrMapping/>
+  </p:clrMapOvr>
+</p:sld>
+</file>
+
 <file path=ppt/slides/slide2.xml><?xml version="1.0" encoding="utf-8"?>
 <p:sld xmlns:a="http://schemas.openxmlformats.org/drawingml/2006/main" xmlns:r="http://schemas.openxmlformats.org/officeDocument/2006/relationships" xmlns:p="http://schemas.openxmlformats.org/presentationml/2006/main">
   <p:cSld>

--- a/毕设论文相关/我的相关/ppt/examples.pptx
+++ b/毕设论文相关/我的相关/ppt/examples.pptx
@@ -9699,344 +9699,853 @@
         <p:nvPr/>
       </p:nvGrpSpPr>
       <p:grpSpPr/>
-      <p:graphicFrame>
-        <p:nvGraphicFramePr>
-          <p:cNvPr id="5" name="表格 4"/>
-          <p:cNvGraphicFramePr/>
-          <p:nvPr/>
-        </p:nvGraphicFramePr>
-        <p:xfrm>
-          <a:off x="177800" y="1052830"/>
-          <a:ext cx="11398885" cy="4067810"/>
-        </p:xfrm>
-        <a:graphic>
-          <a:graphicData uri="http://schemas.openxmlformats.org/drawingml/2006/table">
-            <a:tbl>
-              <a:tblPr firstRow="1" bandRow="1">
-                <a:tableStyleId>{5C22544A-7EE6-4342-B048-85BDC9FD1C3A}</a:tableStyleId>
-              </a:tblPr>
-              <a:tblGrid>
-                <a:gridCol w="2279650"/>
-                <a:gridCol w="2279650"/>
-                <a:gridCol w="2280285"/>
-                <a:gridCol w="2279650"/>
-                <a:gridCol w="2279650"/>
-              </a:tblGrid>
-              <a:tr h="813435">
-                <a:tc rowSpan="5">
-                  <a:txBody>
-                    <a:bodyPr/>
-                    <a:p>
-                      <a:pPr>
-                        <a:buNone/>
-                      </a:pPr>
-                      <a:endParaRPr lang="zh-CN" altLang="en-US"/>
-                    </a:p>
-                  </a:txBody>
-                  <a:tcPr marL="45720" marR="45720" anchor="t" anchorCtr="0">
-                    <a:noFill/>
-                  </a:tcPr>
-                </a:tc>
-                <a:tc gridSpan="4">
-                  <a:txBody>
-                    <a:bodyPr/>
-                    <a:p>
-                      <a:pPr>
-                        <a:buNone/>
-                      </a:pPr>
-                      <a:endParaRPr lang="zh-CN" altLang="en-US"/>
-                    </a:p>
-                  </a:txBody>
-                  <a:tcPr marL="45720" marR="45720" anchor="t" anchorCtr="0">
-                    <a:noFill/>
-                  </a:tcPr>
-                </a:tc>
-                <a:tc hMerge="1">
-                  <a:tcPr marL="45720" marR="45720" anchor="t" anchorCtr="0">
-                    <a:solidFill>
-                      <a:srgbClr val="00B050"/>
-                    </a:solidFill>
-                  </a:tcPr>
-                </a:tc>
-                <a:tc hMerge="1">
-                  <a:tcPr marL="45720" marR="45720" anchor="t" anchorCtr="0">
-                    <a:solidFill>
-                      <a:srgbClr val="00B050"/>
-                    </a:solidFill>
-                  </a:tcPr>
-                </a:tc>
-                <a:tc hMerge="1">
-                  <a:tcPr marL="45720" marR="45720" anchor="t" anchorCtr="0">
-                    <a:solidFill>
-                      <a:srgbClr val="00B050"/>
-                    </a:solidFill>
-                  </a:tcPr>
-                </a:tc>
-              </a:tr>
-              <a:tr h="812165">
-                <a:tc vMerge="1">
-                  <a:tcPr marL="45720" marR="45720" anchor="t" anchorCtr="0">
-                    <a:solidFill>
-                      <a:srgbClr val="00B050"/>
-                    </a:solidFill>
-                  </a:tcPr>
-                </a:tc>
-                <a:tc>
-                  <a:txBody>
-                    <a:bodyPr/>
-                    <a:p>
-                      <a:pPr>
-                        <a:buNone/>
-                      </a:pPr>
-                      <a:endParaRPr lang="zh-CN" altLang="en-US"/>
-                    </a:p>
-                  </a:txBody>
-                  <a:tcPr marL="45720" marR="45720" anchor="t" anchorCtr="0">
-                    <a:noFill/>
-                  </a:tcPr>
-                </a:tc>
-                <a:tc>
-                  <a:txBody>
-                    <a:bodyPr/>
-                    <a:p>
-                      <a:pPr>
-                        <a:buNone/>
-                      </a:pPr>
-                      <a:endParaRPr lang="zh-CN" altLang="en-US"/>
-                    </a:p>
-                  </a:txBody>
-                  <a:tcPr marL="45720" marR="45720" anchor="t" anchorCtr="0">
-                    <a:noFill/>
-                  </a:tcPr>
-                </a:tc>
-                <a:tc>
-                  <a:txBody>
-                    <a:bodyPr/>
-                    <a:p>
-                      <a:pPr>
-                        <a:buNone/>
-                      </a:pPr>
-                      <a:endParaRPr lang="zh-CN" altLang="en-US"/>
-                    </a:p>
-                  </a:txBody>
-                  <a:tcPr marL="45720" marR="45720" anchor="t" anchorCtr="0">
-                    <a:noFill/>
-                  </a:tcPr>
-                </a:tc>
-                <a:tc>
-                  <a:txBody>
-                    <a:bodyPr/>
-                    <a:p>
-                      <a:pPr>
-                        <a:buNone/>
-                      </a:pPr>
-                      <a:endParaRPr lang="zh-CN" altLang="en-US"/>
-                    </a:p>
-                  </a:txBody>
-                  <a:tcPr marL="45720" marR="45720" anchor="t" anchorCtr="0">
-                    <a:noFill/>
-                  </a:tcPr>
-                </a:tc>
-              </a:tr>
-              <a:tr h="816610">
-                <a:tc vMerge="1">
-                  <a:tcPr marL="45720" marR="45720" anchor="t" anchorCtr="0">
-                    <a:solidFill>
-                      <a:srgbClr val="00B050"/>
-                    </a:solidFill>
-                  </a:tcPr>
-                </a:tc>
-                <a:tc>
-                  <a:txBody>
-                    <a:bodyPr/>
-                    <a:p>
-                      <a:pPr>
-                        <a:buNone/>
-                      </a:pPr>
-                      <a:endParaRPr lang="zh-CN" altLang="en-US"/>
-                    </a:p>
-                  </a:txBody>
-                  <a:tcPr marL="45720" marR="45720" anchor="t" anchorCtr="0">
-                    <a:noFill/>
-                  </a:tcPr>
-                </a:tc>
-                <a:tc>
-                  <a:txBody>
-                    <a:bodyPr/>
-                    <a:p>
-                      <a:pPr>
-                        <a:buNone/>
-                      </a:pPr>
-                      <a:endParaRPr lang="zh-CN" altLang="en-US"/>
-                    </a:p>
-                  </a:txBody>
-                  <a:tcPr marL="45720" marR="45720" anchor="t" anchorCtr="0">
-                    <a:noFill/>
-                  </a:tcPr>
-                </a:tc>
-                <a:tc>
-                  <a:txBody>
-                    <a:bodyPr/>
-                    <a:p>
-                      <a:pPr>
-                        <a:buNone/>
-                      </a:pPr>
-                      <a:endParaRPr lang="zh-CN" altLang="en-US"/>
-                    </a:p>
-                  </a:txBody>
-                  <a:tcPr marL="45720" marR="45720" anchor="t" anchorCtr="0">
-                    <a:noFill/>
-                  </a:tcPr>
-                </a:tc>
-                <a:tc>
-                  <a:txBody>
-                    <a:bodyPr/>
-                    <a:p>
-                      <a:pPr>
-                        <a:buNone/>
-                      </a:pPr>
-                      <a:endParaRPr lang="zh-CN" altLang="en-US"/>
-                    </a:p>
-                  </a:txBody>
-                  <a:tcPr marL="45720" marR="45720" anchor="t" anchorCtr="0">
-                    <a:noFill/>
-                  </a:tcPr>
-                </a:tc>
-              </a:tr>
-              <a:tr h="812165">
-                <a:tc vMerge="1">
-                  <a:tcPr marL="45720" marR="45720" anchor="t" anchorCtr="0">
-                    <a:solidFill>
-                      <a:srgbClr val="00B050"/>
-                    </a:solidFill>
-                  </a:tcPr>
-                </a:tc>
-                <a:tc>
-                  <a:txBody>
-                    <a:bodyPr/>
-                    <a:p>
-                      <a:pPr>
-                        <a:buNone/>
-                      </a:pPr>
-                      <a:endParaRPr lang="zh-CN" altLang="en-US"/>
-                    </a:p>
-                  </a:txBody>
-                  <a:tcPr marL="45720" marR="45720" anchor="t" anchorCtr="0">
-                    <a:noFill/>
-                  </a:tcPr>
-                </a:tc>
-                <a:tc>
-                  <a:txBody>
-                    <a:bodyPr/>
-                    <a:p>
-                      <a:pPr>
-                        <a:buNone/>
-                      </a:pPr>
-                      <a:endParaRPr lang="zh-CN" altLang="en-US"/>
-                    </a:p>
-                  </a:txBody>
-                  <a:tcPr marL="45720" marR="45720" anchor="t" anchorCtr="0">
-                    <a:noFill/>
-                  </a:tcPr>
-                </a:tc>
-                <a:tc>
-                  <a:txBody>
-                    <a:bodyPr/>
-                    <a:p>
-                      <a:pPr>
-                        <a:buNone/>
-                      </a:pPr>
-                      <a:endParaRPr lang="zh-CN" altLang="en-US"/>
-                    </a:p>
-                  </a:txBody>
-                  <a:tcPr marL="45720" marR="45720" anchor="t" anchorCtr="0">
-                    <a:noFill/>
-                  </a:tcPr>
-                </a:tc>
-                <a:tc>
-                  <a:txBody>
-                    <a:bodyPr/>
-                    <a:p>
-                      <a:pPr>
-                        <a:buNone/>
-                      </a:pPr>
-                      <a:endParaRPr lang="zh-CN" altLang="en-US"/>
-                    </a:p>
-                  </a:txBody>
-                  <a:tcPr marL="45720" marR="45720" anchor="t" anchorCtr="0">
-                    <a:noFill/>
-                  </a:tcPr>
-                </a:tc>
-              </a:tr>
-              <a:tr h="813435">
-                <a:tc vMerge="1">
-                  <a:tcPr marL="45720" marR="45720" anchor="t" anchorCtr="0">
-                    <a:solidFill>
-                      <a:srgbClr val="00B050"/>
-                    </a:solidFill>
-                  </a:tcPr>
-                </a:tc>
-                <a:tc>
-                  <a:txBody>
-                    <a:bodyPr/>
-                    <a:p>
-                      <a:pPr>
-                        <a:buNone/>
-                      </a:pPr>
-                      <a:endParaRPr lang="zh-CN" altLang="en-US"/>
-                    </a:p>
-                  </a:txBody>
-                  <a:tcPr marL="45720" marR="45720" anchor="t" anchorCtr="0">
-                    <a:noFill/>
-                  </a:tcPr>
-                </a:tc>
-                <a:tc>
-                  <a:txBody>
-                    <a:bodyPr/>
-                    <a:p>
-                      <a:pPr>
-                        <a:buNone/>
-                      </a:pPr>
-                      <a:endParaRPr lang="zh-CN" altLang="en-US"/>
-                    </a:p>
-                  </a:txBody>
-                  <a:tcPr marL="45720" marR="45720" anchor="t" anchorCtr="0">
-                    <a:noFill/>
-                  </a:tcPr>
-                </a:tc>
-                <a:tc>
-                  <a:txBody>
-                    <a:bodyPr/>
-                    <a:p>
-                      <a:pPr>
-                        <a:buNone/>
-                      </a:pPr>
-                      <a:endParaRPr lang="zh-CN" altLang="en-US"/>
-                    </a:p>
-                  </a:txBody>
-                  <a:tcPr marL="45720" marR="45720" anchor="t" anchorCtr="0">
-                    <a:noFill/>
-                  </a:tcPr>
-                </a:tc>
-                <a:tc>
-                  <a:txBody>
-                    <a:bodyPr/>
-                    <a:p>
-                      <a:pPr>
-                        <a:buNone/>
-                      </a:pPr>
-                      <a:endParaRPr lang="zh-CN" altLang="en-US"/>
-                    </a:p>
-                  </a:txBody>
-                  <a:tcPr marL="45720" marR="45720" anchor="t" anchorCtr="0">
-                    <a:noFill/>
-                  </a:tcPr>
-                </a:tc>
-              </a:tr>
-            </a:tbl>
-          </a:graphicData>
-        </a:graphic>
-      </p:graphicFrame>
+      <p:sp>
+        <p:nvSpPr>
+          <p:cNvPr id="2" name="圆角矩形 1"/>
+          <p:cNvSpPr/>
+          <p:nvPr/>
+        </p:nvSpPr>
+        <p:spPr>
+          <a:xfrm>
+            <a:off x="1727835" y="808355"/>
+            <a:ext cx="3110865" cy="837565"/>
+          </a:xfrm>
+          <a:prstGeom prst="roundRect">
+            <a:avLst/>
+          </a:prstGeom>
+          <a:noFill/>
+          <a:ln>
+            <a:solidFill>
+              <a:schemeClr val="tx1"/>
+            </a:solidFill>
+          </a:ln>
+          <a:extLst>
+            <a:ext uri="{909E8E84-426E-40DD-AFC4-6F175D3DCCD1}">
+              <a14:hiddenFill xmlns:a14="http://schemas.microsoft.com/office/drawing/2010/main">
+                <a:solidFill>
+                  <a:schemeClr val="accent1"/>
+                </a:solidFill>
+              </a14:hiddenFill>
+            </a:ext>
+          </a:extLst>
+        </p:spPr>
+        <p:style>
+          <a:lnRef idx="2">
+            <a:schemeClr val="accent1">
+              <a:shade val="50000"/>
+            </a:schemeClr>
+          </a:lnRef>
+          <a:fillRef idx="1">
+            <a:schemeClr val="accent1"/>
+          </a:fillRef>
+          <a:effectRef idx="0">
+            <a:schemeClr val="accent1"/>
+          </a:effectRef>
+          <a:fontRef idx="minor">
+            <a:schemeClr val="lt1"/>
+          </a:fontRef>
+        </p:style>
+        <p:txBody>
+          <a:bodyPr rtlCol="0" anchor="ctr"/>
+          <a:p>
+            <a:pPr algn="ctr"/>
+            <a:endParaRPr lang="zh-CN" altLang="en-US"/>
+          </a:p>
+        </p:txBody>
+      </p:sp>
+      <p:cxnSp>
+        <p:nvCxnSpPr>
+          <p:cNvPr id="3" name="直接箭头连接符 2"/>
+          <p:cNvCxnSpPr>
+            <a:stCxn id="2" idx="2"/>
+            <a:endCxn id="6" idx="0"/>
+          </p:cNvCxnSpPr>
+          <p:nvPr/>
+        </p:nvCxnSpPr>
+        <p:spPr>
+          <a:xfrm>
+            <a:off x="3283585" y="1645920"/>
+            <a:ext cx="1270" cy="1083310"/>
+          </a:xfrm>
+          <a:prstGeom prst="straightConnector1">
+            <a:avLst/>
+          </a:prstGeom>
+          <a:ln>
+            <a:tailEnd type="arrow" w="med" len="med"/>
+          </a:ln>
+        </p:spPr>
+        <p:style>
+          <a:lnRef idx="1">
+            <a:schemeClr val="dk1"/>
+          </a:lnRef>
+          <a:fillRef idx="0">
+            <a:schemeClr val="dk1"/>
+          </a:fillRef>
+          <a:effectRef idx="0">
+            <a:schemeClr val="dk1"/>
+          </a:effectRef>
+          <a:fontRef idx="minor">
+            <a:schemeClr val="tx1"/>
+          </a:fontRef>
+        </p:style>
+      </p:cxnSp>
+      <p:sp>
+        <p:nvSpPr>
+          <p:cNvPr id="6" name="矩形 5"/>
+          <p:cNvSpPr/>
+          <p:nvPr/>
+        </p:nvSpPr>
+        <p:spPr>
+          <a:xfrm>
+            <a:off x="1729740" y="2729230"/>
+            <a:ext cx="3109595" cy="782955"/>
+          </a:xfrm>
+          <a:prstGeom prst="rect">
+            <a:avLst/>
+          </a:prstGeom>
+          <a:noFill/>
+          <a:ln>
+            <a:solidFill>
+              <a:schemeClr val="tx1"/>
+            </a:solidFill>
+          </a:ln>
+          <a:extLst>
+            <a:ext uri="{909E8E84-426E-40DD-AFC4-6F175D3DCCD1}">
+              <a14:hiddenFill xmlns:a14="http://schemas.microsoft.com/office/drawing/2010/main">
+                <a:solidFill>
+                  <a:schemeClr val="accent1"/>
+                </a:solidFill>
+              </a14:hiddenFill>
+            </a:ext>
+          </a:extLst>
+        </p:spPr>
+        <p:style>
+          <a:lnRef idx="2">
+            <a:schemeClr val="accent1">
+              <a:shade val="50000"/>
+            </a:schemeClr>
+          </a:lnRef>
+          <a:fillRef idx="1">
+            <a:schemeClr val="accent1"/>
+          </a:fillRef>
+          <a:effectRef idx="0">
+            <a:schemeClr val="accent1"/>
+          </a:effectRef>
+          <a:fontRef idx="minor">
+            <a:schemeClr val="lt1"/>
+          </a:fontRef>
+        </p:style>
+        <p:txBody>
+          <a:bodyPr vertOverflow="overflow" horzOverflow="overflow" vert="horz" wrap="square" numCol="1" spcCol="0" rtlCol="0" fromWordArt="0" anchor="ctr" anchorCtr="0" forceAA="0" compatLnSpc="1">
+            <a:noAutofit/>
+          </a:bodyPr>
+          <a:p>
+            <a:pPr lvl="0" algn="ctr"/>
+            <a:endParaRPr lang="zh-CN" altLang="en-US">
+              <a:sym typeface="+mn-ea"/>
+            </a:endParaRPr>
+          </a:p>
+        </p:txBody>
+      </p:sp>
+      <p:sp>
+        <p:nvSpPr>
+          <p:cNvPr id="7" name="矩形 6"/>
+          <p:cNvSpPr/>
+          <p:nvPr/>
+        </p:nvSpPr>
+        <p:spPr>
+          <a:xfrm>
+            <a:off x="1706245" y="4610100"/>
+            <a:ext cx="3109595" cy="782955"/>
+          </a:xfrm>
+          <a:prstGeom prst="rect">
+            <a:avLst/>
+          </a:prstGeom>
+          <a:noFill/>
+          <a:ln>
+            <a:solidFill>
+              <a:schemeClr val="tx1"/>
+            </a:solidFill>
+          </a:ln>
+          <a:extLst>
+            <a:ext uri="{909E8E84-426E-40DD-AFC4-6F175D3DCCD1}">
+              <a14:hiddenFill xmlns:a14="http://schemas.microsoft.com/office/drawing/2010/main">
+                <a:solidFill>
+                  <a:schemeClr val="accent1"/>
+                </a:solidFill>
+              </a14:hiddenFill>
+            </a:ext>
+          </a:extLst>
+        </p:spPr>
+        <p:style>
+          <a:lnRef idx="2">
+            <a:schemeClr val="accent1">
+              <a:shade val="50000"/>
+            </a:schemeClr>
+          </a:lnRef>
+          <a:fillRef idx="1">
+            <a:schemeClr val="accent1"/>
+          </a:fillRef>
+          <a:effectRef idx="0">
+            <a:schemeClr val="accent1"/>
+          </a:effectRef>
+          <a:fontRef idx="minor">
+            <a:schemeClr val="lt1"/>
+          </a:fontRef>
+        </p:style>
+        <p:txBody>
+          <a:bodyPr vertOverflow="overflow" horzOverflow="overflow" vert="horz" wrap="square" numCol="1" spcCol="0" rtlCol="0" fromWordArt="0" anchor="ctr" anchorCtr="0" forceAA="0" compatLnSpc="1">
+            <a:noAutofit/>
+          </a:bodyPr>
+          <a:p>
+            <a:pPr lvl="0" algn="ctr"/>
+            <a:endParaRPr lang="zh-CN" altLang="en-US">
+              <a:sym typeface="+mn-ea"/>
+            </a:endParaRPr>
+          </a:p>
+        </p:txBody>
+      </p:sp>
+      <p:sp>
+        <p:nvSpPr>
+          <p:cNvPr id="9" name="菱形 8"/>
+          <p:cNvSpPr/>
+          <p:nvPr/>
+        </p:nvSpPr>
+        <p:spPr>
+          <a:xfrm>
+            <a:off x="6176010" y="2310765"/>
+            <a:ext cx="4296410" cy="1619885"/>
+          </a:xfrm>
+          <a:prstGeom prst="diamond">
+            <a:avLst/>
+          </a:prstGeom>
+          <a:noFill/>
+          <a:ln>
+            <a:solidFill>
+              <a:schemeClr val="tx1"/>
+            </a:solidFill>
+          </a:ln>
+          <a:extLst>
+            <a:ext uri="{909E8E84-426E-40DD-AFC4-6F175D3DCCD1}">
+              <a14:hiddenFill xmlns:a14="http://schemas.microsoft.com/office/drawing/2010/main">
+                <a:solidFill>
+                  <a:schemeClr val="accent1"/>
+                </a:solidFill>
+              </a14:hiddenFill>
+            </a:ext>
+          </a:extLst>
+        </p:spPr>
+        <p:style>
+          <a:lnRef idx="2">
+            <a:schemeClr val="accent1">
+              <a:shade val="50000"/>
+            </a:schemeClr>
+          </a:lnRef>
+          <a:fillRef idx="1">
+            <a:schemeClr val="accent1"/>
+          </a:fillRef>
+          <a:effectRef idx="0">
+            <a:schemeClr val="accent1"/>
+          </a:effectRef>
+          <a:fontRef idx="minor">
+            <a:schemeClr val="lt1"/>
+          </a:fontRef>
+        </p:style>
+        <p:txBody>
+          <a:bodyPr vertOverflow="overflow" horzOverflow="overflow" vert="horz" wrap="square" numCol="1" spcCol="0" rtlCol="0" fromWordArt="0" anchor="ctr" anchorCtr="0" forceAA="0" compatLnSpc="1">
+            <a:noAutofit/>
+          </a:bodyPr>
+          <a:p>
+            <a:pPr lvl="0" algn="ctr"/>
+            <a:endParaRPr lang="zh-CN" altLang="en-US">
+              <a:sym typeface="+mn-ea"/>
+            </a:endParaRPr>
+          </a:p>
+        </p:txBody>
+      </p:sp>
+      <p:sp>
+        <p:nvSpPr>
+          <p:cNvPr id="10" name="矩形 9"/>
+          <p:cNvSpPr/>
+          <p:nvPr/>
+        </p:nvSpPr>
+        <p:spPr>
+          <a:xfrm>
+            <a:off x="6769735" y="4643120"/>
+            <a:ext cx="3109595" cy="782955"/>
+          </a:xfrm>
+          <a:prstGeom prst="rect">
+            <a:avLst/>
+          </a:prstGeom>
+          <a:noFill/>
+          <a:ln>
+            <a:solidFill>
+              <a:schemeClr val="tx1"/>
+            </a:solidFill>
+          </a:ln>
+          <a:extLst>
+            <a:ext uri="{909E8E84-426E-40DD-AFC4-6F175D3DCCD1}">
+              <a14:hiddenFill xmlns:a14="http://schemas.microsoft.com/office/drawing/2010/main">
+                <a:solidFill>
+                  <a:schemeClr val="accent1"/>
+                </a:solidFill>
+              </a14:hiddenFill>
+            </a:ext>
+          </a:extLst>
+        </p:spPr>
+        <p:style>
+          <a:lnRef idx="2">
+            <a:schemeClr val="accent1">
+              <a:shade val="50000"/>
+            </a:schemeClr>
+          </a:lnRef>
+          <a:fillRef idx="1">
+            <a:schemeClr val="accent1"/>
+          </a:fillRef>
+          <a:effectRef idx="0">
+            <a:schemeClr val="accent1"/>
+          </a:effectRef>
+          <a:fontRef idx="minor">
+            <a:schemeClr val="lt1"/>
+          </a:fontRef>
+        </p:style>
+        <p:txBody>
+          <a:bodyPr rtlCol="0" anchor="ctr"/>
+          <a:p>
+            <a:pPr algn="ctr"/>
+            <a:endParaRPr lang="zh-CN" altLang="en-US"/>
+          </a:p>
+        </p:txBody>
+      </p:sp>
+      <p:sp>
+        <p:nvSpPr>
+          <p:cNvPr id="11" name="文本框 10"/>
+          <p:cNvSpPr txBox="1"/>
+          <p:nvPr/>
+        </p:nvSpPr>
+        <p:spPr>
+          <a:xfrm>
+            <a:off x="2143125" y="1014730"/>
+            <a:ext cx="2316480" cy="457200"/>
+          </a:xfrm>
+          <a:prstGeom prst="rect">
+            <a:avLst/>
+          </a:prstGeom>
+          <a:noFill/>
+        </p:spPr>
+        <p:txBody>
+          <a:bodyPr wrap="none" rtlCol="0">
+            <a:spAutoFit/>
+          </a:bodyPr>
+          <a:p>
+            <a:r>
+              <a:rPr lang="zh-CN" altLang="en-US" sz="2400"/>
+              <a:t>获取少数类样本</a:t>
+            </a:r>
+            <a:endParaRPr lang="zh-CN" altLang="en-US" sz="2400"/>
+          </a:p>
+        </p:txBody>
+      </p:sp>
+      <p:sp>
+        <p:nvSpPr>
+          <p:cNvPr id="12" name="文本框 11"/>
+          <p:cNvSpPr txBox="1"/>
+          <p:nvPr/>
+        </p:nvSpPr>
+        <p:spPr>
+          <a:xfrm>
+            <a:off x="1970405" y="2735580"/>
+            <a:ext cx="2621280" cy="822960"/>
+          </a:xfrm>
+          <a:prstGeom prst="rect">
+            <a:avLst/>
+          </a:prstGeom>
+          <a:noFill/>
+        </p:spPr>
+        <p:txBody>
+          <a:bodyPr wrap="none" rtlCol="0" anchor="t">
+            <a:spAutoFit/>
+          </a:bodyPr>
+          <a:p>
+            <a:pPr algn="ctr"/>
+            <a:r>
+              <a:rPr lang="zh-CN" altLang="en-US" sz="2400">
+                <a:sym typeface="+mn-ea"/>
+              </a:rPr>
+              <a:t>求每个少数类样本</a:t>
+            </a:r>
+            <a:endParaRPr lang="zh-CN" altLang="en-US" sz="2400">
+              <a:sym typeface="+mn-ea"/>
+            </a:endParaRPr>
+          </a:p>
+          <a:p>
+            <a:pPr algn="ctr"/>
+            <a:r>
+              <a:rPr lang="zh-CN" altLang="en-US" sz="2400">
+                <a:sym typeface="+mn-ea"/>
+              </a:rPr>
+              <a:t>的</a:t>
+            </a:r>
+            <a:r>
+              <a:rPr lang="en-US" altLang="zh-CN" sz="2400">
+                <a:sym typeface="+mn-ea"/>
+              </a:rPr>
+              <a:t>k</a:t>
+            </a:r>
+            <a:r>
+              <a:rPr lang="zh-CN" altLang="en-US" sz="2400">
+                <a:sym typeface="+mn-ea"/>
+              </a:rPr>
+              <a:t>个近邻</a:t>
+            </a:r>
+            <a:endParaRPr lang="zh-CN" altLang="en-US" sz="2400">
+              <a:sym typeface="+mn-ea"/>
+            </a:endParaRPr>
+          </a:p>
+        </p:txBody>
+      </p:sp>
+      <p:sp>
+        <p:nvSpPr>
+          <p:cNvPr id="13" name="文本框 12"/>
+          <p:cNvSpPr txBox="1"/>
+          <p:nvPr/>
+        </p:nvSpPr>
+        <p:spPr>
+          <a:xfrm>
+            <a:off x="1631950" y="4818380"/>
+            <a:ext cx="3230880" cy="457200"/>
+          </a:xfrm>
+          <a:prstGeom prst="rect">
+            <a:avLst/>
+          </a:prstGeom>
+          <a:noFill/>
+        </p:spPr>
+        <p:txBody>
+          <a:bodyPr wrap="none" rtlCol="0" anchor="t">
+            <a:spAutoFit/>
+          </a:bodyPr>
+          <a:p>
+            <a:pPr algn="l"/>
+            <a:r>
+              <a:rPr lang="zh-CN" altLang="en-US" sz="2400">
+                <a:sym typeface="+mn-ea"/>
+              </a:rPr>
+              <a:t>使用公式合成新的样本</a:t>
+            </a:r>
+            <a:endParaRPr lang="zh-CN" altLang="en-US" sz="2400">
+              <a:sym typeface="+mn-ea"/>
+            </a:endParaRPr>
+          </a:p>
+        </p:txBody>
+      </p:sp>
+      <p:cxnSp>
+        <p:nvCxnSpPr>
+          <p:cNvPr id="14" name="直接箭头连接符 13"/>
+          <p:cNvCxnSpPr>
+            <a:stCxn id="7" idx="3"/>
+            <a:endCxn id="10" idx="1"/>
+          </p:cNvCxnSpPr>
+          <p:nvPr/>
+        </p:nvCxnSpPr>
+        <p:spPr>
+          <a:xfrm>
+            <a:off x="4815840" y="5001895"/>
+            <a:ext cx="1953895" cy="33020"/>
+          </a:xfrm>
+          <a:prstGeom prst="straightConnector1">
+            <a:avLst/>
+          </a:prstGeom>
+          <a:ln>
+            <a:tailEnd type="arrow" w="med" len="med"/>
+          </a:ln>
+        </p:spPr>
+        <p:style>
+          <a:lnRef idx="1">
+            <a:schemeClr val="dk1"/>
+          </a:lnRef>
+          <a:fillRef idx="0">
+            <a:schemeClr val="dk1"/>
+          </a:fillRef>
+          <a:effectRef idx="0">
+            <a:schemeClr val="dk1"/>
+          </a:effectRef>
+          <a:fontRef idx="minor">
+            <a:schemeClr val="tx1"/>
+          </a:fontRef>
+        </p:style>
+      </p:cxnSp>
+      <p:cxnSp>
+        <p:nvCxnSpPr>
+          <p:cNvPr id="15" name="直接箭头连接符 14"/>
+          <p:cNvCxnSpPr>
+            <a:stCxn id="9" idx="1"/>
+            <a:endCxn id="6" idx="3"/>
+          </p:cNvCxnSpPr>
+          <p:nvPr/>
+        </p:nvCxnSpPr>
+        <p:spPr>
+          <a:xfrm flipH="1">
+            <a:off x="4839335" y="3121025"/>
+            <a:ext cx="1336675" cy="0"/>
+          </a:xfrm>
+          <a:prstGeom prst="straightConnector1">
+            <a:avLst/>
+          </a:prstGeom>
+          <a:ln>
+            <a:tailEnd type="arrow" w="med" len="med"/>
+          </a:ln>
+        </p:spPr>
+        <p:style>
+          <a:lnRef idx="1">
+            <a:schemeClr val="dk1"/>
+          </a:lnRef>
+          <a:fillRef idx="0">
+            <a:schemeClr val="dk1"/>
+          </a:fillRef>
+          <a:effectRef idx="0">
+            <a:schemeClr val="dk1"/>
+          </a:effectRef>
+          <a:fontRef idx="minor">
+            <a:schemeClr val="tx1"/>
+          </a:fontRef>
+        </p:style>
+      </p:cxnSp>
+      <p:cxnSp>
+        <p:nvCxnSpPr>
+          <p:cNvPr id="16" name="直接箭头连接符 15"/>
+          <p:cNvCxnSpPr>
+            <a:stCxn id="10" idx="0"/>
+            <a:endCxn id="9" idx="2"/>
+          </p:cNvCxnSpPr>
+          <p:nvPr/>
+        </p:nvCxnSpPr>
+        <p:spPr>
+          <a:xfrm flipH="1" flipV="1">
+            <a:off x="8324215" y="3930650"/>
+            <a:ext cx="635" cy="712470"/>
+          </a:xfrm>
+          <a:prstGeom prst="straightConnector1">
+            <a:avLst/>
+          </a:prstGeom>
+          <a:ln>
+            <a:tailEnd type="arrow" w="med" len="med"/>
+          </a:ln>
+        </p:spPr>
+        <p:style>
+          <a:lnRef idx="1">
+            <a:schemeClr val="dk1"/>
+          </a:lnRef>
+          <a:fillRef idx="0">
+            <a:schemeClr val="dk1"/>
+          </a:fillRef>
+          <a:effectRef idx="0">
+            <a:schemeClr val="dk1"/>
+          </a:effectRef>
+          <a:fontRef idx="minor">
+            <a:schemeClr val="tx1"/>
+          </a:fontRef>
+        </p:style>
+      </p:cxnSp>
+      <p:cxnSp>
+        <p:nvCxnSpPr>
+          <p:cNvPr id="17" name="直接箭头连接符 16"/>
+          <p:cNvCxnSpPr>
+            <a:stCxn id="9" idx="0"/>
+            <a:endCxn id="8" idx="2"/>
+          </p:cNvCxnSpPr>
+          <p:nvPr/>
+        </p:nvCxnSpPr>
+        <p:spPr>
+          <a:xfrm flipV="1">
+            <a:off x="8324215" y="1617980"/>
+            <a:ext cx="635" cy="692785"/>
+          </a:xfrm>
+          <a:prstGeom prst="straightConnector1">
+            <a:avLst/>
+          </a:prstGeom>
+          <a:ln>
+            <a:tailEnd type="arrow" w="med" len="med"/>
+          </a:ln>
+        </p:spPr>
+        <p:style>
+          <a:lnRef idx="1">
+            <a:schemeClr val="dk1"/>
+          </a:lnRef>
+          <a:fillRef idx="0">
+            <a:schemeClr val="dk1"/>
+          </a:fillRef>
+          <a:effectRef idx="0">
+            <a:schemeClr val="dk1"/>
+          </a:effectRef>
+          <a:fontRef idx="minor">
+            <a:schemeClr val="tx1"/>
+          </a:fontRef>
+        </p:style>
+      </p:cxnSp>
+      <p:sp>
+        <p:nvSpPr>
+          <p:cNvPr id="18" name="文本框 17"/>
+          <p:cNvSpPr txBox="1"/>
+          <p:nvPr/>
+        </p:nvSpPr>
+        <p:spPr>
+          <a:xfrm>
+            <a:off x="5264150" y="2663825"/>
+            <a:ext cx="487680" cy="457200"/>
+          </a:xfrm>
+          <a:prstGeom prst="rect">
+            <a:avLst/>
+          </a:prstGeom>
+          <a:noFill/>
+        </p:spPr>
+        <p:txBody>
+          <a:bodyPr wrap="none" rtlCol="0">
+            <a:spAutoFit/>
+          </a:bodyPr>
+          <a:p>
+            <a:r>
+              <a:rPr lang="zh-CN" altLang="en-US" sz="2400"/>
+              <a:t>否</a:t>
+            </a:r>
+            <a:endParaRPr lang="zh-CN" altLang="en-US"/>
+          </a:p>
+        </p:txBody>
+      </p:sp>
+      <p:sp>
+        <p:nvSpPr>
+          <p:cNvPr id="19" name="文本框 18"/>
+          <p:cNvSpPr txBox="1"/>
+          <p:nvPr/>
+        </p:nvSpPr>
+        <p:spPr>
+          <a:xfrm>
+            <a:off x="7014210" y="4610100"/>
+            <a:ext cx="2621280" cy="822960"/>
+          </a:xfrm>
+          <a:prstGeom prst="rect">
+            <a:avLst/>
+          </a:prstGeom>
+          <a:noFill/>
+        </p:spPr>
+        <p:txBody>
+          <a:bodyPr wrap="none" rtlCol="0" anchor="t">
+            <a:spAutoFit/>
+          </a:bodyPr>
+          <a:p>
+            <a:pPr algn="ctr"/>
+            <a:r>
+              <a:rPr lang="zh-CN" altLang="en-US" sz="2400">
+                <a:sym typeface="+mn-ea"/>
+              </a:rPr>
+              <a:t>将合成样本添加到</a:t>
+            </a:r>
+            <a:endParaRPr lang="zh-CN" altLang="en-US" sz="2400">
+              <a:sym typeface="+mn-ea"/>
+            </a:endParaRPr>
+          </a:p>
+          <a:p>
+            <a:pPr algn="ctr"/>
+            <a:r>
+              <a:rPr lang="zh-CN" altLang="en-US" sz="2400">
+                <a:sym typeface="+mn-ea"/>
+              </a:rPr>
+              <a:t>少数类样本中</a:t>
+            </a:r>
+            <a:endParaRPr lang="zh-CN" altLang="en-US" sz="2400">
+              <a:sym typeface="+mn-ea"/>
+            </a:endParaRPr>
+          </a:p>
+        </p:txBody>
+      </p:sp>
+      <p:sp>
+        <p:nvSpPr>
+          <p:cNvPr id="20" name="文本框 19"/>
+          <p:cNvSpPr txBox="1"/>
+          <p:nvPr/>
+        </p:nvSpPr>
+        <p:spPr>
+          <a:xfrm>
+            <a:off x="7026275" y="2750820"/>
+            <a:ext cx="2621280" cy="822960"/>
+          </a:xfrm>
+          <a:prstGeom prst="rect">
+            <a:avLst/>
+          </a:prstGeom>
+          <a:noFill/>
+        </p:spPr>
+        <p:txBody>
+          <a:bodyPr wrap="none" rtlCol="0">
+            <a:spAutoFit/>
+          </a:bodyPr>
+          <a:p>
+            <a:pPr algn="ctr"/>
+            <a:r>
+              <a:rPr lang="zh-CN" altLang="en-US" sz="2400"/>
+              <a:t>数据集的非平衡率</a:t>
+            </a:r>
+            <a:endParaRPr lang="zh-CN" altLang="en-US" sz="2400"/>
+          </a:p>
+          <a:p>
+            <a:pPr algn="ctr"/>
+            <a:r>
+              <a:rPr lang="zh-CN" altLang="en-US" sz="2400"/>
+              <a:t>是否小于目标值</a:t>
+            </a:r>
+            <a:endParaRPr lang="zh-CN" altLang="en-US" sz="2400"/>
+          </a:p>
+        </p:txBody>
+      </p:sp>
+      <p:sp>
+        <p:nvSpPr>
+          <p:cNvPr id="21" name="文本框 20"/>
+          <p:cNvSpPr txBox="1"/>
+          <p:nvPr/>
+        </p:nvSpPr>
+        <p:spPr>
+          <a:xfrm>
+            <a:off x="7035800" y="998220"/>
+            <a:ext cx="2316480" cy="457200"/>
+          </a:xfrm>
+          <a:prstGeom prst="rect">
+            <a:avLst/>
+          </a:prstGeom>
+          <a:noFill/>
+        </p:spPr>
+        <p:txBody>
+          <a:bodyPr wrap="none" rtlCol="0" anchor="t">
+            <a:spAutoFit/>
+          </a:bodyPr>
+          <a:p>
+            <a:r>
+              <a:rPr lang="zh-CN" altLang="en-US" sz="2400">
+                <a:sym typeface="+mn-ea"/>
+              </a:rPr>
+              <a:t>获得最终数据集</a:t>
+            </a:r>
+            <a:endParaRPr lang="zh-CN">
+              <a:sym typeface="+mn-ea"/>
+            </a:endParaRPr>
+          </a:p>
+        </p:txBody>
+      </p:sp>
+      <p:cxnSp>
+        <p:nvCxnSpPr>
+          <p:cNvPr id="22" name="直接箭头连接符 21"/>
+          <p:cNvCxnSpPr>
+            <a:endCxn id="7" idx="0"/>
+          </p:cNvCxnSpPr>
+          <p:nvPr/>
+        </p:nvCxnSpPr>
+        <p:spPr>
+          <a:xfrm>
+            <a:off x="3251200" y="3515360"/>
+            <a:ext cx="10160" cy="1094740"/>
+          </a:xfrm>
+          <a:prstGeom prst="straightConnector1">
+            <a:avLst/>
+          </a:prstGeom>
+          <a:ln>
+            <a:tailEnd type="arrow" w="med" len="med"/>
+          </a:ln>
+        </p:spPr>
+        <p:style>
+          <a:lnRef idx="1">
+            <a:schemeClr val="dk1"/>
+          </a:lnRef>
+          <a:fillRef idx="0">
+            <a:schemeClr val="dk1"/>
+          </a:fillRef>
+          <a:effectRef idx="0">
+            <a:schemeClr val="dk1"/>
+          </a:effectRef>
+          <a:fontRef idx="minor">
+            <a:schemeClr val="tx1"/>
+          </a:fontRef>
+        </p:style>
+      </p:cxnSp>
+      <p:sp>
+        <p:nvSpPr>
+          <p:cNvPr id="24" name="文本框 23"/>
+          <p:cNvSpPr txBox="1"/>
+          <p:nvPr/>
+        </p:nvSpPr>
+        <p:spPr>
+          <a:xfrm>
+            <a:off x="8429625" y="1853565"/>
+            <a:ext cx="487680" cy="457200"/>
+          </a:xfrm>
+          <a:prstGeom prst="rect">
+            <a:avLst/>
+          </a:prstGeom>
+          <a:noFill/>
+        </p:spPr>
+        <p:txBody>
+          <a:bodyPr wrap="none" rtlCol="0">
+            <a:spAutoFit/>
+          </a:bodyPr>
+          <a:p>
+            <a:r>
+              <a:rPr lang="zh-CN" altLang="en-US" sz="2400"/>
+              <a:t>是</a:t>
+            </a:r>
+            <a:endParaRPr lang="zh-CN" altLang="en-US"/>
+          </a:p>
+        </p:txBody>
+      </p:sp>
+      <p:sp>
+        <p:nvSpPr>
+          <p:cNvPr id="25" name="圆角矩形 24"/>
+          <p:cNvSpPr/>
+          <p:nvPr/>
+        </p:nvSpPr>
+        <p:spPr>
+          <a:xfrm>
+            <a:off x="6768465" y="780415"/>
+            <a:ext cx="3110865" cy="837565"/>
+          </a:xfrm>
+          <a:prstGeom prst="roundRect">
+            <a:avLst/>
+          </a:prstGeom>
+          <a:noFill/>
+          <a:ln>
+            <a:solidFill>
+              <a:schemeClr val="tx1"/>
+            </a:solidFill>
+          </a:ln>
+          <a:extLst>
+            <a:ext uri="{909E8E84-426E-40DD-AFC4-6F175D3DCCD1}">
+              <a14:hiddenFill xmlns:a14="http://schemas.microsoft.com/office/drawing/2010/main">
+                <a:solidFill>
+                  <a:schemeClr val="accent1"/>
+                </a:solidFill>
+              </a14:hiddenFill>
+            </a:ext>
+          </a:extLst>
+        </p:spPr>
+        <p:style>
+          <a:lnRef idx="2">
+            <a:schemeClr val="accent1">
+              <a:shade val="50000"/>
+            </a:schemeClr>
+          </a:lnRef>
+          <a:fillRef idx="1">
+            <a:schemeClr val="accent1"/>
+          </a:fillRef>
+          <a:effectRef idx="0">
+            <a:schemeClr val="accent1"/>
+          </a:effectRef>
+          <a:fontRef idx="minor">
+            <a:schemeClr val="lt1"/>
+          </a:fontRef>
+        </p:style>
+        <p:txBody>
+          <a:bodyPr rtlCol="0" anchor="ctr"/>
+          <a:p>
+            <a:pPr algn="ctr"/>
+            <a:endParaRPr lang="zh-CN" altLang="en-US"/>
+          </a:p>
+        </p:txBody>
+      </p:sp>
     </p:spTree>
   </p:cSld>
   <p:clrMapOvr>
